--- a/PHAN TICH CARD CHUYEN TRANG THAI.pptx
+++ b/PHAN TICH CARD CHUYEN TRANG THAI.pptx
@@ -222,7 +222,6 @@
             <c:showLeaderLines val="0"/>
             <c:extLst>
               <c:ext xmlns:c15="http://schemas.microsoft.com/office/drawing/2012/chart" uri="{CE6537A1-D6FC-4f65-9D91-7224C49458BB}">
-                <c15:layout/>
                 <c15:showLeaderLines val="1"/>
                 <c15:leaderLines>
                   <c:spPr>
@@ -546,7 +545,6 @@
             <c:showLeaderLines val="0"/>
             <c:extLst>
               <c:ext xmlns:c15="http://schemas.microsoft.com/office/drawing/2012/chart" uri="{CE6537A1-D6FC-4f65-9D91-7224C49458BB}">
-                <c15:layout/>
                 <c15:showLeaderLines val="1"/>
                 <c15:leaderLines>
                   <c:spPr>
@@ -1060,7 +1058,6 @@
             <c:showLeaderLines val="0"/>
             <c:extLst>
               <c:ext xmlns:c15="http://schemas.microsoft.com/office/drawing/2012/chart" uri="{CE6537A1-D6FC-4f65-9D91-7224C49458BB}">
-                <c15:layout/>
                 <c15:showLeaderLines val="1"/>
                 <c15:leaderLines>
                   <c:spPr>
@@ -1489,7 +1486,6 @@
     </c:plotArea>
     <c:legend>
       <c:legendPos val="b"/>
-      <c:layout/>
       <c:overlay val="0"/>
       <c:spPr>
         <a:noFill/>
@@ -1652,7 +1648,6 @@
             <c:showLeaderLines val="0"/>
             <c:extLst>
               <c:ext xmlns:c15="http://schemas.microsoft.com/office/drawing/2012/chart" uri="{CE6537A1-D6FC-4f65-9D91-7224C49458BB}">
-                <c15:layout/>
                 <c15:showLeaderLines val="1"/>
                 <c15:leaderLines>
                   <c:spPr>
@@ -2004,7 +1999,6 @@
     </c:plotArea>
     <c:legend>
       <c:legendPos val="b"/>
-      <c:layout/>
       <c:overlay val="0"/>
       <c:spPr>
         <a:noFill/>
@@ -2058,6 +2052,7 @@
   <c:externalData r:id="rId3">
     <c:autoUpdate val="0"/>
   </c:externalData>
+  <c:userShapes r:id="rId4"/>
 </c:chartSpace>
 </file>
 
@@ -5379,6 +5374,94 @@
 </cs:chartStyle>
 </file>
 
+<file path=ppt/drawings/drawing1.xml><?xml version="1.0" encoding="utf-8"?>
+<c:userShapes xmlns:c="http://schemas.openxmlformats.org/drawingml/2006/chart">
+  <cdr:relSizeAnchor xmlns:cdr="http://schemas.openxmlformats.org/drawingml/2006/chartDrawing">
+    <cdr:from>
+      <cdr:x>0.5644</cdr:x>
+      <cdr:y>0.45551</cdr:y>
+    </cdr:from>
+    <cdr:to>
+      <cdr:x>0.66954</cdr:x>
+      <cdr:y>0.61751</cdr:y>
+    </cdr:to>
+    <cdr:sp macro="" textlink="">
+      <cdr:nvSpPr>
+        <cdr:cNvPr id="2" name="TextBox 1">
+          <a:extLst xmlns:a="http://schemas.openxmlformats.org/drawingml/2006/main">
+            <a:ext uri="{FF2B5EF4-FFF2-40B4-BE49-F238E27FC236}">
+              <a16:creationId xmlns:a16="http://schemas.microsoft.com/office/drawing/2014/main" id="{6920AD53-2B72-4E02-38FD-121E22870C58}"/>
+            </a:ext>
+          </a:extLst>
+        </cdr:cNvPr>
+        <cdr:cNvSpPr txBox="1"/>
+      </cdr:nvSpPr>
+      <cdr:spPr>
+        <a:xfrm xmlns:a="http://schemas.openxmlformats.org/drawingml/2006/main">
+          <a:off x="2300895" y="1038466"/>
+          <a:ext cx="428625" cy="369332"/>
+        </a:xfrm>
+        <a:prstGeom xmlns:a="http://schemas.openxmlformats.org/drawingml/2006/main" prst="rect">
+          <a:avLst/>
+        </a:prstGeom>
+      </cdr:spPr>
+      <cdr:txBody>
+        <a:bodyPr xmlns:a="http://schemas.openxmlformats.org/drawingml/2006/main" vertOverflow="clip" wrap="square" rtlCol="0"/>
+        <a:lstStyle xmlns:a="http://schemas.openxmlformats.org/drawingml/2006/main"/>
+        <a:p xmlns:a="http://schemas.openxmlformats.org/drawingml/2006/main">
+          <a:endParaRPr lang="en-US" sz="1100" dirty="0"/>
+        </a:p>
+      </cdr:txBody>
+    </cdr:sp>
+  </cdr:relSizeAnchor>
+  <cdr:relSizeAnchor xmlns:cdr="http://schemas.openxmlformats.org/drawingml/2006/chartDrawing">
+    <cdr:from>
+      <cdr:x>0.53033</cdr:x>
+      <cdr:y>0.38344</cdr:y>
+    </cdr:from>
+    <cdr:to>
+      <cdr:x>0.66981</cdr:x>
+      <cdr:y>0.54341</cdr:y>
+    </cdr:to>
+    <cdr:sp macro="" textlink="">
+      <cdr:nvSpPr>
+        <cdr:cNvPr id="3" name="TextBox 2">
+          <a:extLst xmlns:a="http://schemas.openxmlformats.org/drawingml/2006/main">
+            <a:ext uri="{FF2B5EF4-FFF2-40B4-BE49-F238E27FC236}">
+              <a16:creationId xmlns:a16="http://schemas.microsoft.com/office/drawing/2014/main" id="{4B3D0FFD-179C-0749-32A3-7B67E08A1A11}"/>
+            </a:ext>
+          </a:extLst>
+        </cdr:cNvPr>
+        <cdr:cNvSpPr txBox="1"/>
+      </cdr:nvSpPr>
+      <cdr:spPr>
+        <a:xfrm xmlns:a="http://schemas.openxmlformats.org/drawingml/2006/main">
+          <a:off x="2385063" y="876544"/>
+          <a:ext cx="627290" cy="365699"/>
+        </a:xfrm>
+        <a:prstGeom xmlns:a="http://schemas.openxmlformats.org/drawingml/2006/main" prst="rect">
+          <a:avLst/>
+        </a:prstGeom>
+      </cdr:spPr>
+      <cdr:txBody>
+        <a:bodyPr xmlns:a="http://schemas.openxmlformats.org/drawingml/2006/main" vertOverflow="clip" wrap="square" rtlCol="0"/>
+        <a:lstStyle xmlns:a="http://schemas.openxmlformats.org/drawingml/2006/main"/>
+        <a:p xmlns:a="http://schemas.openxmlformats.org/drawingml/2006/main">
+          <a:r>
+            <a:rPr lang="en-US" sz="1600" dirty="0">
+              <a:solidFill>
+                <a:schemeClr val="bg1"/>
+              </a:solidFill>
+            </a:rPr>
+            <a:t>50%</a:t>
+          </a:r>
+        </a:p>
+      </cdr:txBody>
+    </cdr:sp>
+  </cdr:relSizeAnchor>
+</c:userShapes>
+</file>
+
 <file path=ppt/notesMasters/notesMaster1.xml><?xml version="1.0" encoding="utf-8"?>
 <p:notesMaster xmlns:a="http://schemas.openxmlformats.org/drawingml/2006/main" xmlns:r="http://schemas.openxmlformats.org/officeDocument/2006/relationships" xmlns:p="http://schemas.openxmlformats.org/presentationml/2006/main">
   <p:cSld>
@@ -5461,7 +5544,7 @@
           <a:p>
             <a:fld id="{FB1F9D3E-C4B3-483F-8E16-836AB853457D}" type="datetimeFigureOut">
               <a:rPr lang="en-US" smtClean="0"/>
-              <a:t>3/15/2024</a:t>
+              <a:t>3/17/2024</a:t>
             </a:fld>
             <a:endParaRPr lang="en-US"/>
           </a:p>
@@ -5857,7 +5940,7 @@
           <a:p>
             <a:fld id="{2B146665-E135-490E-B7E5-94855B004F97}" type="datetimeFigureOut">
               <a:rPr lang="en-US" smtClean="0"/>
-              <a:t>3/15/2024</a:t>
+              <a:t>3/17/2024</a:t>
             </a:fld>
             <a:endParaRPr lang="en-US"/>
           </a:p>
@@ -6025,7 +6108,7 @@
           <a:p>
             <a:fld id="{2B146665-E135-490E-B7E5-94855B004F97}" type="datetimeFigureOut">
               <a:rPr lang="en-US" smtClean="0"/>
-              <a:t>3/15/2024</a:t>
+              <a:t>3/17/2024</a:t>
             </a:fld>
             <a:endParaRPr lang="en-US"/>
           </a:p>
@@ -6203,7 +6286,7 @@
           <a:p>
             <a:fld id="{2B146665-E135-490E-B7E5-94855B004F97}" type="datetimeFigureOut">
               <a:rPr lang="en-US" smtClean="0"/>
-              <a:t>3/15/2024</a:t>
+              <a:t>3/17/2024</a:t>
             </a:fld>
             <a:endParaRPr lang="en-US"/>
           </a:p>
@@ -6971,7 +7054,7 @@
           <a:p>
             <a:fld id="{2B146665-E135-490E-B7E5-94855B004F97}" type="datetimeFigureOut">
               <a:rPr lang="en-US" smtClean="0"/>
-              <a:t>3/15/2024</a:t>
+              <a:t>3/17/2024</a:t>
             </a:fld>
             <a:endParaRPr lang="en-US"/>
           </a:p>
@@ -7216,7 +7299,7 @@
           <a:p>
             <a:fld id="{2B146665-E135-490E-B7E5-94855B004F97}" type="datetimeFigureOut">
               <a:rPr lang="en-US" smtClean="0"/>
-              <a:t>3/15/2024</a:t>
+              <a:t>3/17/2024</a:t>
             </a:fld>
             <a:endParaRPr lang="en-US"/>
           </a:p>
@@ -7445,7 +7528,7 @@
           <a:p>
             <a:fld id="{2B146665-E135-490E-B7E5-94855B004F97}" type="datetimeFigureOut">
               <a:rPr lang="en-US" smtClean="0"/>
-              <a:t>3/15/2024</a:t>
+              <a:t>3/17/2024</a:t>
             </a:fld>
             <a:endParaRPr lang="en-US"/>
           </a:p>
@@ -7809,7 +7892,7 @@
           <a:p>
             <a:fld id="{2B146665-E135-490E-B7E5-94855B004F97}" type="datetimeFigureOut">
               <a:rPr lang="en-US" smtClean="0"/>
-              <a:t>3/15/2024</a:t>
+              <a:t>3/17/2024</a:t>
             </a:fld>
             <a:endParaRPr lang="en-US"/>
           </a:p>
@@ -7926,7 +8009,7 @@
           <a:p>
             <a:fld id="{2B146665-E135-490E-B7E5-94855B004F97}" type="datetimeFigureOut">
               <a:rPr lang="en-US" smtClean="0"/>
-              <a:t>3/15/2024</a:t>
+              <a:t>3/17/2024</a:t>
             </a:fld>
             <a:endParaRPr lang="en-US"/>
           </a:p>
@@ -8021,7 +8104,7 @@
           <a:p>
             <a:fld id="{2B146665-E135-490E-B7E5-94855B004F97}" type="datetimeFigureOut">
               <a:rPr lang="en-US" smtClean="0"/>
-              <a:t>3/15/2024</a:t>
+              <a:t>3/17/2024</a:t>
             </a:fld>
             <a:endParaRPr lang="en-US"/>
           </a:p>
@@ -8296,7 +8379,7 @@
           <a:p>
             <a:fld id="{2B146665-E135-490E-B7E5-94855B004F97}" type="datetimeFigureOut">
               <a:rPr lang="en-US" smtClean="0"/>
-              <a:t>3/15/2024</a:t>
+              <a:t>3/17/2024</a:t>
             </a:fld>
             <a:endParaRPr lang="en-US"/>
           </a:p>
@@ -8548,7 +8631,7 @@
           <a:p>
             <a:fld id="{2B146665-E135-490E-B7E5-94855B004F97}" type="datetimeFigureOut">
               <a:rPr lang="en-US" smtClean="0"/>
-              <a:t>3/15/2024</a:t>
+              <a:t>3/17/2024</a:t>
             </a:fld>
             <a:endParaRPr lang="en-US"/>
           </a:p>
@@ -8759,7 +8842,7 @@
           <a:p>
             <a:fld id="{2B146665-E135-490E-B7E5-94855B004F97}" type="datetimeFigureOut">
               <a:rPr lang="en-US" smtClean="0"/>
-              <a:t>3/15/2024</a:t>
+              <a:t>3/17/2024</a:t>
             </a:fld>
             <a:endParaRPr lang="en-US"/>
           </a:p>
@@ -9489,31 +9572,12 @@
                 <a:solidFill>
                   <a:srgbClr val="FFFFFF"/>
                 </a:solidFill>
-                <a:latin typeface="Cambria" panose="02040503050406030204" pitchFamily="18" charset="0"/>
+                <a:latin typeface="+mn-lt"/>
                 <a:ea typeface="Cambria" panose="02040503050406030204" pitchFamily="18" charset="0"/>
                 <a:cs typeface="Tahoma" panose="020B0604030504040204" pitchFamily="34" charset="0"/>
               </a:rPr>
-              <a:t>PHÂN TÍCH </a:t>
-            </a:r>
-            <a:r>
-              <a:rPr lang="en-US" altLang="en-US" sz="3600" b="1" dirty="0" smtClean="0">
-                <a:solidFill>
-                  <a:srgbClr val="FFFFFF"/>
-                </a:solidFill>
-                <a:latin typeface="Cambria" panose="02040503050406030204" pitchFamily="18" charset="0"/>
-                <a:ea typeface="Cambria" panose="02040503050406030204" pitchFamily="18" charset="0"/>
-                <a:cs typeface="Tahoma" panose="020B0604030504040204" pitchFamily="34" charset="0"/>
-              </a:rPr>
-              <a:t>TỶ LỆ THẺ CREDIT CHUYỂN TRẠNG THÁI TỪ CARD OK SANG POTENTIAL RISK</a:t>
-            </a:r>
-            <a:endParaRPr lang="en-US" altLang="en-US" sz="3600" b="1" dirty="0">
-              <a:solidFill>
-                <a:srgbClr val="FFFFFF"/>
-              </a:solidFill>
-              <a:latin typeface="Cambria" panose="02040503050406030204" pitchFamily="18" charset="0"/>
-              <a:ea typeface="Cambria" panose="02040503050406030204" pitchFamily="18" charset="0"/>
-              <a:cs typeface="Tahoma" panose="020B0604030504040204" pitchFamily="34" charset="0"/>
-            </a:endParaRPr>
+              <a:t>PHÂN TÍCH TỶ LỆ THẺ CREDIT CHUYỂN TRẠNG THÁI TỪ CARD OK SANG POTENTIAL RISK</a:t>
+            </a:r>
           </a:p>
           <a:p>
             <a:pPr algn="ctr" eaLnBrk="1" hangingPunct="1">
@@ -9889,8 +9953,8 @@
         </p:nvSpPr>
         <p:spPr bwMode="auto">
           <a:xfrm>
-            <a:off x="1652588" y="6118225"/>
-            <a:ext cx="2767012" cy="304800"/>
+            <a:off x="1652588" y="5961062"/>
+            <a:ext cx="2767012" cy="461963"/>
           </a:xfrm>
           <a:prstGeom prst="rect">
             <a:avLst/>
@@ -10026,37 +10090,15 @@
               </a:lnSpc>
             </a:pPr>
             <a:r>
-              <a:rPr lang="en-US" altLang="en-US" sz="2800" b="1" dirty="0" smtClean="0">
+              <a:rPr lang="en-US" altLang="en-US" sz="2800" b="1" dirty="0">
                 <a:solidFill>
                   <a:schemeClr val="bg1"/>
                 </a:solidFill>
-                <a:latin typeface="Cambria" panose="02040503050406030204" pitchFamily="18" charset="0"/>
+                <a:latin typeface="Arial "/>
                 <a:ea typeface="Cambria" panose="02040503050406030204" pitchFamily="18" charset="0"/>
                 <a:cs typeface="Times New Roman" panose="02020603050405020304" pitchFamily="18" charset="0"/>
               </a:rPr>
-              <a:t>Mar</a:t>
-            </a:r>
-            <a:r>
-              <a:rPr lang="en-US" altLang="en-US" sz="2800" b="1" dirty="0" smtClean="0">
-                <a:solidFill>
-                  <a:schemeClr val="bg1"/>
-                </a:solidFill>
-                <a:latin typeface="Cambria" panose="02040503050406030204" pitchFamily="18" charset="0"/>
-                <a:ea typeface="Cambria" panose="02040503050406030204" pitchFamily="18" charset="0"/>
-                <a:cs typeface="Times New Roman" panose="02020603050405020304" pitchFamily="18" charset="0"/>
-              </a:rPr>
-              <a:t>, </a:t>
-            </a:r>
-            <a:r>
-              <a:rPr lang="en-US" altLang="en-US" sz="2800" b="1" dirty="0">
-                <a:solidFill>
-                  <a:schemeClr val="bg1"/>
-                </a:solidFill>
-                <a:latin typeface="Cambria" panose="02040503050406030204" pitchFamily="18" charset="0"/>
-                <a:ea typeface="Cambria" panose="02040503050406030204" pitchFamily="18" charset="0"/>
-                <a:cs typeface="Times New Roman" panose="02020603050405020304" pitchFamily="18" charset="0"/>
-              </a:rPr>
-              <a:t>2024</a:t>
+              <a:t>Mar, 2024</a:t>
             </a:r>
           </a:p>
         </p:txBody>
@@ -10205,11 +10247,11 @@
           </a:lstStyle>
           <a:p>
             <a:r>
-              <a:rPr lang="en-US" altLang="en-US" sz="1200">
+              <a:rPr lang="en-US" altLang="en-US" sz="1200" dirty="0">
                 <a:solidFill>
                   <a:schemeClr val="bg1"/>
                 </a:solidFill>
-                <a:latin typeface="Cambria" panose="02040503050406030204" pitchFamily="18" charset="0"/>
+                <a:latin typeface="+mn-lt"/>
                 <a:ea typeface="Cambria" panose="02040503050406030204" pitchFamily="18" charset="0"/>
                 <a:cs typeface="Times New Roman" panose="02020603050405020304" pitchFamily="18" charset="0"/>
               </a:rPr>
@@ -10218,11 +10260,11 @@
           </a:p>
           <a:p>
             <a:r>
-              <a:rPr lang="en-US" altLang="en-US" sz="1200">
+              <a:rPr lang="en-US" altLang="en-US" sz="1200" dirty="0">
                 <a:solidFill>
                   <a:schemeClr val="bg1"/>
                 </a:solidFill>
-                <a:latin typeface="Cambria" panose="02040503050406030204" pitchFamily="18" charset="0"/>
+                <a:latin typeface="+mn-lt"/>
                 <a:ea typeface="Cambria" panose="02040503050406030204" pitchFamily="18" charset="0"/>
                 <a:cs typeface="Times New Roman" panose="02020603050405020304" pitchFamily="18" charset="0"/>
               </a:rPr>
@@ -10318,7 +10360,7 @@
                 <a:solidFill>
                   <a:prstClr val="white"/>
                 </a:solidFill>
-                <a:latin typeface="Tahoma" panose="020B0604030504040204" pitchFamily="34" charset="0"/>
+                <a:latin typeface="+mn-lt"/>
                 <a:ea typeface="Tahoma" panose="020B0604030504040204" pitchFamily="34" charset="0"/>
                 <a:cs typeface="Tahoma" panose="020B0604030504040204" pitchFamily="34" charset="0"/>
               </a:rPr>
@@ -10337,13 +10379,6 @@
   <p:clrMapOvr>
     <a:masterClrMapping/>
   </p:clrMapOvr>
-  <p:timing>
-    <p:tnLst>
-      <p:par>
-        <p:cTn id="1" dur="indefinite" restart="never" nodeType="tmRoot"/>
-      </p:par>
-    </p:tnLst>
-  </p:timing>
 </p:sld>
 </file>
 
@@ -10385,9 +10420,6 @@
               </a:rPr>
               <a:t>ĐỀ BÀI PHÂN TÍCH</a:t>
             </a:r>
-            <a:endParaRPr lang="en-US" dirty="0">
-              <a:latin typeface="+mn-lt"/>
-            </a:endParaRPr>
           </a:p>
         </p:txBody>
       </p:sp>
@@ -10840,7 +10872,7 @@
           <a:lstStyle/>
           <a:p>
             <a:r>
-              <a:rPr lang="en-US" dirty="0" err="1" smtClean="0">
+              <a:rPr lang="en-US" dirty="0" err="1">
                 <a:solidFill>
                   <a:schemeClr val="tx2">
                     <a:lumMod val="75000"/>
@@ -10850,7 +10882,7 @@
               <a:t>Đề</a:t>
             </a:r>
             <a:r>
-              <a:rPr lang="en-US" dirty="0" smtClean="0">
+              <a:rPr lang="en-US" dirty="0">
                 <a:solidFill>
                   <a:schemeClr val="tx2">
                     <a:lumMod val="75000"/>
@@ -10860,7 +10892,7 @@
               <a:t> </a:t>
             </a:r>
             <a:r>
-              <a:rPr lang="en-US" dirty="0" err="1" smtClean="0">
+              <a:rPr lang="en-US" dirty="0" err="1">
                 <a:solidFill>
                   <a:schemeClr val="tx2">
                     <a:lumMod val="75000"/>
@@ -10870,7 +10902,7 @@
               <a:t>bài</a:t>
             </a:r>
             <a:r>
-              <a:rPr lang="en-US" dirty="0" smtClean="0">
+              <a:rPr lang="en-US" dirty="0">
                 <a:solidFill>
                   <a:schemeClr val="tx2">
                     <a:lumMod val="75000"/>
@@ -10880,7 +10912,7 @@
               <a:t> </a:t>
             </a:r>
             <a:r>
-              <a:rPr lang="en-US" dirty="0" err="1" smtClean="0">
+              <a:rPr lang="en-US" dirty="0" err="1">
                 <a:solidFill>
                   <a:schemeClr val="tx2">
                     <a:lumMod val="75000"/>
@@ -10890,7 +10922,7 @@
               <a:t>phân</a:t>
             </a:r>
             <a:r>
-              <a:rPr lang="en-US" dirty="0" smtClean="0">
+              <a:rPr lang="en-US" dirty="0">
                 <a:solidFill>
                   <a:schemeClr val="tx2">
                     <a:lumMod val="75000"/>
@@ -10900,7 +10932,7 @@
               <a:t> </a:t>
             </a:r>
             <a:r>
-              <a:rPr lang="en-US" dirty="0" err="1" smtClean="0">
+              <a:rPr lang="en-US" dirty="0" err="1">
                 <a:solidFill>
                   <a:schemeClr val="tx2">
                     <a:lumMod val="75000"/>
@@ -10909,7 +10941,7 @@
               </a:rPr>
               <a:t>tích</a:t>
             </a:r>
-            <a:endParaRPr lang="en-US" dirty="0" smtClean="0">
+            <a:endParaRPr lang="en-US" dirty="0">
               <a:solidFill>
                 <a:schemeClr val="tx2">
                   <a:lumMod val="75000"/>
@@ -10927,8 +10959,8 @@
         </p:nvSpPr>
         <p:spPr>
           <a:xfrm>
-            <a:off x="1122220" y="1837112"/>
-            <a:ext cx="4372494" cy="646331"/>
+            <a:off x="1163782" y="1837112"/>
+            <a:ext cx="4330932" cy="646331"/>
           </a:xfrm>
           <a:prstGeom prst="rect">
             <a:avLst/>
@@ -10942,7 +10974,7 @@
           <a:lstStyle/>
           <a:p>
             <a:r>
-              <a:rPr lang="en-US" dirty="0" err="1" smtClean="0">
+              <a:rPr lang="en-US" dirty="0" err="1">
                 <a:solidFill>
                   <a:schemeClr val="tx2">
                     <a:lumMod val="75000"/>
@@ -10952,7 +10984,7 @@
               <a:t>Tỷ</a:t>
             </a:r>
             <a:r>
-              <a:rPr lang="en-US" dirty="0" smtClean="0">
+              <a:rPr lang="en-US" dirty="0">
                 <a:solidFill>
                   <a:schemeClr val="tx2">
                     <a:lumMod val="75000"/>
@@ -10962,7 +10994,7 @@
               <a:t> </a:t>
             </a:r>
             <a:r>
-              <a:rPr lang="en-US" dirty="0" err="1" smtClean="0">
+              <a:rPr lang="en-US" dirty="0" err="1">
                 <a:solidFill>
                   <a:schemeClr val="tx2">
                     <a:lumMod val="75000"/>
@@ -10972,7 +11004,7 @@
               <a:t>lệ</a:t>
             </a:r>
             <a:r>
-              <a:rPr lang="en-US" dirty="0" smtClean="0">
+              <a:rPr lang="en-US" dirty="0">
                 <a:solidFill>
                   <a:schemeClr val="tx2">
                     <a:lumMod val="75000"/>
@@ -10982,7 +11014,7 @@
               <a:t> </a:t>
             </a:r>
             <a:r>
-              <a:rPr lang="en-US" dirty="0" err="1" smtClean="0">
+              <a:rPr lang="en-US" dirty="0" err="1">
                 <a:solidFill>
                   <a:schemeClr val="tx2">
                     <a:lumMod val="75000"/>
@@ -10992,7 +11024,7 @@
               <a:t>thẻ</a:t>
             </a:r>
             <a:r>
-              <a:rPr lang="en-US" dirty="0" smtClean="0">
+              <a:rPr lang="en-US" dirty="0">
                 <a:solidFill>
                   <a:schemeClr val="tx2">
                     <a:lumMod val="75000"/>
@@ -11002,7 +11034,7 @@
               <a:t> Credit Card </a:t>
             </a:r>
             <a:r>
-              <a:rPr lang="en-US" dirty="0" err="1" smtClean="0">
+              <a:rPr lang="en-US" dirty="0" err="1">
                 <a:solidFill>
                   <a:schemeClr val="tx2">
                     <a:lumMod val="75000"/>
@@ -11012,7 +11044,7 @@
               <a:t>chuyển</a:t>
             </a:r>
             <a:r>
-              <a:rPr lang="en-US" dirty="0" smtClean="0">
+              <a:rPr lang="en-US" dirty="0">
                 <a:solidFill>
                   <a:schemeClr val="tx2">
                     <a:lumMod val="75000"/>
@@ -11022,7 +11054,7 @@
               <a:t> </a:t>
             </a:r>
             <a:r>
-              <a:rPr lang="en-US" dirty="0" err="1" smtClean="0">
+              <a:rPr lang="en-US" dirty="0" err="1">
                 <a:solidFill>
                   <a:schemeClr val="tx2">
                     <a:lumMod val="75000"/>
@@ -11032,7 +11064,7 @@
               <a:t>trạng</a:t>
             </a:r>
             <a:r>
-              <a:rPr lang="en-US" dirty="0" smtClean="0">
+              <a:rPr lang="en-US" dirty="0">
                 <a:solidFill>
                   <a:schemeClr val="tx2">
                     <a:lumMod val="75000"/>
@@ -11042,7 +11074,7 @@
               <a:t> </a:t>
             </a:r>
             <a:r>
-              <a:rPr lang="en-US" dirty="0" err="1" smtClean="0">
+              <a:rPr lang="en-US" dirty="0" err="1">
                 <a:solidFill>
                   <a:schemeClr val="tx2">
                     <a:lumMod val="75000"/>
@@ -11052,7 +11084,7 @@
               <a:t>thái</a:t>
             </a:r>
             <a:r>
-              <a:rPr lang="en-US" dirty="0" smtClean="0">
+              <a:rPr lang="en-US" dirty="0">
                 <a:solidFill>
                   <a:schemeClr val="tx2">
                     <a:lumMod val="75000"/>
@@ -11062,7 +11094,7 @@
               <a:t> </a:t>
             </a:r>
             <a:r>
-              <a:rPr lang="en-US" dirty="0" err="1" smtClean="0">
+              <a:rPr lang="en-US" dirty="0" err="1">
                 <a:solidFill>
                   <a:schemeClr val="tx2">
                     <a:lumMod val="75000"/>
@@ -11072,7 +11104,7 @@
               <a:t>từ</a:t>
             </a:r>
             <a:r>
-              <a:rPr lang="en-US" dirty="0" smtClean="0">
+              <a:rPr lang="en-US" dirty="0">
                 <a:solidFill>
                   <a:schemeClr val="tx2">
                     <a:lumMod val="75000"/>
@@ -11081,13 +11113,6 @@
               </a:rPr>
               <a:t> Card Ok sang Potential Risk.</a:t>
             </a:r>
-            <a:endParaRPr lang="en-US" dirty="0">
-              <a:solidFill>
-                <a:schemeClr val="tx2">
-                  <a:lumMod val="75000"/>
-                </a:schemeClr>
-              </a:solidFill>
-            </a:endParaRPr>
           </a:p>
         </p:txBody>
       </p:sp>
@@ -11105,7 +11130,7 @@
         </p:nvSpPr>
         <p:spPr>
           <a:xfrm rot="5400000">
-            <a:off x="494172" y="3835044"/>
+            <a:off x="700624" y="3817405"/>
             <a:ext cx="383816" cy="378972"/>
           </a:xfrm>
           <a:custGeom>
@@ -11243,7 +11268,7 @@
         </p:nvSpPr>
         <p:spPr>
           <a:xfrm>
-            <a:off x="1006958" y="3651172"/>
+            <a:off x="1163782" y="3651172"/>
             <a:ext cx="3962693" cy="369332"/>
           </a:xfrm>
           <a:prstGeom prst="rect">
@@ -11258,7 +11283,7 @@
           <a:lstStyle/>
           <a:p>
             <a:r>
-              <a:rPr lang="en-US" dirty="0" err="1" smtClean="0">
+              <a:rPr lang="en-US" dirty="0" err="1">
                 <a:solidFill>
                   <a:schemeClr val="tx2">
                     <a:lumMod val="75000"/>
@@ -11268,7 +11293,7 @@
               <a:t>Thời</a:t>
             </a:r>
             <a:r>
-              <a:rPr lang="en-US" dirty="0" smtClean="0">
+              <a:rPr lang="en-US" dirty="0">
                 <a:solidFill>
                   <a:schemeClr val="tx2">
                     <a:lumMod val="75000"/>
@@ -11278,7 +11303,7 @@
               <a:t> </a:t>
             </a:r>
             <a:r>
-              <a:rPr lang="en-US" dirty="0" err="1" smtClean="0">
+              <a:rPr lang="en-US" dirty="0" err="1">
                 <a:solidFill>
                   <a:schemeClr val="tx2">
                     <a:lumMod val="75000"/>
@@ -11288,7 +11313,7 @@
               <a:t>gian</a:t>
             </a:r>
             <a:r>
-              <a:rPr lang="en-US" dirty="0" smtClean="0">
+              <a:rPr lang="en-US" dirty="0">
                 <a:solidFill>
                   <a:schemeClr val="tx2">
                     <a:lumMod val="75000"/>
@@ -11298,7 +11323,7 @@
               <a:t> </a:t>
             </a:r>
             <a:r>
-              <a:rPr lang="en-US" dirty="0" err="1" smtClean="0">
+              <a:rPr lang="en-US" dirty="0" err="1">
                 <a:solidFill>
                   <a:schemeClr val="tx2">
                     <a:lumMod val="75000"/>
@@ -11308,7 +11333,7 @@
               <a:t>lấy</a:t>
             </a:r>
             <a:r>
-              <a:rPr lang="en-US" dirty="0" smtClean="0">
+              <a:rPr lang="en-US" dirty="0">
                 <a:solidFill>
                   <a:schemeClr val="tx2">
                     <a:lumMod val="75000"/>
@@ -11318,7 +11343,7 @@
               <a:t> </a:t>
             </a:r>
             <a:r>
-              <a:rPr lang="en-US" dirty="0" err="1" smtClean="0">
+              <a:rPr lang="en-US" dirty="0" err="1">
                 <a:solidFill>
                   <a:schemeClr val="tx2">
                     <a:lumMod val="75000"/>
@@ -11328,7 +11353,7 @@
               <a:t>dữ</a:t>
             </a:r>
             <a:r>
-              <a:rPr lang="en-US" dirty="0" smtClean="0">
+              <a:rPr lang="en-US" dirty="0">
                 <a:solidFill>
                   <a:schemeClr val="tx2">
                     <a:lumMod val="75000"/>
@@ -11338,7 +11363,7 @@
               <a:t> </a:t>
             </a:r>
             <a:r>
-              <a:rPr lang="en-US" dirty="0" err="1" smtClean="0">
+              <a:rPr lang="en-US" dirty="0" err="1">
                 <a:solidFill>
                   <a:schemeClr val="tx2">
                     <a:lumMod val="75000"/>
@@ -11348,7 +11373,7 @@
               <a:t>liệu</a:t>
             </a:r>
             <a:r>
-              <a:rPr lang="en-US" dirty="0" smtClean="0">
+              <a:rPr lang="en-US" dirty="0">
                 <a:solidFill>
                   <a:schemeClr val="tx2">
                     <a:lumMod val="75000"/>
@@ -11357,13 +11382,6 @@
               </a:rPr>
               <a:t> </a:t>
             </a:r>
-            <a:endParaRPr lang="en-US" dirty="0">
-              <a:solidFill>
-                <a:schemeClr val="tx2">
-                  <a:lumMod val="75000"/>
-                </a:schemeClr>
-              </a:solidFill>
-            </a:endParaRPr>
           </a:p>
         </p:txBody>
       </p:sp>
@@ -11375,7 +11393,7 @@
         </p:nvSpPr>
         <p:spPr>
           <a:xfrm>
-            <a:off x="1006958" y="4106487"/>
+            <a:off x="1159817" y="4048842"/>
             <a:ext cx="3490227" cy="369332"/>
           </a:xfrm>
           <a:prstGeom prst="rect">
@@ -11390,7 +11408,7 @@
           <a:lstStyle/>
           <a:p>
             <a:r>
-              <a:rPr lang="en-US" dirty="0" err="1" smtClean="0">
+              <a:rPr lang="en-US" dirty="0" err="1">
                 <a:solidFill>
                   <a:schemeClr val="tx2">
                     <a:lumMod val="75000"/>
@@ -11400,7 +11418,7 @@
               <a:t>Từ</a:t>
             </a:r>
             <a:r>
-              <a:rPr lang="en-US" dirty="0" smtClean="0">
+              <a:rPr lang="en-US" dirty="0">
                 <a:solidFill>
                   <a:schemeClr val="tx2">
                     <a:lumMod val="75000"/>
@@ -11410,7 +11428,7 @@
               <a:t> 01/04/2023 </a:t>
             </a:r>
             <a:r>
-              <a:rPr lang="en-US" dirty="0" err="1" smtClean="0">
+              <a:rPr lang="en-US" dirty="0" err="1">
                 <a:solidFill>
                   <a:schemeClr val="tx2">
                     <a:lumMod val="75000"/>
@@ -11420,7 +11438,7 @@
               <a:t>đến</a:t>
             </a:r>
             <a:r>
-              <a:rPr lang="en-US" dirty="0" smtClean="0">
+              <a:rPr lang="en-US" dirty="0">
                 <a:solidFill>
                   <a:schemeClr val="tx2">
                     <a:lumMod val="75000"/>
@@ -11429,13 +11447,6 @@
               </a:rPr>
               <a:t> 13/03/2024.</a:t>
             </a:r>
-            <a:endParaRPr lang="en-US" dirty="0">
-              <a:solidFill>
-                <a:schemeClr val="tx2">
-                  <a:lumMod val="75000"/>
-                </a:schemeClr>
-              </a:solidFill>
-            </a:endParaRPr>
           </a:p>
         </p:txBody>
       </p:sp>
@@ -11449,13 +11460,6 @@
   <p:clrMapOvr>
     <a:masterClrMapping/>
   </p:clrMapOvr>
-  <p:timing>
-    <p:tnLst>
-      <p:par>
-        <p:cTn id="1" dur="indefinite" restart="never" nodeType="tmRoot"/>
-      </p:par>
-    </p:tnLst>
-  </p:timing>
 </p:sld>
 </file>
 
@@ -11486,80 +11490,121 @@
             <p:ph type="ctrTitle"/>
           </p:nvPr>
         </p:nvSpPr>
-        <p:spPr/>
+        <p:spPr>
+          <a:xfrm>
+            <a:off x="419100" y="61842"/>
+            <a:ext cx="10366547" cy="633412"/>
+          </a:xfrm>
+        </p:spPr>
         <p:txBody>
           <a:bodyPr/>
           <a:lstStyle/>
           <a:p>
             <a:r>
-              <a:rPr lang="en-US" dirty="0" err="1" smtClean="0"/>
+              <a:rPr lang="en-US" dirty="0" err="1">
+                <a:latin typeface="+mn-lt"/>
+              </a:rPr>
               <a:t>Tỷ</a:t>
             </a:r>
             <a:r>
-              <a:rPr lang="en-US" dirty="0" smtClean="0"/>
+              <a:rPr lang="en-US" dirty="0">
+                <a:latin typeface="+mn-lt"/>
+              </a:rPr>
               <a:t> </a:t>
             </a:r>
             <a:r>
-              <a:rPr lang="en-US" dirty="0" err="1" smtClean="0"/>
+              <a:rPr lang="en-US" dirty="0" err="1">
+                <a:latin typeface="+mn-lt"/>
+              </a:rPr>
               <a:t>lệ</a:t>
             </a:r>
             <a:r>
-              <a:rPr lang="en-US" dirty="0" smtClean="0"/>
+              <a:rPr lang="en-US" dirty="0">
+                <a:latin typeface="+mn-lt"/>
+              </a:rPr>
               <a:t> </a:t>
             </a:r>
             <a:r>
-              <a:rPr lang="en-US" dirty="0" err="1" smtClean="0"/>
+              <a:rPr lang="en-US" dirty="0" err="1">
+                <a:latin typeface="+mn-lt"/>
+              </a:rPr>
               <a:t>thẻ</a:t>
             </a:r>
             <a:r>
-              <a:rPr lang="en-US" dirty="0" smtClean="0"/>
+              <a:rPr lang="en-US" dirty="0">
+                <a:latin typeface="+mn-lt"/>
+              </a:rPr>
               <a:t> </a:t>
             </a:r>
             <a:r>
-              <a:rPr lang="en-US" dirty="0" err="1" smtClean="0"/>
+              <a:rPr lang="en-US" dirty="0" err="1">
+                <a:latin typeface="+mn-lt"/>
+              </a:rPr>
               <a:t>chuyển</a:t>
             </a:r>
             <a:r>
-              <a:rPr lang="en-US" dirty="0" smtClean="0"/>
+              <a:rPr lang="en-US" dirty="0">
+                <a:latin typeface="+mn-lt"/>
+              </a:rPr>
               <a:t> </a:t>
             </a:r>
             <a:r>
-              <a:rPr lang="en-US" dirty="0" err="1" smtClean="0"/>
+              <a:rPr lang="en-US" dirty="0" err="1">
+                <a:latin typeface="+mn-lt"/>
+              </a:rPr>
               <a:t>trạng</a:t>
             </a:r>
             <a:r>
-              <a:rPr lang="en-US" dirty="0" smtClean="0"/>
+              <a:rPr lang="en-US" dirty="0">
+                <a:latin typeface="+mn-lt"/>
+              </a:rPr>
               <a:t> </a:t>
             </a:r>
             <a:r>
-              <a:rPr lang="en-US" dirty="0" err="1" smtClean="0"/>
+              <a:rPr lang="en-US" dirty="0" err="1">
+                <a:latin typeface="+mn-lt"/>
+              </a:rPr>
               <a:t>thái</a:t>
             </a:r>
             <a:r>
-              <a:rPr lang="en-US" dirty="0" smtClean="0"/>
+              <a:rPr lang="en-US" dirty="0">
+                <a:latin typeface="+mn-lt"/>
+              </a:rPr>
               <a:t> </a:t>
             </a:r>
             <a:r>
-              <a:rPr lang="en-US" dirty="0" err="1" smtClean="0"/>
+              <a:rPr lang="en-US" dirty="0" err="1">
+                <a:latin typeface="+mn-lt"/>
+              </a:rPr>
               <a:t>theo</a:t>
             </a:r>
             <a:r>
-              <a:rPr lang="en-US" dirty="0" smtClean="0"/>
+              <a:rPr lang="en-US" dirty="0">
+                <a:latin typeface="+mn-lt"/>
+              </a:rPr>
               <a:t> </a:t>
             </a:r>
             <a:r>
-              <a:rPr lang="en-US" dirty="0" err="1" smtClean="0"/>
+              <a:rPr lang="en-US" dirty="0" err="1">
+                <a:latin typeface="+mn-lt"/>
+              </a:rPr>
               <a:t>từng</a:t>
             </a:r>
             <a:r>
-              <a:rPr lang="en-US" dirty="0" smtClean="0"/>
+              <a:rPr lang="en-US" dirty="0">
+                <a:latin typeface="+mn-lt"/>
+              </a:rPr>
               <a:t> </a:t>
             </a:r>
             <a:r>
-              <a:rPr lang="en-US" dirty="0" err="1" smtClean="0"/>
+              <a:rPr lang="en-US" dirty="0" err="1">
+                <a:latin typeface="+mn-lt"/>
+              </a:rPr>
               <a:t>quý</a:t>
             </a:r>
-            <a:endParaRPr lang="en-US" dirty="0"/>
+            <a:endParaRPr lang="en-US" dirty="0">
+              <a:latin typeface="+mn-lt"/>
+            </a:endParaRPr>
           </a:p>
         </p:txBody>
       </p:sp>
@@ -11946,7 +11991,7 @@
           <a:p>
             <a:pPr algn="ctr"/>
             <a:r>
-              <a:rPr lang="en-US" altLang="ko-KR" sz="3200" b="1" dirty="0" smtClean="0">
+              <a:rPr lang="en-US" altLang="ko-KR" sz="3200" b="1" dirty="0">
                 <a:solidFill>
                   <a:srgbClr val="008000"/>
                 </a:solidFill>
@@ -12087,7 +12132,7 @@
           <a:p>
             <a:pPr algn="ctr"/>
             <a:r>
-              <a:rPr lang="en-US" altLang="ko-KR" sz="3200" b="1" dirty="0" smtClean="0">
+              <a:rPr lang="en-US" altLang="ko-KR" sz="3200" b="1" dirty="0">
                 <a:solidFill>
                   <a:schemeClr val="accent5"/>
                 </a:solidFill>
@@ -14054,7 +14099,7 @@
               <a:p>
                 <a:pPr algn="ctr"/>
                 <a:r>
-                  <a:rPr lang="en-US" altLang="ko-KR" b="1" dirty="0" smtClean="0">
+                  <a:rPr lang="en-US" altLang="ko-KR" b="1" dirty="0">
                     <a:solidFill>
                       <a:srgbClr val="008000"/>
                     </a:solidFill>
@@ -14425,7 +14470,7 @@
               <a:p>
                 <a:pPr algn="ctr"/>
                 <a:r>
-                  <a:rPr lang="en-US" altLang="ko-KR" b="1" dirty="0" smtClean="0">
+                  <a:rPr lang="en-US" altLang="ko-KR" b="1" dirty="0">
                     <a:solidFill>
                       <a:schemeClr val="accent5"/>
                     </a:solidFill>
@@ -14468,7 +14513,7 @@
           <a:p>
             <a:pPr algn="ctr"/>
             <a:r>
-              <a:rPr lang="en-US" altLang="ko-KR" sz="3200" b="1" dirty="0" smtClean="0">
+              <a:rPr lang="en-US" altLang="ko-KR" sz="3200" b="1" dirty="0">
                 <a:solidFill>
                   <a:schemeClr val="accent4"/>
                 </a:solidFill>
@@ -14572,18 +14617,13 @@
             <a:lstStyle/>
             <a:p>
               <a:r>
-                <a:rPr lang="en-US" dirty="0" smtClean="0">
+                <a:rPr lang="en-US" b="1" dirty="0">
                   <a:solidFill>
                     <a:srgbClr val="FFC000"/>
                   </a:solidFill>
                 </a:rPr>
                 <a:t>Q3.2023</a:t>
               </a:r>
-              <a:endParaRPr lang="en-US" dirty="0">
-                <a:solidFill>
-                  <a:srgbClr val="FFC000"/>
-                </a:solidFill>
-              </a:endParaRPr>
             </a:p>
           </p:txBody>
         </p:sp>
@@ -14618,7 +14658,7 @@
           <a:p>
             <a:pPr algn="ctr"/>
             <a:r>
-              <a:rPr lang="en-US" altLang="ko-KR" sz="3200" b="1" dirty="0" smtClean="0">
+              <a:rPr lang="en-US" altLang="ko-KR" sz="3200" b="1" dirty="0">
                 <a:solidFill>
                   <a:schemeClr val="accent3"/>
                 </a:solidFill>
@@ -14735,7 +14775,7 @@
             <a:p>
               <a:pPr algn="ctr"/>
               <a:r>
-                <a:rPr lang="en-US" altLang="ko-KR" b="1" dirty="0" smtClean="0">
+                <a:rPr lang="en-US" altLang="ko-KR" b="1" dirty="0">
                   <a:solidFill>
                     <a:schemeClr val="accent3"/>
                   </a:solidFill>
@@ -14762,7 +14802,7 @@
         <p:spPr>
           <a:xfrm>
             <a:off x="130220" y="6317497"/>
-            <a:ext cx="5572311" cy="246221"/>
+            <a:ext cx="5572311" cy="307777"/>
           </a:xfrm>
           <a:prstGeom prst="rect">
             <a:avLst/>
@@ -14776,7 +14816,7 @@
           <a:lstStyle/>
           <a:p>
             <a:r>
-              <a:rPr lang="en-US" sz="1000" i="1" dirty="0" err="1" smtClean="0">
+              <a:rPr lang="en-US" sz="1400" i="1" dirty="0" err="1">
                 <a:solidFill>
                   <a:schemeClr val="bg1">
                     <a:lumMod val="50000"/>
@@ -14786,7 +14826,7 @@
               <a:t>Lưu</a:t>
             </a:r>
             <a:r>
-              <a:rPr lang="en-US" sz="1000" i="1" dirty="0" smtClean="0">
+              <a:rPr lang="en-US" sz="1400" i="1" dirty="0">
                 <a:solidFill>
                   <a:schemeClr val="bg1">
                     <a:lumMod val="50000"/>
@@ -14796,7 +14836,7 @@
               <a:t> ý: </a:t>
             </a:r>
             <a:r>
-              <a:rPr lang="en-US" sz="1000" i="1" dirty="0" err="1" smtClean="0">
+              <a:rPr lang="en-US" sz="1400" i="1" dirty="0" err="1">
                 <a:solidFill>
                   <a:schemeClr val="bg1">
                     <a:lumMod val="50000"/>
@@ -14806,7 +14846,7 @@
               <a:t>Đối</a:t>
             </a:r>
             <a:r>
-              <a:rPr lang="en-US" sz="1000" i="1" dirty="0" smtClean="0">
+              <a:rPr lang="en-US" sz="1400" i="1" dirty="0">
                 <a:solidFill>
                   <a:schemeClr val="bg1">
                     <a:lumMod val="50000"/>
@@ -14816,7 +14856,7 @@
               <a:t> </a:t>
             </a:r>
             <a:r>
-              <a:rPr lang="en-US" sz="1000" i="1" dirty="0" err="1" smtClean="0">
+              <a:rPr lang="en-US" sz="1400" i="1" dirty="0" err="1">
                 <a:solidFill>
                   <a:schemeClr val="bg1">
                     <a:lumMod val="50000"/>
@@ -14826,7 +14866,7 @@
               <a:t>với</a:t>
             </a:r>
             <a:r>
-              <a:rPr lang="en-US" sz="1000" i="1" dirty="0" smtClean="0">
+              <a:rPr lang="en-US" sz="1400" i="1" dirty="0">
                 <a:solidFill>
                   <a:schemeClr val="bg1">
                     <a:lumMod val="50000"/>
@@ -14836,7 +14876,7 @@
               <a:t> Q1.2024 </a:t>
             </a:r>
             <a:r>
-              <a:rPr lang="en-US" sz="1000" i="1" dirty="0" err="1" smtClean="0">
+              <a:rPr lang="en-US" sz="1400" i="1" dirty="0" err="1">
                 <a:solidFill>
                   <a:schemeClr val="bg1">
                     <a:lumMod val="50000"/>
@@ -14846,7 +14886,7 @@
               <a:t>chỉ</a:t>
             </a:r>
             <a:r>
-              <a:rPr lang="en-US" sz="1000" i="1" dirty="0" smtClean="0">
+              <a:rPr lang="en-US" sz="1400" i="1" dirty="0">
                 <a:solidFill>
                   <a:schemeClr val="bg1">
                     <a:lumMod val="50000"/>
@@ -14856,7 +14896,7 @@
               <a:t> </a:t>
             </a:r>
             <a:r>
-              <a:rPr lang="en-US" sz="1000" i="1" dirty="0" err="1" smtClean="0">
+              <a:rPr lang="en-US" sz="1400" i="1" dirty="0" err="1">
                 <a:solidFill>
                   <a:schemeClr val="bg1">
                     <a:lumMod val="50000"/>
@@ -14866,7 +14906,7 @@
               <a:t>lấy</a:t>
             </a:r>
             <a:r>
-              <a:rPr lang="en-US" sz="1000" i="1" dirty="0" smtClean="0">
+              <a:rPr lang="en-US" sz="1400" i="1" dirty="0">
                 <a:solidFill>
                   <a:schemeClr val="bg1">
                     <a:lumMod val="50000"/>
@@ -14876,7 +14916,7 @@
               <a:t> </a:t>
             </a:r>
             <a:r>
-              <a:rPr lang="en-US" sz="1000" i="1" dirty="0" err="1" smtClean="0">
+              <a:rPr lang="en-US" sz="1400" i="1" dirty="0" err="1">
                 <a:solidFill>
                   <a:schemeClr val="bg1">
                     <a:lumMod val="50000"/>
@@ -14886,7 +14926,7 @@
               <a:t>đến</a:t>
             </a:r>
             <a:r>
-              <a:rPr lang="en-US" sz="1000" i="1" dirty="0" smtClean="0">
+              <a:rPr lang="en-US" sz="1400" i="1" dirty="0">
                 <a:solidFill>
                   <a:schemeClr val="bg1">
                     <a:lumMod val="50000"/>
@@ -14896,7 +14936,7 @@
               <a:t> </a:t>
             </a:r>
             <a:r>
-              <a:rPr lang="en-US" sz="1000" i="1" dirty="0" err="1" smtClean="0">
+              <a:rPr lang="en-US" sz="1400" i="1" dirty="0" err="1">
                 <a:solidFill>
                   <a:schemeClr val="bg1">
                     <a:lumMod val="50000"/>
@@ -14906,7 +14946,7 @@
               <a:t>ngày</a:t>
             </a:r>
             <a:r>
-              <a:rPr lang="en-US" sz="1000" i="1" dirty="0" smtClean="0">
+              <a:rPr lang="en-US" sz="1400" i="1" dirty="0">
                 <a:solidFill>
                   <a:schemeClr val="bg1">
                     <a:lumMod val="50000"/>
@@ -14915,13 +14955,6 @@
               </a:rPr>
               <a:t> 13/03/2024</a:t>
             </a:r>
-            <a:endParaRPr lang="en-US" sz="1000" i="1" dirty="0">
-              <a:solidFill>
-                <a:schemeClr val="bg1">
-                  <a:lumMod val="50000"/>
-                </a:schemeClr>
-              </a:solidFill>
-            </a:endParaRPr>
           </a:p>
         </p:txBody>
       </p:sp>
@@ -15294,7 +15327,7 @@
             <a:p>
               <a:pPr algn="ctr"/>
               <a:r>
-                <a:rPr lang="en-US" altLang="ko-KR" dirty="0" smtClean="0"/>
+                <a:rPr lang="en-US" altLang="ko-KR" dirty="0"/>
                 <a:t>                     </a:t>
               </a:r>
               <a:endParaRPr lang="ko-KR" altLang="en-US" dirty="0"/>
@@ -17939,74 +17972,110 @@
           <a:lstStyle/>
           <a:p>
             <a:r>
-              <a:rPr lang="en-US" dirty="0" err="1" smtClean="0"/>
+              <a:rPr lang="en-US" dirty="0" err="1">
+                <a:latin typeface="+mn-lt"/>
+              </a:rPr>
               <a:t>Số</a:t>
             </a:r>
             <a:r>
-              <a:rPr lang="en-US" dirty="0" smtClean="0"/>
+              <a:rPr lang="en-US" dirty="0">
+                <a:latin typeface="+mn-lt"/>
+              </a:rPr>
               <a:t> </a:t>
             </a:r>
             <a:r>
-              <a:rPr lang="en-US" dirty="0" err="1" smtClean="0"/>
+              <a:rPr lang="en-US" dirty="0" err="1">
+                <a:latin typeface="+mn-lt"/>
+              </a:rPr>
               <a:t>lượng</a:t>
             </a:r>
             <a:r>
-              <a:rPr lang="en-US" dirty="0" smtClean="0"/>
+              <a:rPr lang="en-US" dirty="0">
+                <a:latin typeface="+mn-lt"/>
+              </a:rPr>
               <a:t> </a:t>
             </a:r>
             <a:r>
-              <a:rPr lang="en-US" dirty="0" err="1" smtClean="0"/>
+              <a:rPr lang="en-US" dirty="0" err="1">
+                <a:latin typeface="+mn-lt"/>
+              </a:rPr>
               <a:t>thẻ</a:t>
             </a:r>
             <a:r>
-              <a:rPr lang="en-US" dirty="0" smtClean="0"/>
+              <a:rPr lang="en-US" dirty="0">
+                <a:latin typeface="+mn-lt"/>
+              </a:rPr>
               <a:t> </a:t>
             </a:r>
             <a:r>
-              <a:rPr lang="en-US" dirty="0" err="1" smtClean="0"/>
+              <a:rPr lang="en-US" dirty="0" err="1">
+                <a:latin typeface="+mn-lt"/>
+              </a:rPr>
               <a:t>chuyển</a:t>
             </a:r>
             <a:r>
-              <a:rPr lang="en-US" dirty="0" smtClean="0"/>
+              <a:rPr lang="en-US" dirty="0">
+                <a:latin typeface="+mn-lt"/>
+              </a:rPr>
               <a:t> </a:t>
             </a:r>
             <a:r>
-              <a:rPr lang="en-US" dirty="0" err="1" smtClean="0"/>
+              <a:rPr lang="en-US" dirty="0" err="1">
+                <a:latin typeface="+mn-lt"/>
+              </a:rPr>
               <a:t>trạng</a:t>
             </a:r>
             <a:r>
-              <a:rPr lang="en-US" dirty="0" smtClean="0"/>
+              <a:rPr lang="en-US" dirty="0">
+                <a:latin typeface="+mn-lt"/>
+              </a:rPr>
               <a:t> </a:t>
             </a:r>
             <a:r>
-              <a:rPr lang="en-US" dirty="0" err="1" smtClean="0"/>
+              <a:rPr lang="en-US" dirty="0" err="1">
+                <a:latin typeface="+mn-lt"/>
+              </a:rPr>
               <a:t>thái</a:t>
             </a:r>
             <a:r>
-              <a:rPr lang="en-US" dirty="0" smtClean="0"/>
+              <a:rPr lang="en-US" dirty="0">
+                <a:latin typeface="+mn-lt"/>
+              </a:rPr>
               <a:t> </a:t>
             </a:r>
             <a:r>
-              <a:rPr lang="en-US" dirty="0" err="1" smtClean="0"/>
+              <a:rPr lang="en-US" dirty="0" err="1">
+                <a:latin typeface="+mn-lt"/>
+              </a:rPr>
               <a:t>theo</a:t>
             </a:r>
             <a:r>
-              <a:rPr lang="en-US" dirty="0" smtClean="0"/>
+              <a:rPr lang="en-US" dirty="0">
+                <a:latin typeface="+mn-lt"/>
+              </a:rPr>
               <a:t> </a:t>
             </a:r>
             <a:r>
-              <a:rPr lang="en-US" dirty="0" err="1" smtClean="0"/>
+              <a:rPr lang="en-US" dirty="0" err="1">
+                <a:latin typeface="+mn-lt"/>
+              </a:rPr>
               <a:t>từng</a:t>
             </a:r>
             <a:r>
-              <a:rPr lang="en-US" dirty="0" smtClean="0"/>
+              <a:rPr lang="en-US" dirty="0">
+                <a:latin typeface="+mn-lt"/>
+              </a:rPr>
               <a:t> </a:t>
             </a:r>
             <a:r>
-              <a:rPr lang="en-US" dirty="0" err="1" smtClean="0"/>
+              <a:rPr lang="en-US" dirty="0" err="1">
+                <a:latin typeface="+mn-lt"/>
+              </a:rPr>
               <a:t>tháng</a:t>
             </a:r>
-            <a:endParaRPr lang="en-US" dirty="0"/>
+            <a:endParaRPr lang="en-US" dirty="0">
+              <a:latin typeface="+mn-lt"/>
+            </a:endParaRPr>
           </a:p>
         </p:txBody>
       </p:sp>
@@ -18043,13 +18112,13 @@
           <p:nvPr>
             <p:extLst>
               <p:ext uri="{D42A27DB-BD31-4B8C-83A1-F6EECF244321}">
-                <p14:modId xmlns:p14="http://schemas.microsoft.com/office/powerpoint/2010/main" val="1129496337"/>
+                <p14:modId xmlns:p14="http://schemas.microsoft.com/office/powerpoint/2010/main" val="1573322234"/>
               </p:ext>
             </p:extLst>
           </p:nvPr>
         </p:nvGraphicFramePr>
         <p:xfrm>
-          <a:off x="6569172" y="1897823"/>
+          <a:off x="6397784" y="1951875"/>
           <a:ext cx="4809744" cy="2423160"/>
         </p:xfrm>
         <a:graphic>
@@ -18102,8 +18171,8 @@
         </p:nvSpPr>
         <p:spPr>
           <a:xfrm>
-            <a:off x="698269" y="1189560"/>
-            <a:ext cx="4322618" cy="307777"/>
+            <a:off x="577735" y="1189560"/>
+            <a:ext cx="4443152" cy="307777"/>
           </a:xfrm>
           <a:prstGeom prst="rect">
             <a:avLst/>
@@ -18117,7 +18186,7 @@
           <a:lstStyle/>
           <a:p>
             <a:r>
-              <a:rPr lang="en-US" sz="1400" dirty="0" smtClean="0">
+              <a:rPr lang="en-US" sz="1400" dirty="0">
                 <a:solidFill>
                   <a:schemeClr val="tx2">
                     <a:lumMod val="75000"/>
@@ -18127,7 +18196,7 @@
               <a:t>800 </a:t>
             </a:r>
             <a:r>
-              <a:rPr lang="en-US" sz="1400" dirty="0" err="1" smtClean="0">
+              <a:rPr lang="en-US" sz="1400" dirty="0" err="1">
                 <a:solidFill>
                   <a:schemeClr val="tx2">
                     <a:lumMod val="75000"/>
@@ -18137,7 +18206,7 @@
               <a:t>thẻ</a:t>
             </a:r>
             <a:r>
-              <a:rPr lang="en-US" sz="1400" dirty="0" smtClean="0">
+              <a:rPr lang="en-US" sz="1400" dirty="0">
                 <a:solidFill>
                   <a:schemeClr val="tx2">
                     <a:lumMod val="75000"/>
@@ -18147,7 +18216,7 @@
               <a:t> credit </a:t>
             </a:r>
             <a:r>
-              <a:rPr lang="en-US" sz="1400" dirty="0" err="1" smtClean="0">
+              <a:rPr lang="en-US" sz="1400" dirty="0" err="1">
                 <a:solidFill>
                   <a:schemeClr val="tx2">
                     <a:lumMod val="75000"/>
@@ -18157,7 +18226,7 @@
               <a:t>chuyển</a:t>
             </a:r>
             <a:r>
-              <a:rPr lang="en-US" sz="1400" dirty="0" smtClean="0">
+              <a:rPr lang="en-US" sz="1400" dirty="0">
                 <a:solidFill>
                   <a:schemeClr val="tx2">
                     <a:lumMod val="75000"/>
@@ -18167,7 +18236,7 @@
               <a:t> </a:t>
             </a:r>
             <a:r>
-              <a:rPr lang="en-US" sz="1400" dirty="0" err="1" smtClean="0">
+              <a:rPr lang="en-US" sz="1400" dirty="0" err="1">
                 <a:solidFill>
                   <a:schemeClr val="tx2">
                     <a:lumMod val="75000"/>
@@ -18177,7 +18246,7 @@
               <a:t>trạng</a:t>
             </a:r>
             <a:r>
-              <a:rPr lang="en-US" sz="1400" dirty="0" smtClean="0">
+              <a:rPr lang="en-US" sz="1400" dirty="0">
                 <a:solidFill>
                   <a:schemeClr val="tx2">
                     <a:lumMod val="75000"/>
@@ -18187,7 +18256,7 @@
               <a:t> </a:t>
             </a:r>
             <a:r>
-              <a:rPr lang="en-US" sz="1400" dirty="0" err="1" smtClean="0">
+              <a:rPr lang="en-US" sz="1400" dirty="0" err="1">
                 <a:solidFill>
                   <a:schemeClr val="tx2">
                     <a:lumMod val="75000"/>
@@ -18197,7 +18266,7 @@
               <a:t>thái</a:t>
             </a:r>
             <a:r>
-              <a:rPr lang="en-US" sz="1400" dirty="0" smtClean="0">
+              <a:rPr lang="en-US" sz="1400" dirty="0">
                 <a:solidFill>
                   <a:schemeClr val="tx2">
                     <a:lumMod val="75000"/>
@@ -18207,7 +18276,7 @@
               <a:t> </a:t>
             </a:r>
             <a:r>
-              <a:rPr lang="en-US" sz="1400" dirty="0" err="1" smtClean="0">
+              <a:rPr lang="en-US" sz="1400" dirty="0" err="1">
                 <a:solidFill>
                   <a:schemeClr val="tx2">
                     <a:lumMod val="75000"/>
@@ -18217,7 +18286,7 @@
               <a:t>trung</a:t>
             </a:r>
             <a:r>
-              <a:rPr lang="en-US" sz="1400" dirty="0" smtClean="0">
+              <a:rPr lang="en-US" sz="1400" dirty="0">
                 <a:solidFill>
                   <a:schemeClr val="tx2">
                     <a:lumMod val="75000"/>
@@ -18227,7 +18296,7 @@
               <a:t> </a:t>
             </a:r>
             <a:r>
-              <a:rPr lang="en-US" sz="1400" dirty="0" err="1" smtClean="0">
+              <a:rPr lang="en-US" sz="1400" dirty="0" err="1">
                 <a:solidFill>
                   <a:schemeClr val="tx2">
                     <a:lumMod val="75000"/>
@@ -18237,7 +18306,7 @@
               <a:t>bình</a:t>
             </a:r>
             <a:r>
-              <a:rPr lang="en-US" sz="1400" dirty="0" smtClean="0">
+              <a:rPr lang="en-US" sz="1400" dirty="0">
                 <a:solidFill>
                   <a:schemeClr val="tx2">
                     <a:lumMod val="75000"/>
@@ -18247,7 +18316,7 @@
               <a:t> 1 </a:t>
             </a:r>
             <a:r>
-              <a:rPr lang="en-US" sz="1400" dirty="0" err="1" smtClean="0">
+              <a:rPr lang="en-US" sz="1400" dirty="0" err="1">
                 <a:solidFill>
                   <a:schemeClr val="tx2">
                     <a:lumMod val="75000"/>
@@ -18257,7 +18326,7 @@
               <a:t>tháng</a:t>
             </a:r>
             <a:r>
-              <a:rPr lang="en-US" sz="1400" dirty="0" smtClean="0">
+              <a:rPr lang="en-US" sz="1400" dirty="0">
                 <a:solidFill>
                   <a:schemeClr val="tx2">
                     <a:lumMod val="75000"/>
@@ -18266,13 +18335,6 @@
               </a:rPr>
               <a:t> </a:t>
             </a:r>
-            <a:endParaRPr lang="en-US" sz="1400" dirty="0">
-              <a:solidFill>
-                <a:schemeClr val="tx2">
-                  <a:lumMod val="75000"/>
-                </a:schemeClr>
-              </a:solidFill>
-            </a:endParaRPr>
           </a:p>
         </p:txBody>
       </p:sp>
@@ -18284,8 +18346,8 @@
         </p:nvSpPr>
         <p:spPr>
           <a:xfrm>
-            <a:off x="6508041" y="1311570"/>
-            <a:ext cx="4847144" cy="307777"/>
+            <a:off x="6397784" y="1164706"/>
+            <a:ext cx="4572652" cy="307777"/>
           </a:xfrm>
           <a:prstGeom prst="rect">
             <a:avLst/>
@@ -18299,7 +18361,7 @@
           <a:lstStyle/>
           <a:p>
             <a:r>
-              <a:rPr lang="en-US" sz="1400" dirty="0" smtClean="0">
+              <a:rPr lang="en-US" sz="1400" dirty="0">
                 <a:solidFill>
                   <a:schemeClr val="tx2">
                     <a:lumMod val="75000"/>
@@ -18309,7 +18371,7 @@
               <a:t>85 </a:t>
             </a:r>
             <a:r>
-              <a:rPr lang="en-US" sz="1400" dirty="0" err="1" smtClean="0">
+              <a:rPr lang="en-US" sz="1400" dirty="0" err="1">
                 <a:solidFill>
                   <a:schemeClr val="tx2">
                     <a:lumMod val="75000"/>
@@ -18319,7 +18381,7 @@
               <a:t>thẻ</a:t>
             </a:r>
             <a:r>
-              <a:rPr lang="en-US" sz="1400" dirty="0" smtClean="0">
+              <a:rPr lang="en-US" sz="1400" dirty="0">
                 <a:solidFill>
                   <a:schemeClr val="tx2">
                     <a:lumMod val="75000"/>
@@ -18329,7 +18391,7 @@
               <a:t> credit do Card risk </a:t>
             </a:r>
             <a:r>
-              <a:rPr lang="en-US" sz="1400" dirty="0" err="1" smtClean="0">
+              <a:rPr lang="en-US" sz="1400" dirty="0" err="1">
                 <a:solidFill>
                   <a:schemeClr val="tx2">
                     <a:lumMod val="75000"/>
@@ -18339,7 +18401,7 @@
               <a:t>chuyển</a:t>
             </a:r>
             <a:r>
-              <a:rPr lang="en-US" sz="1400" dirty="0" smtClean="0">
+              <a:rPr lang="en-US" sz="1400" dirty="0">
                 <a:solidFill>
                   <a:schemeClr val="tx2">
                     <a:lumMod val="75000"/>
@@ -18349,7 +18411,7 @@
               <a:t> </a:t>
             </a:r>
             <a:r>
-              <a:rPr lang="en-US" sz="1400" dirty="0" err="1" smtClean="0">
+              <a:rPr lang="en-US" sz="1400" dirty="0" err="1">
                 <a:solidFill>
                   <a:schemeClr val="tx2">
                     <a:lumMod val="75000"/>
@@ -18359,7 +18421,7 @@
               <a:t>trung</a:t>
             </a:r>
             <a:r>
-              <a:rPr lang="en-US" sz="1400" dirty="0" smtClean="0">
+              <a:rPr lang="en-US" sz="1400" dirty="0">
                 <a:solidFill>
                   <a:schemeClr val="tx2">
                     <a:lumMod val="75000"/>
@@ -18369,7 +18431,7 @@
               <a:t> </a:t>
             </a:r>
             <a:r>
-              <a:rPr lang="en-US" sz="1400" dirty="0" err="1" smtClean="0">
+              <a:rPr lang="en-US" sz="1400" dirty="0" err="1">
                 <a:solidFill>
                   <a:schemeClr val="tx2">
                     <a:lumMod val="75000"/>
@@ -18379,7 +18441,7 @@
               <a:t>bình</a:t>
             </a:r>
             <a:r>
-              <a:rPr lang="en-US" sz="1400" dirty="0" smtClean="0">
+              <a:rPr lang="en-US" sz="1400" dirty="0">
                 <a:solidFill>
                   <a:schemeClr val="tx2">
                     <a:lumMod val="75000"/>
@@ -18389,7 +18451,7 @@
               <a:t> </a:t>
             </a:r>
             <a:r>
-              <a:rPr lang="en-US" sz="1400" dirty="0" err="1" smtClean="0">
+              <a:rPr lang="en-US" sz="1400" dirty="0" err="1">
                 <a:solidFill>
                   <a:schemeClr val="tx2">
                     <a:lumMod val="75000"/>
@@ -18399,7 +18461,7 @@
               <a:t>một</a:t>
             </a:r>
             <a:r>
-              <a:rPr lang="en-US" sz="1400" dirty="0" smtClean="0">
+              <a:rPr lang="en-US" sz="1400" dirty="0">
                 <a:solidFill>
                   <a:schemeClr val="tx2">
                     <a:lumMod val="75000"/>
@@ -18409,7 +18471,7 @@
               <a:t> </a:t>
             </a:r>
             <a:r>
-              <a:rPr lang="en-US" sz="1400" dirty="0" err="1" smtClean="0">
+              <a:rPr lang="en-US" sz="1400" dirty="0" err="1">
                 <a:solidFill>
                   <a:schemeClr val="tx2">
                     <a:lumMod val="75000"/>
@@ -18419,7 +18481,7 @@
               <a:t>tháng</a:t>
             </a:r>
             <a:r>
-              <a:rPr lang="en-US" sz="1400" dirty="0" smtClean="0">
+              <a:rPr lang="en-US" sz="1400" dirty="0">
                 <a:solidFill>
                   <a:schemeClr val="tx2">
                     <a:lumMod val="75000"/>
@@ -18428,13 +18490,6 @@
               </a:rPr>
               <a:t> </a:t>
             </a:r>
-            <a:endParaRPr lang="en-US" sz="1400" dirty="0">
-              <a:solidFill>
-                <a:schemeClr val="tx2">
-                  <a:lumMod val="75000"/>
-                </a:schemeClr>
-              </a:solidFill>
-            </a:endParaRPr>
           </a:p>
         </p:txBody>
       </p:sp>
@@ -18446,8 +18501,8 @@
         </p:nvSpPr>
         <p:spPr>
           <a:xfrm>
-            <a:off x="972588" y="5162204"/>
-            <a:ext cx="4821629" cy="307777"/>
+            <a:off x="866008" y="5162204"/>
+            <a:ext cx="4928210" cy="307777"/>
           </a:xfrm>
           <a:prstGeom prst="rect">
             <a:avLst/>
@@ -18461,7 +18516,7 @@
           <a:lstStyle/>
           <a:p>
             <a:r>
-              <a:rPr lang="en-US" sz="1400" dirty="0" err="1" smtClean="0">
+              <a:rPr lang="en-US" sz="1400" dirty="0" err="1">
                 <a:solidFill>
                   <a:schemeClr val="tx2">
                     <a:lumMod val="75000"/>
@@ -18471,7 +18526,7 @@
               <a:t>Số</a:t>
             </a:r>
             <a:r>
-              <a:rPr lang="en-US" sz="1400" dirty="0" smtClean="0">
+              <a:rPr lang="en-US" sz="1400" dirty="0">
                 <a:solidFill>
                   <a:schemeClr val="tx2">
                     <a:lumMod val="75000"/>
@@ -18481,7 +18536,7 @@
               <a:t> </a:t>
             </a:r>
             <a:r>
-              <a:rPr lang="en-US" sz="1400" dirty="0" err="1" smtClean="0">
+              <a:rPr lang="en-US" sz="1400" dirty="0" err="1">
                 <a:solidFill>
                   <a:schemeClr val="tx2">
                     <a:lumMod val="75000"/>
@@ -18491,7 +18546,7 @@
               <a:t>lượng</a:t>
             </a:r>
             <a:r>
-              <a:rPr lang="en-US" sz="1400" dirty="0" smtClean="0">
+              <a:rPr lang="en-US" sz="1400" dirty="0">
                 <a:solidFill>
                   <a:schemeClr val="tx2">
                     <a:lumMod val="75000"/>
@@ -18501,7 +18556,7 @@
               <a:t> </a:t>
             </a:r>
             <a:r>
-              <a:rPr lang="en-US" sz="1400" dirty="0" err="1" smtClean="0">
+              <a:rPr lang="en-US" sz="1400" dirty="0" err="1">
                 <a:solidFill>
                   <a:schemeClr val="tx2">
                     <a:lumMod val="75000"/>
@@ -18511,7 +18566,7 @@
               <a:t>thẻ</a:t>
             </a:r>
             <a:r>
-              <a:rPr lang="en-US" sz="1400" dirty="0" smtClean="0">
+              <a:rPr lang="en-US" sz="1400" dirty="0">
                 <a:solidFill>
                   <a:schemeClr val="tx2">
                     <a:lumMod val="75000"/>
@@ -18521,7 +18576,107 @@
               <a:t> </a:t>
             </a:r>
             <a:r>
-              <a:rPr lang="en-US" sz="1400" dirty="0" err="1" smtClean="0">
+              <a:rPr lang="en-US" sz="1400" dirty="0" err="1">
+                <a:solidFill>
+                  <a:schemeClr val="tx2">
+                    <a:lumMod val="75000"/>
+                  </a:schemeClr>
+                </a:solidFill>
+              </a:rPr>
+              <a:t>chuyển</a:t>
+            </a:r>
+            <a:r>
+              <a:rPr lang="en-US" sz="1400" dirty="0">
+                <a:solidFill>
+                  <a:schemeClr val="tx2">
+                    <a:lumMod val="75000"/>
+                  </a:schemeClr>
+                </a:solidFill>
+              </a:rPr>
+              <a:t> </a:t>
+            </a:r>
+            <a:r>
+              <a:rPr lang="en-US" sz="1400" dirty="0" err="1">
+                <a:solidFill>
+                  <a:schemeClr val="tx2">
+                    <a:lumMod val="75000"/>
+                  </a:schemeClr>
+                </a:solidFill>
+              </a:rPr>
+              <a:t>trạng</a:t>
+            </a:r>
+            <a:r>
+              <a:rPr lang="en-US" sz="1400" dirty="0">
+                <a:solidFill>
+                  <a:schemeClr val="tx2">
+                    <a:lumMod val="75000"/>
+                  </a:schemeClr>
+                </a:solidFill>
+              </a:rPr>
+              <a:t> </a:t>
+            </a:r>
+            <a:r>
+              <a:rPr lang="en-US" sz="1400" dirty="0" err="1">
+                <a:solidFill>
+                  <a:schemeClr val="tx2">
+                    <a:lumMod val="75000"/>
+                  </a:schemeClr>
+                </a:solidFill>
+              </a:rPr>
+              <a:t>thái</a:t>
+            </a:r>
+            <a:r>
+              <a:rPr lang="en-US" sz="1400" dirty="0">
+                <a:solidFill>
+                  <a:schemeClr val="tx2">
+                    <a:lumMod val="75000"/>
+                  </a:schemeClr>
+                </a:solidFill>
+              </a:rPr>
+              <a:t> </a:t>
+            </a:r>
+            <a:r>
+              <a:rPr lang="en-US" sz="1400" dirty="0" err="1">
+                <a:solidFill>
+                  <a:schemeClr val="tx2">
+                    <a:lumMod val="75000"/>
+                  </a:schemeClr>
+                </a:solidFill>
+              </a:rPr>
+              <a:t>có</a:t>
+            </a:r>
+            <a:r>
+              <a:rPr lang="en-US" sz="1400" dirty="0">
+                <a:solidFill>
+                  <a:schemeClr val="tx2">
+                    <a:lumMod val="75000"/>
+                  </a:schemeClr>
+                </a:solidFill>
+              </a:rPr>
+              <a:t> xu </a:t>
+            </a:r>
+            <a:r>
+              <a:rPr lang="en-US" sz="1400" dirty="0" err="1">
+                <a:solidFill>
+                  <a:schemeClr val="tx2">
+                    <a:lumMod val="75000"/>
+                  </a:schemeClr>
+                </a:solidFill>
+              </a:rPr>
+              <a:t>hướng</a:t>
+            </a:r>
+            <a:r>
+              <a:rPr lang="en-US" sz="1400" dirty="0">
+                <a:solidFill>
+                  <a:schemeClr val="tx2">
+                    <a:lumMod val="75000"/>
+                  </a:schemeClr>
+                </a:solidFill>
+              </a:rPr>
+              <a:t> </a:t>
+            </a:r>
+            <a:r>
+              <a:rPr lang="en-US" sz="1400" dirty="0" err="1">
                 <a:solidFill>
                   <a:schemeClr val="tx2">
                     <a:lumMod val="75000"/>
@@ -18531,7 +18686,7 @@
               <a:t>tăng</a:t>
             </a:r>
             <a:r>
-              <a:rPr lang="en-US" sz="1400" dirty="0" smtClean="0">
+              <a:rPr lang="en-US" sz="1400" dirty="0">
                 <a:solidFill>
                   <a:schemeClr val="tx2">
                     <a:lumMod val="75000"/>
@@ -18541,87 +18696,7 @@
               <a:t> </a:t>
             </a:r>
             <a:r>
-              <a:rPr lang="en-US" sz="1400" dirty="0" err="1" smtClean="0">
-                <a:solidFill>
-                  <a:schemeClr val="tx2">
-                    <a:lumMod val="75000"/>
-                  </a:schemeClr>
-                </a:solidFill>
-              </a:rPr>
-              <a:t>có</a:t>
-            </a:r>
-            <a:r>
-              <a:rPr lang="en-US" sz="1400" dirty="0" smtClean="0">
-                <a:solidFill>
-                  <a:schemeClr val="tx2">
-                    <a:lumMod val="75000"/>
-                  </a:schemeClr>
-                </a:solidFill>
-              </a:rPr>
-              <a:t> </a:t>
-            </a:r>
-            <a:r>
-              <a:rPr lang="en-US" sz="1400" dirty="0" err="1" smtClean="0">
-                <a:solidFill>
-                  <a:schemeClr val="tx2">
-                    <a:lumMod val="75000"/>
-                  </a:schemeClr>
-                </a:solidFill>
-              </a:rPr>
-              <a:t>xu</a:t>
-            </a:r>
-            <a:r>
-              <a:rPr lang="en-US" sz="1400" dirty="0" smtClean="0">
-                <a:solidFill>
-                  <a:schemeClr val="tx2">
-                    <a:lumMod val="75000"/>
-                  </a:schemeClr>
-                </a:solidFill>
-              </a:rPr>
-              <a:t> </a:t>
-            </a:r>
-            <a:r>
-              <a:rPr lang="en-US" sz="1400" dirty="0" err="1" smtClean="0">
-                <a:solidFill>
-                  <a:schemeClr val="tx2">
-                    <a:lumMod val="75000"/>
-                  </a:schemeClr>
-                </a:solidFill>
-              </a:rPr>
-              <a:t>hướng</a:t>
-            </a:r>
-            <a:r>
-              <a:rPr lang="en-US" sz="1400" dirty="0" smtClean="0">
-                <a:solidFill>
-                  <a:schemeClr val="tx2">
-                    <a:lumMod val="75000"/>
-                  </a:schemeClr>
-                </a:solidFill>
-              </a:rPr>
-              <a:t> </a:t>
-            </a:r>
-            <a:r>
-              <a:rPr lang="en-US" sz="1400" dirty="0" err="1" smtClean="0">
-                <a:solidFill>
-                  <a:schemeClr val="tx2">
-                    <a:lumMod val="75000"/>
-                  </a:schemeClr>
-                </a:solidFill>
-              </a:rPr>
-              <a:t>tăng</a:t>
-            </a:r>
-            <a:r>
-              <a:rPr lang="en-US" sz="1400" dirty="0" smtClean="0">
-                <a:solidFill>
-                  <a:schemeClr val="tx2">
-                    <a:lumMod val="75000"/>
-                  </a:schemeClr>
-                </a:solidFill>
-              </a:rPr>
-              <a:t> </a:t>
-            </a:r>
-            <a:r>
-              <a:rPr lang="en-US" sz="1400" dirty="0" err="1" smtClean="0">
+              <a:rPr lang="en-US" sz="1400" dirty="0" err="1">
                 <a:solidFill>
                   <a:schemeClr val="tx2">
                     <a:lumMod val="75000"/>
@@ -18631,22 +18706,15 @@
               <a:t>dần</a:t>
             </a:r>
             <a:r>
-              <a:rPr lang="en-US" sz="1400" dirty="0" smtClean="0">
-                <a:solidFill>
-                  <a:schemeClr val="tx2">
-                    <a:lumMod val="75000"/>
-                  </a:schemeClr>
-                </a:solidFill>
-              </a:rPr>
-              <a:t> </a:t>
-            </a:r>
-            <a:endParaRPr lang="en-US" sz="1400" dirty="0">
-              <a:solidFill>
-                <a:schemeClr val="tx2">
-                  <a:lumMod val="75000"/>
-                </a:schemeClr>
-              </a:solidFill>
-            </a:endParaRPr>
+              <a:rPr lang="en-US" sz="1400" dirty="0">
+                <a:solidFill>
+                  <a:schemeClr val="tx2">
+                    <a:lumMod val="75000"/>
+                  </a:schemeClr>
+                </a:solidFill>
+              </a:rPr>
+              <a:t>. </a:t>
+            </a:r>
           </a:p>
         </p:txBody>
       </p:sp>
@@ -18658,8 +18726,8 @@
         </p:nvSpPr>
         <p:spPr>
           <a:xfrm>
-            <a:off x="972589" y="5860473"/>
-            <a:ext cx="4338256" cy="523220"/>
+            <a:off x="866008" y="5860473"/>
+            <a:ext cx="4444837" cy="738664"/>
           </a:xfrm>
           <a:prstGeom prst="rect">
             <a:avLst/>
@@ -18673,27 +18741,217 @@
           <a:lstStyle/>
           <a:p>
             <a:r>
-              <a:rPr lang="en-US" sz="1400" dirty="0" err="1" smtClean="0">
-                <a:solidFill>
-                  <a:schemeClr val="tx2">
-                    <a:lumMod val="75000"/>
-                  </a:schemeClr>
-                </a:solidFill>
-              </a:rPr>
-              <a:t>Tháng</a:t>
-            </a:r>
-            <a:r>
-              <a:rPr lang="en-US" sz="1400" dirty="0" smtClean="0">
-                <a:solidFill>
-                  <a:schemeClr val="tx2">
-                    <a:lumMod val="75000"/>
-                  </a:schemeClr>
-                </a:solidFill>
-              </a:rPr>
-              <a:t> 09/2023 </a:t>
-            </a:r>
-            <a:r>
-              <a:rPr lang="en-US" sz="1400" dirty="0" err="1" smtClean="0">
+              <a:rPr lang="en-US" sz="1400" dirty="0">
+                <a:solidFill>
+                  <a:schemeClr val="tx2">
+                    <a:lumMod val="75000"/>
+                  </a:schemeClr>
+                </a:solidFill>
+              </a:rPr>
+              <a:t>1.354 </a:t>
+            </a:r>
+            <a:r>
+              <a:rPr lang="en-US" sz="1400" dirty="0" err="1">
+                <a:solidFill>
+                  <a:schemeClr val="tx2">
+                    <a:lumMod val="75000"/>
+                  </a:schemeClr>
+                </a:solidFill>
+              </a:rPr>
+              <a:t>thẻ</a:t>
+            </a:r>
+            <a:r>
+              <a:rPr lang="en-US" sz="1400" dirty="0">
+                <a:solidFill>
+                  <a:schemeClr val="tx2">
+                    <a:lumMod val="75000"/>
+                  </a:schemeClr>
+                </a:solidFill>
+              </a:rPr>
+              <a:t> </a:t>
+            </a:r>
+            <a:r>
+              <a:rPr lang="en-US" sz="1400" dirty="0" err="1">
+                <a:solidFill>
+                  <a:schemeClr val="tx2">
+                    <a:lumMod val="75000"/>
+                  </a:schemeClr>
+                </a:solidFill>
+              </a:rPr>
+              <a:t>thay</a:t>
+            </a:r>
+            <a:r>
+              <a:rPr lang="en-US" sz="1400" dirty="0">
+                <a:solidFill>
+                  <a:schemeClr val="tx2">
+                    <a:lumMod val="75000"/>
+                  </a:schemeClr>
+                </a:solidFill>
+              </a:rPr>
+              <a:t> </a:t>
+            </a:r>
+            <a:r>
+              <a:rPr lang="en-US" sz="1400" dirty="0" err="1">
+                <a:solidFill>
+                  <a:schemeClr val="tx2">
+                    <a:lumMod val="75000"/>
+                  </a:schemeClr>
+                </a:solidFill>
+              </a:rPr>
+              <a:t>đổi</a:t>
+            </a:r>
+            <a:r>
+              <a:rPr lang="en-US" sz="1400" dirty="0">
+                <a:solidFill>
+                  <a:schemeClr val="tx2">
+                    <a:lumMod val="75000"/>
+                  </a:schemeClr>
+                </a:solidFill>
+              </a:rPr>
+              <a:t> </a:t>
+            </a:r>
+            <a:r>
+              <a:rPr lang="en-US" sz="1400" dirty="0" err="1">
+                <a:solidFill>
+                  <a:schemeClr val="tx2">
+                    <a:lumMod val="75000"/>
+                  </a:schemeClr>
+                </a:solidFill>
+              </a:rPr>
+              <a:t>trạng</a:t>
+            </a:r>
+            <a:r>
+              <a:rPr lang="en-US" sz="1400" dirty="0">
+                <a:solidFill>
+                  <a:schemeClr val="tx2">
+                    <a:lumMod val="75000"/>
+                  </a:schemeClr>
+                </a:solidFill>
+              </a:rPr>
+              <a:t> </a:t>
+            </a:r>
+            <a:r>
+              <a:rPr lang="en-US" sz="1400" dirty="0" err="1">
+                <a:solidFill>
+                  <a:schemeClr val="tx2">
+                    <a:lumMod val="75000"/>
+                  </a:schemeClr>
+                </a:solidFill>
+              </a:rPr>
+              <a:t>thái</a:t>
+            </a:r>
+            <a:r>
+              <a:rPr lang="en-US" sz="1400" dirty="0">
+                <a:solidFill>
+                  <a:schemeClr val="tx2">
+                    <a:lumMod val="75000"/>
+                  </a:schemeClr>
+                </a:solidFill>
+              </a:rPr>
+              <a:t> </a:t>
+            </a:r>
+            <a:r>
+              <a:rPr lang="en-US" sz="1400" dirty="0" err="1">
+                <a:solidFill>
+                  <a:schemeClr val="tx2">
+                    <a:lumMod val="75000"/>
+                  </a:schemeClr>
+                </a:solidFill>
+              </a:rPr>
+              <a:t>vào</a:t>
+            </a:r>
+            <a:r>
+              <a:rPr lang="en-US" sz="1400" dirty="0">
+                <a:solidFill>
+                  <a:schemeClr val="tx2">
+                    <a:lumMod val="75000"/>
+                  </a:schemeClr>
+                </a:solidFill>
+              </a:rPr>
+              <a:t> </a:t>
+            </a:r>
+            <a:r>
+              <a:rPr lang="en-US" sz="1400" dirty="0" err="1">
+                <a:solidFill>
+                  <a:schemeClr val="tx2">
+                    <a:lumMod val="75000"/>
+                  </a:schemeClr>
+                </a:solidFill>
+              </a:rPr>
+              <a:t>tháng</a:t>
+            </a:r>
+            <a:r>
+              <a:rPr lang="en-US" sz="1400" dirty="0">
+                <a:solidFill>
+                  <a:schemeClr val="tx2">
+                    <a:lumMod val="75000"/>
+                  </a:schemeClr>
+                </a:solidFill>
+              </a:rPr>
+              <a:t> 09/2023. </a:t>
+            </a:r>
+            <a:r>
+              <a:rPr lang="en-US" sz="1400" dirty="0" err="1">
+                <a:solidFill>
+                  <a:schemeClr val="tx2">
+                    <a:lumMod val="75000"/>
+                  </a:schemeClr>
+                </a:solidFill>
+              </a:rPr>
+              <a:t>Đây</a:t>
+            </a:r>
+            <a:r>
+              <a:rPr lang="en-US" sz="1400" dirty="0">
+                <a:solidFill>
+                  <a:schemeClr val="tx2">
+                    <a:lumMod val="75000"/>
+                  </a:schemeClr>
+                </a:solidFill>
+              </a:rPr>
+              <a:t> </a:t>
+            </a:r>
+            <a:r>
+              <a:rPr lang="en-US" sz="1400" dirty="0" err="1">
+                <a:solidFill>
+                  <a:schemeClr val="tx2">
+                    <a:lumMod val="75000"/>
+                  </a:schemeClr>
+                </a:solidFill>
+              </a:rPr>
+              <a:t>là</a:t>
+            </a:r>
+            <a:r>
+              <a:rPr lang="en-US" sz="1400" dirty="0">
+                <a:solidFill>
+                  <a:schemeClr val="tx2">
+                    <a:lumMod val="75000"/>
+                  </a:schemeClr>
+                </a:solidFill>
+              </a:rPr>
+              <a:t> </a:t>
+            </a:r>
+            <a:r>
+              <a:rPr lang="en-US" sz="1400" dirty="0" err="1">
+                <a:solidFill>
+                  <a:schemeClr val="tx2">
+                    <a:lumMod val="75000"/>
+                  </a:schemeClr>
+                </a:solidFill>
+              </a:rPr>
+              <a:t>tháng</a:t>
+            </a:r>
+            <a:r>
+              <a:rPr lang="en-US" sz="1400" dirty="0">
+                <a:solidFill>
+                  <a:schemeClr val="tx2">
+                    <a:lumMod val="75000"/>
+                  </a:schemeClr>
+                </a:solidFill>
+              </a:rPr>
+              <a:t> </a:t>
+            </a:r>
+            <a:r>
+              <a:rPr lang="en-US" sz="1400" dirty="0" err="1">
                 <a:solidFill>
                   <a:schemeClr val="tx2">
                     <a:lumMod val="75000"/>
@@ -18703,7 +18961,7 @@
               <a:t>có</a:t>
             </a:r>
             <a:r>
-              <a:rPr lang="en-US" sz="1400" dirty="0" smtClean="0">
+              <a:rPr lang="en-US" sz="1400" dirty="0">
                 <a:solidFill>
                   <a:schemeClr val="tx2">
                     <a:lumMod val="75000"/>
@@ -18713,7 +18971,7 @@
               <a:t> </a:t>
             </a:r>
             <a:r>
-              <a:rPr lang="en-US" sz="1400" dirty="0" err="1" smtClean="0">
+              <a:rPr lang="en-US" sz="1400" dirty="0" err="1">
                 <a:solidFill>
                   <a:schemeClr val="tx2">
                     <a:lumMod val="75000"/>
@@ -18723,7 +18981,7 @@
               <a:t>số</a:t>
             </a:r>
             <a:r>
-              <a:rPr lang="en-US" sz="1400" dirty="0" smtClean="0">
+              <a:rPr lang="en-US" sz="1400" dirty="0">
                 <a:solidFill>
                   <a:schemeClr val="tx2">
                     <a:lumMod val="75000"/>
@@ -18733,17 +18991,17 @@
               <a:t> </a:t>
             </a:r>
             <a:r>
-              <a:rPr lang="en-US" sz="1400" dirty="0" err="1" smtClean="0">
-                <a:solidFill>
-                  <a:schemeClr val="tx2">
-                    <a:lumMod val="75000"/>
-                  </a:schemeClr>
-                </a:solidFill>
-              </a:rPr>
-              <a:t>lượng</a:t>
-            </a:r>
-            <a:r>
-              <a:rPr lang="en-US" sz="1400" dirty="0" smtClean="0">
+              <a:rPr lang="en-US" sz="1400" dirty="0" err="1">
+                <a:solidFill>
+                  <a:schemeClr val="tx2">
+                    <a:lumMod val="75000"/>
+                  </a:schemeClr>
+                </a:solidFill>
+              </a:rPr>
+              <a:t>thẻ</a:t>
+            </a:r>
+            <a:r>
+              <a:rPr lang="en-US" sz="1400" dirty="0">
                 <a:solidFill>
                   <a:schemeClr val="tx2">
                     <a:lumMod val="75000"/>
@@ -18753,17 +19011,17 @@
               <a:t> </a:t>
             </a:r>
             <a:r>
-              <a:rPr lang="en-US" sz="1400" dirty="0" err="1" smtClean="0">
-                <a:solidFill>
-                  <a:schemeClr val="tx2">
-                    <a:lumMod val="75000"/>
-                  </a:schemeClr>
-                </a:solidFill>
-              </a:rPr>
-              <a:t>thẻ</a:t>
-            </a:r>
-            <a:r>
-              <a:rPr lang="en-US" sz="1400" dirty="0" smtClean="0">
+              <a:rPr lang="en-US" sz="1400" dirty="0" err="1">
+                <a:solidFill>
+                  <a:schemeClr val="tx2">
+                    <a:lumMod val="75000"/>
+                  </a:schemeClr>
+                </a:solidFill>
+              </a:rPr>
+              <a:t>cao</a:t>
+            </a:r>
+            <a:r>
+              <a:rPr lang="en-US" sz="1400" dirty="0">
                 <a:solidFill>
                   <a:schemeClr val="tx2">
                     <a:lumMod val="75000"/>
@@ -18773,17 +19031,17 @@
               <a:t> </a:t>
             </a:r>
             <a:r>
-              <a:rPr lang="en-US" sz="1400" dirty="0" err="1" smtClean="0">
-                <a:solidFill>
-                  <a:schemeClr val="tx2">
-                    <a:lumMod val="75000"/>
-                  </a:schemeClr>
-                </a:solidFill>
-              </a:rPr>
-              <a:t>thay</a:t>
-            </a:r>
-            <a:r>
-              <a:rPr lang="en-US" sz="1400" dirty="0" smtClean="0">
+              <a:rPr lang="en-US" sz="1400" dirty="0" err="1">
+                <a:solidFill>
+                  <a:schemeClr val="tx2">
+                    <a:lumMod val="75000"/>
+                  </a:schemeClr>
+                </a:solidFill>
+              </a:rPr>
+              <a:t>nhất</a:t>
+            </a:r>
+            <a:r>
+              <a:rPr lang="en-US" sz="1400" dirty="0">
                 <a:solidFill>
                   <a:schemeClr val="tx2">
                     <a:lumMod val="75000"/>
@@ -18793,17 +19051,17 @@
               <a:t> </a:t>
             </a:r>
             <a:r>
-              <a:rPr lang="en-US" sz="1400" dirty="0" err="1" smtClean="0">
-                <a:solidFill>
-                  <a:schemeClr val="tx2">
-                    <a:lumMod val="75000"/>
-                  </a:schemeClr>
-                </a:solidFill>
-              </a:rPr>
-              <a:t>đổi</a:t>
-            </a:r>
-            <a:r>
-              <a:rPr lang="en-US" sz="1400" dirty="0" smtClean="0">
+              <a:rPr lang="en-US" sz="1400" dirty="0" err="1">
+                <a:solidFill>
+                  <a:schemeClr val="tx2">
+                    <a:lumMod val="75000"/>
+                  </a:schemeClr>
+                </a:solidFill>
+              </a:rPr>
+              <a:t>trong</a:t>
+            </a:r>
+            <a:r>
+              <a:rPr lang="en-US" sz="1400" dirty="0">
                 <a:solidFill>
                   <a:schemeClr val="tx2">
                     <a:lumMod val="75000"/>
@@ -18813,17 +19071,17 @@
               <a:t> </a:t>
             </a:r>
             <a:r>
-              <a:rPr lang="en-US" sz="1400" dirty="0" err="1" smtClean="0">
-                <a:solidFill>
-                  <a:schemeClr val="tx2">
-                    <a:lumMod val="75000"/>
-                  </a:schemeClr>
-                </a:solidFill>
-              </a:rPr>
-              <a:t>trạng</a:t>
-            </a:r>
-            <a:r>
-              <a:rPr lang="en-US" sz="1400" dirty="0" smtClean="0">
+              <a:rPr lang="en-US" sz="1400" dirty="0" err="1">
+                <a:solidFill>
+                  <a:schemeClr val="tx2">
+                    <a:lumMod val="75000"/>
+                  </a:schemeClr>
+                </a:solidFill>
+              </a:rPr>
+              <a:t>khoảng</a:t>
+            </a:r>
+            <a:r>
+              <a:rPr lang="en-US" sz="1400" dirty="0">
                 <a:solidFill>
                   <a:schemeClr val="tx2">
                     <a:lumMod val="75000"/>
@@ -18833,17 +19091,17 @@
               <a:t> </a:t>
             </a:r>
             <a:r>
-              <a:rPr lang="en-US" sz="1400" dirty="0" err="1" smtClean="0">
-                <a:solidFill>
-                  <a:schemeClr val="tx2">
-                    <a:lumMod val="75000"/>
-                  </a:schemeClr>
-                </a:solidFill>
-              </a:rPr>
-              <a:t>thái</a:t>
-            </a:r>
-            <a:r>
-              <a:rPr lang="en-US" sz="1400" dirty="0" smtClean="0">
+              <a:rPr lang="en-US" sz="1400" dirty="0" err="1">
+                <a:solidFill>
+                  <a:schemeClr val="tx2">
+                    <a:lumMod val="75000"/>
+                  </a:schemeClr>
+                </a:solidFill>
+              </a:rPr>
+              <a:t>thời</a:t>
+            </a:r>
+            <a:r>
+              <a:rPr lang="en-US" sz="1400" dirty="0">
                 <a:solidFill>
                   <a:schemeClr val="tx2">
                     <a:lumMod val="75000"/>
@@ -18853,17 +19111,17 @@
               <a:t> </a:t>
             </a:r>
             <a:r>
-              <a:rPr lang="en-US" sz="1400" dirty="0" err="1" smtClean="0">
-                <a:solidFill>
-                  <a:schemeClr val="tx2">
-                    <a:lumMod val="75000"/>
-                  </a:schemeClr>
-                </a:solidFill>
-              </a:rPr>
-              <a:t>cao</a:t>
-            </a:r>
-            <a:r>
-              <a:rPr lang="en-US" sz="1400" dirty="0" smtClean="0">
+              <a:rPr lang="en-US" sz="1400" dirty="0" err="1">
+                <a:solidFill>
+                  <a:schemeClr val="tx2">
+                    <a:lumMod val="75000"/>
+                  </a:schemeClr>
+                </a:solidFill>
+              </a:rPr>
+              <a:t>gian</a:t>
+            </a:r>
+            <a:r>
+              <a:rPr lang="en-US" sz="1400" dirty="0">
                 <a:solidFill>
                   <a:schemeClr val="tx2">
                     <a:lumMod val="75000"/>
@@ -18873,32 +19131,65 @@
               <a:t> </a:t>
             </a:r>
             <a:r>
-              <a:rPr lang="en-US" sz="1400" dirty="0" err="1" smtClean="0">
-                <a:solidFill>
-                  <a:schemeClr val="tx2">
-                    <a:lumMod val="75000"/>
-                  </a:schemeClr>
-                </a:solidFill>
-              </a:rPr>
-              <a:t>nhất</a:t>
-            </a:r>
-            <a:r>
-              <a:rPr lang="en-US" sz="1400" dirty="0" smtClean="0">
-                <a:solidFill>
-                  <a:schemeClr val="tx2">
-                    <a:lumMod val="75000"/>
-                  </a:schemeClr>
-                </a:solidFill>
-              </a:rPr>
-              <a:t>.</a:t>
-            </a:r>
-            <a:endParaRPr lang="en-US" sz="1400" dirty="0">
-              <a:solidFill>
-                <a:schemeClr val="tx2">
-                  <a:lumMod val="75000"/>
-                </a:schemeClr>
-              </a:solidFill>
-            </a:endParaRPr>
+              <a:rPr lang="en-US" sz="1400" dirty="0" err="1">
+                <a:solidFill>
+                  <a:schemeClr val="tx2">
+                    <a:lumMod val="75000"/>
+                  </a:schemeClr>
+                </a:solidFill>
+              </a:rPr>
+              <a:t>từ</a:t>
+            </a:r>
+            <a:r>
+              <a:rPr lang="en-US" sz="1400" dirty="0">
+                <a:solidFill>
+                  <a:schemeClr val="tx2">
+                    <a:lumMod val="75000"/>
+                  </a:schemeClr>
+                </a:solidFill>
+              </a:rPr>
+              <a:t> </a:t>
+            </a:r>
+            <a:r>
+              <a:rPr lang="en-US" sz="1400" dirty="0" err="1">
+                <a:solidFill>
+                  <a:schemeClr val="tx2">
+                    <a:lumMod val="75000"/>
+                  </a:schemeClr>
+                </a:solidFill>
+              </a:rPr>
+              <a:t>tháng</a:t>
+            </a:r>
+            <a:r>
+              <a:rPr lang="en-US" sz="1400" dirty="0">
+                <a:solidFill>
+                  <a:schemeClr val="tx2">
+                    <a:lumMod val="75000"/>
+                  </a:schemeClr>
+                </a:solidFill>
+              </a:rPr>
+              <a:t> 04/2023 </a:t>
+            </a:r>
+            <a:r>
+              <a:rPr lang="en-US" sz="1400" dirty="0" err="1">
+                <a:solidFill>
+                  <a:schemeClr val="tx2">
+                    <a:lumMod val="75000"/>
+                  </a:schemeClr>
+                </a:solidFill>
+              </a:rPr>
+              <a:t>đến</a:t>
+            </a:r>
+            <a:r>
+              <a:rPr lang="en-US" sz="1400" dirty="0">
+                <a:solidFill>
+                  <a:schemeClr val="tx2">
+                    <a:lumMod val="75000"/>
+                  </a:schemeClr>
+                </a:solidFill>
+              </a:rPr>
+              <a:t> 13/03/2024.</a:t>
+            </a:r>
           </a:p>
         </p:txBody>
       </p:sp>
@@ -18910,8 +19201,8 @@
         </p:nvSpPr>
         <p:spPr>
           <a:xfrm>
-            <a:off x="6259484" y="4937760"/>
-            <a:ext cx="5095701" cy="523220"/>
+            <a:off x="6397784" y="5162204"/>
+            <a:ext cx="5116036" cy="738664"/>
           </a:xfrm>
           <a:prstGeom prst="rect">
             <a:avLst/>
@@ -18925,7 +19216,7 @@
           <a:lstStyle/>
           <a:p>
             <a:r>
-              <a:rPr lang="en-US" sz="1400" dirty="0" err="1" smtClean="0">
+              <a:rPr lang="en-US" sz="1400" dirty="0" err="1">
                 <a:solidFill>
                   <a:schemeClr val="tx2">
                     <a:lumMod val="75000"/>
@@ -18935,7 +19226,7 @@
               <a:t>Số</a:t>
             </a:r>
             <a:r>
-              <a:rPr lang="en-US" sz="1400" dirty="0" smtClean="0">
+              <a:rPr lang="en-US" sz="1400" dirty="0">
                 <a:solidFill>
                   <a:schemeClr val="tx2">
                     <a:lumMod val="75000"/>
@@ -18945,7 +19236,7 @@
               <a:t> </a:t>
             </a:r>
             <a:r>
-              <a:rPr lang="en-US" sz="1400" dirty="0" err="1" smtClean="0">
+              <a:rPr lang="en-US" sz="1400" dirty="0" err="1">
                 <a:solidFill>
                   <a:schemeClr val="tx2">
                     <a:lumMod val="75000"/>
@@ -18955,7 +19246,7 @@
               <a:t>lượng</a:t>
             </a:r>
             <a:r>
-              <a:rPr lang="en-US" sz="1400" dirty="0" smtClean="0">
+              <a:rPr lang="en-US" sz="1400" dirty="0">
                 <a:solidFill>
                   <a:schemeClr val="tx2">
                     <a:lumMod val="75000"/>
@@ -18965,7 +19256,7 @@
               <a:t> </a:t>
             </a:r>
             <a:r>
-              <a:rPr lang="en-US" sz="1400" dirty="0" err="1" smtClean="0">
+              <a:rPr lang="en-US" sz="1400" dirty="0" err="1">
                 <a:solidFill>
                   <a:schemeClr val="tx2">
                     <a:lumMod val="75000"/>
@@ -18975,7 +19266,7 @@
               <a:t>thẻ</a:t>
             </a:r>
             <a:r>
-              <a:rPr lang="en-US" sz="1400" dirty="0" smtClean="0">
+              <a:rPr lang="en-US" sz="1400" dirty="0">
                 <a:solidFill>
                   <a:schemeClr val="tx2">
                     <a:lumMod val="75000"/>
@@ -18985,7 +19276,7 @@
               <a:t> </a:t>
             </a:r>
             <a:r>
-              <a:rPr lang="en-US" sz="1400" dirty="0" err="1" smtClean="0">
+              <a:rPr lang="en-US" sz="1400" dirty="0" err="1">
                 <a:solidFill>
                   <a:schemeClr val="tx2">
                     <a:lumMod val="75000"/>
@@ -18995,7 +19286,7 @@
               <a:t>chuyển</a:t>
             </a:r>
             <a:r>
-              <a:rPr lang="en-US" sz="1400" dirty="0" smtClean="0">
+              <a:rPr lang="en-US" sz="1400" dirty="0">
                 <a:solidFill>
                   <a:schemeClr val="tx2">
                     <a:lumMod val="75000"/>
@@ -19005,7 +19296,7 @@
               <a:t> </a:t>
             </a:r>
             <a:r>
-              <a:rPr lang="en-US" sz="1400" dirty="0" err="1" smtClean="0">
+              <a:rPr lang="en-US" sz="1400" dirty="0" err="1">
                 <a:solidFill>
                   <a:schemeClr val="tx2">
                     <a:lumMod val="75000"/>
@@ -19015,7 +19306,7 @@
               <a:t>trạng</a:t>
             </a:r>
             <a:r>
-              <a:rPr lang="en-US" sz="1400" dirty="0" smtClean="0">
+              <a:rPr lang="en-US" sz="1400" dirty="0">
                 <a:solidFill>
                   <a:schemeClr val="tx2">
                     <a:lumMod val="75000"/>
@@ -19025,7 +19316,7 @@
               <a:t> </a:t>
             </a:r>
             <a:r>
-              <a:rPr lang="en-US" sz="1400" dirty="0" err="1" smtClean="0">
+              <a:rPr lang="en-US" sz="1400" dirty="0" err="1">
                 <a:solidFill>
                   <a:schemeClr val="tx2">
                     <a:lumMod val="75000"/>
@@ -19035,7 +19326,7 @@
               <a:t>thái</a:t>
             </a:r>
             <a:r>
-              <a:rPr lang="en-US" sz="1400" dirty="0" smtClean="0">
+              <a:rPr lang="en-US" sz="1400" dirty="0">
                 <a:solidFill>
                   <a:schemeClr val="tx2">
                     <a:lumMod val="75000"/>
@@ -19045,7 +19336,7 @@
               <a:t> </a:t>
             </a:r>
             <a:r>
-              <a:rPr lang="en-US" sz="1400" dirty="0" err="1" smtClean="0">
+              <a:rPr lang="en-US" sz="1400" dirty="0" err="1">
                 <a:solidFill>
                   <a:schemeClr val="tx2">
                     <a:lumMod val="75000"/>
@@ -19055,7 +19346,27 @@
               <a:t>có</a:t>
             </a:r>
             <a:r>
-              <a:rPr lang="en-US" sz="1400" dirty="0" smtClean="0">
+              <a:rPr lang="en-US" sz="1400" dirty="0">
+                <a:solidFill>
+                  <a:schemeClr val="tx2">
+                    <a:lumMod val="75000"/>
+                  </a:schemeClr>
+                </a:solidFill>
+              </a:rPr>
+              <a:t> xu </a:t>
+            </a:r>
+            <a:r>
+              <a:rPr lang="en-US" sz="1400" dirty="0" err="1">
+                <a:solidFill>
+                  <a:schemeClr val="tx2">
+                    <a:lumMod val="75000"/>
+                  </a:schemeClr>
+                </a:solidFill>
+              </a:rPr>
+              <a:t>hướng</a:t>
+            </a:r>
+            <a:r>
+              <a:rPr lang="en-US" sz="1400" dirty="0">
                 <a:solidFill>
                   <a:schemeClr val="tx2">
                     <a:lumMod val="75000"/>
@@ -19065,17 +19376,17 @@
               <a:t> </a:t>
             </a:r>
             <a:r>
-              <a:rPr lang="en-US" sz="1400" dirty="0" err="1" smtClean="0">
-                <a:solidFill>
-                  <a:schemeClr val="tx2">
-                    <a:lumMod val="75000"/>
-                  </a:schemeClr>
-                </a:solidFill>
-              </a:rPr>
-              <a:t>xu</a:t>
-            </a:r>
-            <a:r>
-              <a:rPr lang="en-US" sz="1400" dirty="0" smtClean="0">
+              <a:rPr lang="en-US" sz="1400" dirty="0" err="1">
+                <a:solidFill>
+                  <a:schemeClr val="tx2">
+                    <a:lumMod val="75000"/>
+                  </a:schemeClr>
+                </a:solidFill>
+              </a:rPr>
+              <a:t>tăng</a:t>
+            </a:r>
+            <a:r>
+              <a:rPr lang="en-US" sz="1400" dirty="0">
                 <a:solidFill>
                   <a:schemeClr val="tx2">
                     <a:lumMod val="75000"/>
@@ -19085,17 +19396,17 @@
               <a:t> </a:t>
             </a:r>
             <a:r>
-              <a:rPr lang="en-US" sz="1400" dirty="0" err="1" smtClean="0">
-                <a:solidFill>
-                  <a:schemeClr val="tx2">
-                    <a:lumMod val="75000"/>
-                  </a:schemeClr>
-                </a:solidFill>
-              </a:rPr>
-              <a:t>hướng</a:t>
-            </a:r>
-            <a:r>
-              <a:rPr lang="en-US" sz="1400" dirty="0" smtClean="0">
+              <a:rPr lang="en-US" sz="1400" dirty="0" err="1">
+                <a:solidFill>
+                  <a:schemeClr val="tx2">
+                    <a:lumMod val="75000"/>
+                  </a:schemeClr>
+                </a:solidFill>
+              </a:rPr>
+              <a:t>mạnh</a:t>
+            </a:r>
+            <a:r>
+              <a:rPr lang="en-US" sz="1400" dirty="0">
                 <a:solidFill>
                   <a:schemeClr val="tx2">
                     <a:lumMod val="75000"/>
@@ -19105,17 +19416,17 @@
               <a:t> </a:t>
             </a:r>
             <a:r>
-              <a:rPr lang="en-US" sz="1400" dirty="0" err="1" smtClean="0">
-                <a:solidFill>
-                  <a:schemeClr val="tx2">
-                    <a:lumMod val="75000"/>
-                  </a:schemeClr>
-                </a:solidFill>
-              </a:rPr>
-              <a:t>tăng</a:t>
-            </a:r>
-            <a:r>
-              <a:rPr lang="en-US" sz="1400" dirty="0" smtClean="0">
+              <a:rPr lang="en-US" sz="1400" dirty="0" err="1">
+                <a:solidFill>
+                  <a:schemeClr val="tx2">
+                    <a:lumMod val="75000"/>
+                  </a:schemeClr>
+                </a:solidFill>
+              </a:rPr>
+              <a:t>từ</a:t>
+            </a:r>
+            <a:r>
+              <a:rPr lang="en-US" sz="1400" dirty="0">
                 <a:solidFill>
                   <a:schemeClr val="tx2">
                     <a:lumMod val="75000"/>
@@ -19125,17 +19436,37 @@
               <a:t> </a:t>
             </a:r>
             <a:r>
-              <a:rPr lang="en-US" sz="1400" dirty="0" err="1" smtClean="0">
-                <a:solidFill>
-                  <a:schemeClr val="tx2">
-                    <a:lumMod val="75000"/>
-                  </a:schemeClr>
-                </a:solidFill>
-              </a:rPr>
-              <a:t>mạnh</a:t>
-            </a:r>
-            <a:r>
-              <a:rPr lang="en-US" sz="1400" dirty="0" smtClean="0">
+              <a:rPr lang="en-US" sz="1400" dirty="0" err="1">
+                <a:solidFill>
+                  <a:schemeClr val="tx2">
+                    <a:lumMod val="75000"/>
+                  </a:schemeClr>
+                </a:solidFill>
+              </a:rPr>
+              <a:t>tháng</a:t>
+            </a:r>
+            <a:r>
+              <a:rPr lang="en-US" sz="1400" dirty="0">
+                <a:solidFill>
+                  <a:schemeClr val="tx2">
+                    <a:lumMod val="75000"/>
+                  </a:schemeClr>
+                </a:solidFill>
+              </a:rPr>
+              <a:t> 09/2023 </a:t>
+            </a:r>
+            <a:r>
+              <a:rPr lang="en-US" sz="1400" dirty="0" err="1">
+                <a:solidFill>
+                  <a:schemeClr val="tx2">
+                    <a:lumMod val="75000"/>
+                  </a:schemeClr>
+                </a:solidFill>
+              </a:rPr>
+              <a:t>sau</a:t>
+            </a:r>
+            <a:r>
+              <a:rPr lang="en-US" sz="1400" dirty="0">
                 <a:solidFill>
                   <a:schemeClr val="tx2">
                     <a:lumMod val="75000"/>
@@ -19145,7 +19476,127 @@
               <a:t> </a:t>
             </a:r>
             <a:r>
-              <a:rPr lang="en-US" sz="1400" dirty="0" err="1" smtClean="0">
+              <a:rPr lang="en-US" sz="1400" dirty="0" err="1">
+                <a:solidFill>
+                  <a:schemeClr val="tx2">
+                    <a:lumMod val="75000"/>
+                  </a:schemeClr>
+                </a:solidFill>
+              </a:rPr>
+              <a:t>khoảng</a:t>
+            </a:r>
+            <a:r>
+              <a:rPr lang="en-US" sz="1400" dirty="0">
+                <a:solidFill>
+                  <a:schemeClr val="tx2">
+                    <a:lumMod val="75000"/>
+                  </a:schemeClr>
+                </a:solidFill>
+              </a:rPr>
+              <a:t> </a:t>
+            </a:r>
+            <a:r>
+              <a:rPr lang="en-US" sz="1400" dirty="0" err="1">
+                <a:solidFill>
+                  <a:schemeClr val="tx2">
+                    <a:lumMod val="75000"/>
+                  </a:schemeClr>
+                </a:solidFill>
+              </a:rPr>
+              <a:t>thời</a:t>
+            </a:r>
+            <a:r>
+              <a:rPr lang="en-US" sz="1400" dirty="0">
+                <a:solidFill>
+                  <a:schemeClr val="tx2">
+                    <a:lumMod val="75000"/>
+                  </a:schemeClr>
+                </a:solidFill>
+              </a:rPr>
+              <a:t> </a:t>
+            </a:r>
+            <a:r>
+              <a:rPr lang="en-US" sz="1400" dirty="0" err="1">
+                <a:solidFill>
+                  <a:schemeClr val="tx2">
+                    <a:lumMod val="75000"/>
+                  </a:schemeClr>
+                </a:solidFill>
+              </a:rPr>
+              <a:t>gian</a:t>
+            </a:r>
+            <a:r>
+              <a:rPr lang="en-US" sz="1400" dirty="0">
+                <a:solidFill>
+                  <a:schemeClr val="tx2">
+                    <a:lumMod val="75000"/>
+                  </a:schemeClr>
+                </a:solidFill>
+              </a:rPr>
+              <a:t> </a:t>
+            </a:r>
+            <a:r>
+              <a:rPr lang="en-US" sz="1400" dirty="0" err="1">
+                <a:solidFill>
+                  <a:schemeClr val="tx2">
+                    <a:lumMod val="75000"/>
+                  </a:schemeClr>
+                </a:solidFill>
+              </a:rPr>
+              <a:t>giảm</a:t>
+            </a:r>
+            <a:r>
+              <a:rPr lang="en-US" sz="1400" dirty="0">
+                <a:solidFill>
+                  <a:schemeClr val="tx2">
+                    <a:lumMod val="75000"/>
+                  </a:schemeClr>
+                </a:solidFill>
+              </a:rPr>
+              <a:t> </a:t>
+            </a:r>
+            <a:r>
+              <a:rPr lang="en-US" sz="1400" dirty="0" err="1">
+                <a:solidFill>
+                  <a:schemeClr val="tx2">
+                    <a:lumMod val="75000"/>
+                  </a:schemeClr>
+                </a:solidFill>
+              </a:rPr>
+              <a:t>đáng</a:t>
+            </a:r>
+            <a:r>
+              <a:rPr lang="en-US" sz="1400" dirty="0">
+                <a:solidFill>
+                  <a:schemeClr val="tx2">
+                    <a:lumMod val="75000"/>
+                  </a:schemeClr>
+                </a:solidFill>
+              </a:rPr>
+              <a:t> </a:t>
+            </a:r>
+            <a:r>
+              <a:rPr lang="en-US" sz="1400" dirty="0" err="1">
+                <a:solidFill>
+                  <a:schemeClr val="tx2">
+                    <a:lumMod val="75000"/>
+                  </a:schemeClr>
+                </a:solidFill>
+              </a:rPr>
+              <a:t>kề</a:t>
+            </a:r>
+            <a:r>
+              <a:rPr lang="en-US" sz="1400" dirty="0">
+                <a:solidFill>
+                  <a:schemeClr val="tx2">
+                    <a:lumMod val="75000"/>
+                  </a:schemeClr>
+                </a:solidFill>
+              </a:rPr>
+              <a:t> </a:t>
+            </a:r>
+            <a:r>
+              <a:rPr lang="en-US" sz="1400" dirty="0" err="1">
                 <a:solidFill>
                   <a:schemeClr val="tx2">
                     <a:lumMod val="75000"/>
@@ -19155,7 +19606,27 @@
               <a:t>từ</a:t>
             </a:r>
             <a:r>
-              <a:rPr lang="en-US" sz="1400" dirty="0" smtClean="0">
+              <a:rPr lang="en-US" sz="1400" dirty="0">
+                <a:solidFill>
+                  <a:schemeClr val="tx2">
+                    <a:lumMod val="75000"/>
+                  </a:schemeClr>
+                </a:solidFill>
+              </a:rPr>
+              <a:t> 107 (04/2023) </a:t>
+            </a:r>
+            <a:r>
+              <a:rPr lang="en-US" sz="1400" dirty="0" err="1">
+                <a:solidFill>
+                  <a:schemeClr val="tx2">
+                    <a:lumMod val="75000"/>
+                  </a:schemeClr>
+                </a:solidFill>
+              </a:rPr>
+              <a:t>xuống</a:t>
+            </a:r>
+            <a:r>
+              <a:rPr lang="en-US" sz="1400" dirty="0">
                 <a:solidFill>
                   <a:schemeClr val="tx2">
                     <a:lumMod val="75000"/>
@@ -19165,32 +19636,25 @@
               <a:t> </a:t>
             </a:r>
             <a:r>
-              <a:rPr lang="en-US" sz="1400" dirty="0" err="1" smtClean="0">
-                <a:solidFill>
-                  <a:schemeClr val="tx2">
-                    <a:lumMod val="75000"/>
-                  </a:schemeClr>
-                </a:solidFill>
-              </a:rPr>
-              <a:t>tháng</a:t>
-            </a:r>
-            <a:r>
-              <a:rPr lang="en-US" sz="1400" dirty="0" smtClean="0">
-                <a:solidFill>
-                  <a:schemeClr val="tx2">
-                    <a:lumMod val="75000"/>
-                  </a:schemeClr>
-                </a:solidFill>
-              </a:rPr>
-              <a:t> 09/2023.</a:t>
-            </a:r>
-            <a:endParaRPr lang="en-US" sz="1400" dirty="0">
-              <a:solidFill>
-                <a:schemeClr val="tx2">
-                  <a:lumMod val="75000"/>
-                </a:schemeClr>
-              </a:solidFill>
-            </a:endParaRPr>
+              <a:rPr lang="en-US" sz="1400" dirty="0" err="1">
+                <a:solidFill>
+                  <a:schemeClr val="tx2">
+                    <a:lumMod val="75000"/>
+                  </a:schemeClr>
+                </a:solidFill>
+              </a:rPr>
+              <a:t>còn</a:t>
+            </a:r>
+            <a:r>
+              <a:rPr lang="en-US" sz="1400" dirty="0">
+                <a:solidFill>
+                  <a:schemeClr val="tx2">
+                    <a:lumMod val="75000"/>
+                  </a:schemeClr>
+                </a:solidFill>
+              </a:rPr>
+              <a:t> 24 (08/2023).</a:t>
+            </a:r>
           </a:p>
         </p:txBody>
       </p:sp>
@@ -19202,8 +19666,8 @@
         </p:nvSpPr>
         <p:spPr>
           <a:xfrm>
-            <a:off x="6230023" y="5584091"/>
-            <a:ext cx="5432733" cy="523220"/>
+            <a:off x="6397784" y="5850791"/>
+            <a:ext cx="5287832" cy="523220"/>
           </a:xfrm>
           <a:prstGeom prst="rect">
             <a:avLst/>
@@ -19217,7 +19681,7 @@
           <a:lstStyle/>
           <a:p>
             <a:r>
-              <a:rPr lang="en-US" sz="1400" dirty="0" smtClean="0">
+              <a:rPr lang="en-US" sz="1400" dirty="0">
                 <a:solidFill>
                   <a:schemeClr val="tx2">
                     <a:lumMod val="75000"/>
@@ -19227,7 +19691,7 @@
               <a:t>206 </a:t>
             </a:r>
             <a:r>
-              <a:rPr lang="en-US" sz="1400" dirty="0" err="1" smtClean="0">
+              <a:rPr lang="en-US" sz="1400" dirty="0" err="1">
                 <a:solidFill>
                   <a:schemeClr val="tx2">
                     <a:lumMod val="75000"/>
@@ -19237,7 +19701,7 @@
               <a:t>thẻ</a:t>
             </a:r>
             <a:r>
-              <a:rPr lang="en-US" sz="1400" dirty="0" smtClean="0">
+              <a:rPr lang="en-US" sz="1400" dirty="0">
                 <a:solidFill>
                   <a:schemeClr val="tx2">
                     <a:lumMod val="75000"/>
@@ -19247,7 +19711,7 @@
               <a:t> </a:t>
             </a:r>
             <a:r>
-              <a:rPr lang="en-US" sz="1400" dirty="0" err="1" smtClean="0">
+              <a:rPr lang="en-US" sz="1400" dirty="0" err="1">
                 <a:solidFill>
                   <a:schemeClr val="tx2">
                     <a:lumMod val="75000"/>
@@ -19257,7 +19721,7 @@
               <a:t>chuyển</a:t>
             </a:r>
             <a:r>
-              <a:rPr lang="en-US" sz="1400" dirty="0" smtClean="0">
+              <a:rPr lang="en-US" sz="1400" dirty="0">
                 <a:solidFill>
                   <a:schemeClr val="tx2">
                     <a:lumMod val="75000"/>
@@ -19267,7 +19731,7 @@
               <a:t> sang </a:t>
             </a:r>
             <a:r>
-              <a:rPr lang="en-US" sz="1400" dirty="0" err="1" smtClean="0">
+              <a:rPr lang="en-US" sz="1400" dirty="0" err="1">
                 <a:solidFill>
                   <a:schemeClr val="tx2">
                     <a:lumMod val="75000"/>
@@ -19277,7 +19741,7 @@
               <a:t>trạng</a:t>
             </a:r>
             <a:r>
-              <a:rPr lang="en-US" sz="1400" dirty="0" smtClean="0">
+              <a:rPr lang="en-US" sz="1400" dirty="0">
                 <a:solidFill>
                   <a:schemeClr val="tx2">
                     <a:lumMod val="75000"/>
@@ -19287,7 +19751,7 @@
               <a:t> </a:t>
             </a:r>
             <a:r>
-              <a:rPr lang="en-US" sz="1400" dirty="0" err="1" smtClean="0">
+              <a:rPr lang="en-US" sz="1400" dirty="0" err="1">
                 <a:solidFill>
                   <a:schemeClr val="tx2">
                     <a:lumMod val="75000"/>
@@ -19297,7 +19761,7 @@
               <a:t>thái</a:t>
             </a:r>
             <a:r>
-              <a:rPr lang="en-US" sz="1400" dirty="0" smtClean="0">
+              <a:rPr lang="en-US" sz="1400" dirty="0">
                 <a:solidFill>
                   <a:schemeClr val="tx2">
                     <a:lumMod val="75000"/>
@@ -19307,7 +19771,7 @@
               <a:t> Potential risk </a:t>
             </a:r>
             <a:r>
-              <a:rPr lang="en-US" sz="1400" dirty="0" err="1" smtClean="0">
+              <a:rPr lang="en-US" sz="1400" dirty="0" err="1">
                 <a:solidFill>
                   <a:schemeClr val="tx2">
                     <a:lumMod val="75000"/>
@@ -19317,7 +19781,7 @@
               <a:t>vào</a:t>
             </a:r>
             <a:r>
-              <a:rPr lang="en-US" sz="1400" dirty="0" smtClean="0">
+              <a:rPr lang="en-US" sz="1400" dirty="0">
                 <a:solidFill>
                   <a:schemeClr val="tx2">
                     <a:lumMod val="75000"/>
@@ -19327,7 +19791,7 @@
               <a:t> </a:t>
             </a:r>
             <a:r>
-              <a:rPr lang="en-US" sz="1400" dirty="0" err="1" smtClean="0">
+              <a:rPr lang="en-US" sz="1400" dirty="0" err="1">
                 <a:solidFill>
                   <a:schemeClr val="tx2">
                     <a:lumMod val="75000"/>
@@ -19337,7 +19801,7 @@
               <a:t>tháng</a:t>
             </a:r>
             <a:r>
-              <a:rPr lang="en-US" sz="1400" dirty="0" smtClean="0">
+              <a:rPr lang="en-US" sz="1400" dirty="0">
                 <a:solidFill>
                   <a:schemeClr val="tx2">
                     <a:lumMod val="75000"/>
@@ -19347,7 +19811,7 @@
               <a:t> 01/2024. </a:t>
             </a:r>
             <a:r>
-              <a:rPr lang="en-US" sz="1400" dirty="0" err="1" smtClean="0">
+              <a:rPr lang="en-US" sz="1400" dirty="0" err="1">
                 <a:solidFill>
                   <a:schemeClr val="tx2">
                     <a:lumMod val="75000"/>
@@ -19357,7 +19821,7 @@
               <a:t>Đây</a:t>
             </a:r>
             <a:r>
-              <a:rPr lang="en-US" sz="1400" dirty="0" smtClean="0">
+              <a:rPr lang="en-US" sz="1400" dirty="0">
                 <a:solidFill>
                   <a:schemeClr val="tx2">
                     <a:lumMod val="75000"/>
@@ -19367,7 +19831,7 @@
               <a:t> </a:t>
             </a:r>
             <a:r>
-              <a:rPr lang="en-US" sz="1400" dirty="0" err="1" smtClean="0">
+              <a:rPr lang="en-US" sz="1400" dirty="0" err="1">
                 <a:solidFill>
                   <a:schemeClr val="tx2">
                     <a:lumMod val="75000"/>
@@ -19377,7 +19841,7 @@
               <a:t>là</a:t>
             </a:r>
             <a:r>
-              <a:rPr lang="en-US" sz="1400" dirty="0" smtClean="0">
+              <a:rPr lang="en-US" sz="1400" dirty="0">
                 <a:solidFill>
                   <a:schemeClr val="tx2">
                     <a:lumMod val="75000"/>
@@ -19387,7 +19851,7 @@
               <a:t> con </a:t>
             </a:r>
             <a:r>
-              <a:rPr lang="en-US" sz="1400" dirty="0" err="1" smtClean="0">
+              <a:rPr lang="en-US" sz="1400" dirty="0" err="1">
                 <a:solidFill>
                   <a:schemeClr val="tx2">
                     <a:lumMod val="75000"/>
@@ -19397,7 +19861,7 @@
               <a:t>số</a:t>
             </a:r>
             <a:r>
-              <a:rPr lang="en-US" sz="1400" dirty="0" smtClean="0">
+              <a:rPr lang="en-US" sz="1400" dirty="0">
                 <a:solidFill>
                   <a:schemeClr val="tx2">
                     <a:lumMod val="75000"/>
@@ -19407,7 +19871,7 @@
               <a:t> </a:t>
             </a:r>
             <a:r>
-              <a:rPr lang="en-US" sz="1400" dirty="0" err="1" smtClean="0">
+              <a:rPr lang="en-US" sz="1400" dirty="0" err="1">
                 <a:solidFill>
                   <a:schemeClr val="tx2">
                     <a:lumMod val="75000"/>
@@ -19417,7 +19881,7 @@
               <a:t>đạt</a:t>
             </a:r>
             <a:r>
-              <a:rPr lang="en-US" sz="1400" dirty="0" smtClean="0">
+              <a:rPr lang="en-US" sz="1400" dirty="0">
                 <a:solidFill>
                   <a:schemeClr val="tx2">
                     <a:lumMod val="75000"/>
@@ -19427,7 +19891,7 @@
               <a:t> </a:t>
             </a:r>
             <a:r>
-              <a:rPr lang="en-US" sz="1400" dirty="0" err="1" smtClean="0">
+              <a:rPr lang="en-US" sz="1400" dirty="0" err="1">
                 <a:solidFill>
                   <a:schemeClr val="tx2">
                     <a:lumMod val="75000"/>
@@ -19437,7 +19901,7 @@
               <a:t>đỉnh</a:t>
             </a:r>
             <a:r>
-              <a:rPr lang="en-US" sz="1400" dirty="0" smtClean="0">
+              <a:rPr lang="en-US" sz="1400" dirty="0">
                 <a:solidFill>
                   <a:schemeClr val="tx2">
                     <a:lumMod val="75000"/>
@@ -19447,7 +19911,7 @@
               <a:t> </a:t>
             </a:r>
             <a:r>
-              <a:rPr lang="en-US" sz="1400" dirty="0" err="1" smtClean="0">
+              <a:rPr lang="en-US" sz="1400" dirty="0" err="1">
                 <a:solidFill>
                   <a:schemeClr val="tx2">
                     <a:lumMod val="75000"/>
@@ -19457,7 +19921,7 @@
               <a:t>ghi</a:t>
             </a:r>
             <a:r>
-              <a:rPr lang="en-US" sz="1400" dirty="0" smtClean="0">
+              <a:rPr lang="en-US" sz="1400" dirty="0">
                 <a:solidFill>
                   <a:schemeClr val="tx2">
                     <a:lumMod val="75000"/>
@@ -19467,7 +19931,7 @@
               <a:t> </a:t>
             </a:r>
             <a:r>
-              <a:rPr lang="en-US" sz="1400" dirty="0" err="1" smtClean="0">
+              <a:rPr lang="en-US" sz="1400" dirty="0" err="1">
                 <a:solidFill>
                   <a:schemeClr val="tx2">
                     <a:lumMod val="75000"/>
@@ -19477,7 +19941,7 @@
               <a:t>nhận</a:t>
             </a:r>
             <a:r>
-              <a:rPr lang="en-US" sz="1400" dirty="0" smtClean="0">
+              <a:rPr lang="en-US" sz="1400" dirty="0">
                 <a:solidFill>
                   <a:schemeClr val="tx2">
                     <a:lumMod val="75000"/>
@@ -19487,7 +19951,7 @@
               <a:t> </a:t>
             </a:r>
             <a:r>
-              <a:rPr lang="en-US" sz="1400" dirty="0" err="1" smtClean="0">
+              <a:rPr lang="en-US" sz="1400" dirty="0" err="1">
                 <a:solidFill>
                   <a:schemeClr val="tx2">
                     <a:lumMod val="75000"/>
@@ -19497,7 +19961,7 @@
               <a:t>trong</a:t>
             </a:r>
             <a:r>
-              <a:rPr lang="en-US" sz="1400" dirty="0" smtClean="0">
+              <a:rPr lang="en-US" sz="1400" dirty="0">
                 <a:solidFill>
                   <a:schemeClr val="tx2">
                     <a:lumMod val="75000"/>
@@ -19507,7 +19971,7 @@
               <a:t> 12 </a:t>
             </a:r>
             <a:r>
-              <a:rPr lang="en-US" sz="1400" dirty="0" err="1" smtClean="0">
+              <a:rPr lang="en-US" sz="1400" dirty="0" err="1">
                 <a:solidFill>
                   <a:schemeClr val="tx2">
                     <a:lumMod val="75000"/>
@@ -19517,7 +19981,7 @@
               <a:t>tháng</a:t>
             </a:r>
             <a:r>
-              <a:rPr lang="en-US" sz="1400" dirty="0" smtClean="0">
+              <a:rPr lang="en-US" sz="1400" dirty="0">
                 <a:solidFill>
                   <a:schemeClr val="tx2">
                     <a:lumMod val="75000"/>
@@ -19527,7 +19991,7 @@
               <a:t> </a:t>
             </a:r>
             <a:r>
-              <a:rPr lang="en-US" sz="1400" dirty="0" err="1" smtClean="0">
+              <a:rPr lang="en-US" sz="1400" dirty="0" err="1">
                 <a:solidFill>
                   <a:schemeClr val="tx2">
                     <a:lumMod val="75000"/>
@@ -19537,7 +20001,7 @@
               <a:t>phân</a:t>
             </a:r>
             <a:r>
-              <a:rPr lang="en-US" sz="1400" dirty="0" smtClean="0">
+              <a:rPr lang="en-US" sz="1400" dirty="0">
                 <a:solidFill>
                   <a:schemeClr val="tx2">
                     <a:lumMod val="75000"/>
@@ -19547,7 +20011,7 @@
               <a:t> </a:t>
             </a:r>
             <a:r>
-              <a:rPr lang="en-US" sz="1400" dirty="0" err="1" smtClean="0">
+              <a:rPr lang="en-US" sz="1400" dirty="0" err="1">
                 <a:solidFill>
                   <a:schemeClr val="tx2">
                     <a:lumMod val="75000"/>
@@ -19557,7 +20021,7 @@
               <a:t>tích</a:t>
             </a:r>
             <a:r>
-              <a:rPr lang="en-US" sz="1400" dirty="0" smtClean="0">
+              <a:rPr lang="en-US" sz="1400" dirty="0">
                 <a:solidFill>
                   <a:schemeClr val="tx2">
                     <a:lumMod val="75000"/>
@@ -19566,13 +20030,6 @@
               </a:rPr>
               <a:t>.</a:t>
             </a:r>
-            <a:endParaRPr lang="en-US" sz="1400" dirty="0">
-              <a:solidFill>
-                <a:schemeClr val="tx2">
-                  <a:lumMod val="75000"/>
-                </a:schemeClr>
-              </a:solidFill>
-            </a:endParaRPr>
           </a:p>
         </p:txBody>
       </p:sp>
@@ -19584,7 +20041,7 @@
         </p:nvSpPr>
         <p:spPr>
           <a:xfrm>
-            <a:off x="581891" y="5320146"/>
+            <a:off x="615142" y="5237019"/>
             <a:ext cx="149630" cy="149630"/>
           </a:xfrm>
           <a:prstGeom prst="flowChartConnector">
@@ -19635,7 +20092,7 @@
         </p:nvSpPr>
         <p:spPr>
           <a:xfrm>
-            <a:off x="577735" y="6020955"/>
+            <a:off x="605057" y="5957681"/>
             <a:ext cx="149630" cy="149630"/>
           </a:xfrm>
           <a:prstGeom prst="flowChartConnector">
@@ -19686,7 +20143,7 @@
         </p:nvSpPr>
         <p:spPr>
           <a:xfrm>
-            <a:off x="6087687" y="5115099"/>
+            <a:off x="6026727" y="5237019"/>
             <a:ext cx="149630" cy="149630"/>
           </a:xfrm>
           <a:prstGeom prst="flowChartConnector">
@@ -19737,7 +20194,7 @@
         </p:nvSpPr>
         <p:spPr>
           <a:xfrm>
-            <a:off x="6107082" y="5716386"/>
+            <a:off x="6032065" y="5957682"/>
             <a:ext cx="149630" cy="149630"/>
           </a:xfrm>
           <a:prstGeom prst="flowChartConnector">
@@ -19820,36 +20277,124 @@
             <p:ph type="ctrTitle"/>
           </p:nvPr>
         </p:nvSpPr>
-        <p:spPr/>
+        <p:spPr>
+          <a:xfrm>
+            <a:off x="483889" y="61842"/>
+            <a:ext cx="10301758" cy="633412"/>
+          </a:xfrm>
+        </p:spPr>
         <p:txBody>
           <a:bodyPr/>
           <a:lstStyle/>
           <a:p>
             <a:r>
-              <a:rPr lang="en-US" dirty="0" err="1" smtClean="0"/>
-              <a:t>Tổng</a:t>
-            </a:r>
-            <a:r>
-              <a:rPr lang="en-US" dirty="0" smtClean="0"/>
+              <a:rPr lang="en-US" dirty="0" err="1">
+                <a:latin typeface="+mn-lt"/>
+              </a:rPr>
+              <a:t>Tập</a:t>
+            </a:r>
+            <a:r>
+              <a:rPr lang="en-US" dirty="0">
+                <a:latin typeface="+mn-lt"/>
+              </a:rPr>
               <a:t> </a:t>
             </a:r>
             <a:r>
-              <a:rPr lang="en-US" dirty="0" err="1" smtClean="0"/>
-              <a:t>quan</a:t>
-            </a:r>
-            <a:r>
-              <a:rPr lang="en-US" dirty="0" smtClean="0"/>
+              <a:rPr lang="en-US" dirty="0" err="1">
+                <a:latin typeface="+mn-lt"/>
+              </a:rPr>
+              <a:t>khách</a:t>
+            </a:r>
+            <a:r>
+              <a:rPr lang="en-US" dirty="0">
+                <a:latin typeface="+mn-lt"/>
+              </a:rPr>
               <a:t> </a:t>
             </a:r>
             <a:r>
-              <a:rPr lang="en-US" dirty="0" err="1" smtClean="0"/>
-              <a:t>chung</a:t>
-            </a:r>
-            <a:r>
-              <a:rPr lang="en-US" dirty="0" smtClean="0"/>
+              <a:rPr lang="en-US" dirty="0" err="1">
+                <a:latin typeface="+mn-lt"/>
+              </a:rPr>
+              <a:t>hàng</a:t>
+            </a:r>
+            <a:r>
+              <a:rPr lang="en-US" dirty="0">
+                <a:latin typeface="+mn-lt"/>
+              </a:rPr>
               <a:t> </a:t>
             </a:r>
-            <a:endParaRPr lang="en-US" dirty="0"/>
+            <a:r>
+              <a:rPr lang="en-US" dirty="0" err="1">
+                <a:latin typeface="+mn-lt"/>
+              </a:rPr>
+              <a:t>và</a:t>
+            </a:r>
+            <a:r>
+              <a:rPr lang="en-US" dirty="0">
+                <a:latin typeface="+mn-lt"/>
+              </a:rPr>
+              <a:t> </a:t>
+            </a:r>
+            <a:r>
+              <a:rPr lang="en-US" dirty="0" err="1">
+                <a:latin typeface="+mn-lt"/>
+              </a:rPr>
+              <a:t>loại</a:t>
+            </a:r>
+            <a:r>
+              <a:rPr lang="en-US" dirty="0">
+                <a:latin typeface="+mn-lt"/>
+              </a:rPr>
+              <a:t> </a:t>
+            </a:r>
+            <a:r>
+              <a:rPr lang="en-US" dirty="0" err="1">
+                <a:latin typeface="+mn-lt"/>
+              </a:rPr>
+              <a:t>thẻ</a:t>
+            </a:r>
+            <a:r>
+              <a:rPr lang="en-US" dirty="0">
+                <a:latin typeface="+mn-lt"/>
+              </a:rPr>
+              <a:t> </a:t>
+            </a:r>
+            <a:r>
+              <a:rPr lang="en-US" dirty="0" err="1">
+                <a:latin typeface="+mn-lt"/>
+              </a:rPr>
+              <a:t>chuyển</a:t>
+            </a:r>
+            <a:r>
+              <a:rPr lang="en-US" dirty="0">
+                <a:latin typeface="+mn-lt"/>
+              </a:rPr>
+              <a:t> sang </a:t>
+            </a:r>
+            <a:r>
+              <a:rPr lang="en-US" dirty="0" err="1">
+                <a:latin typeface="+mn-lt"/>
+              </a:rPr>
+              <a:t>trạng</a:t>
+            </a:r>
+            <a:r>
+              <a:rPr lang="en-US" dirty="0">
+                <a:latin typeface="+mn-lt"/>
+              </a:rPr>
+              <a:t> </a:t>
+            </a:r>
+            <a:r>
+              <a:rPr lang="en-US" dirty="0" err="1">
+                <a:latin typeface="+mn-lt"/>
+              </a:rPr>
+              <a:t>thái</a:t>
+            </a:r>
+            <a:r>
+              <a:rPr lang="en-US" dirty="0">
+                <a:latin typeface="+mn-lt"/>
+              </a:rPr>
+              <a:t> Potential risk</a:t>
+            </a:r>
           </a:p>
         </p:txBody>
       </p:sp>
@@ -19862,14 +20407,14 @@
           <p:nvPr>
             <p:extLst>
               <p:ext uri="{D42A27DB-BD31-4B8C-83A1-F6EECF244321}">
-                <p14:modId xmlns:p14="http://schemas.microsoft.com/office/powerpoint/2010/main" val="3071119816"/>
+                <p14:modId xmlns:p14="http://schemas.microsoft.com/office/powerpoint/2010/main" val="3410911251"/>
               </p:ext>
             </p:extLst>
           </p:nvPr>
         </p:nvGraphicFramePr>
         <p:xfrm>
-          <a:off x="488284" y="2709950"/>
-          <a:ext cx="5172684" cy="2951017"/>
+          <a:off x="6722762" y="2401837"/>
+          <a:ext cx="4864608" cy="3675888"/>
         </p:xfrm>
         <a:graphic>
           <a:graphicData uri="http://schemas.openxmlformats.org/drawingml/2006/chart">
@@ -19885,8 +20430,8 @@
         </p:nvSpPr>
         <p:spPr>
           <a:xfrm>
-            <a:off x="415637" y="1396024"/>
-            <a:ext cx="4771506" cy="954107"/>
+            <a:off x="6722762" y="1073427"/>
+            <a:ext cx="5231113" cy="738664"/>
           </a:xfrm>
           <a:prstGeom prst="rect">
             <a:avLst/>
@@ -19900,40 +20445,158 @@
           <a:lstStyle/>
           <a:p>
             <a:r>
-              <a:rPr lang="en-US" sz="1400" dirty="0" err="1" smtClean="0">
-                <a:solidFill>
-                  <a:schemeClr val="tx2">
-                    <a:lumMod val="75000"/>
-                  </a:schemeClr>
-                </a:solidFill>
-                <a:latin typeface="Arial" panose="020B0604020202020204" pitchFamily="34" charset="0"/>
+              <a:rPr lang="en-US" sz="1400" dirty="0" err="1">
+                <a:solidFill>
+                  <a:schemeClr val="tx2">
+                    <a:lumMod val="75000"/>
+                  </a:schemeClr>
+                </a:solidFill>
                 <a:cs typeface="Arial" panose="020B0604020202020204" pitchFamily="34" charset="0"/>
               </a:rPr>
               <a:t>Thẻ</a:t>
             </a:r>
             <a:r>
-              <a:rPr lang="en-US" sz="1400" dirty="0" smtClean="0">
-                <a:solidFill>
-                  <a:schemeClr val="tx2">
-                    <a:lumMod val="75000"/>
-                  </a:schemeClr>
-                </a:solidFill>
-                <a:latin typeface="Arial" panose="020B0604020202020204" pitchFamily="34" charset="0"/>
+              <a:rPr lang="en-US" sz="1400" dirty="0">
+                <a:solidFill>
+                  <a:schemeClr val="tx2">
+                    <a:lumMod val="75000"/>
+                  </a:schemeClr>
+                </a:solidFill>
                 <a:cs typeface="Arial" panose="020B0604020202020204" pitchFamily="34" charset="0"/>
               </a:rPr>
+              <a:t> VISA Super Shopee Platinum Credit </a:t>
+            </a:r>
+            <a:r>
+              <a:rPr lang="en-US" sz="1400" dirty="0" err="1">
+                <a:solidFill>
+                  <a:schemeClr val="tx2">
+                    <a:lumMod val="75000"/>
+                  </a:schemeClr>
+                </a:solidFill>
+                <a:cs typeface="Arial" panose="020B0604020202020204" pitchFamily="34" charset="0"/>
+              </a:rPr>
+              <a:t>Prin</a:t>
+            </a:r>
+            <a:r>
+              <a:rPr lang="en-US" sz="1400" dirty="0">
+                <a:solidFill>
+                  <a:schemeClr val="tx2">
+                    <a:lumMod val="75000"/>
+                  </a:schemeClr>
+                </a:solidFill>
+                <a:cs typeface="Arial" panose="020B0604020202020204" pitchFamily="34" charset="0"/>
+              </a:rPr>
+              <a:t>, MC Lady Credit </a:t>
+            </a:r>
+            <a:r>
+              <a:rPr lang="en-US" sz="1400" dirty="0" err="1">
+                <a:solidFill>
+                  <a:schemeClr val="tx2">
+                    <a:lumMod val="75000"/>
+                  </a:schemeClr>
+                </a:solidFill>
+                <a:cs typeface="Arial" panose="020B0604020202020204" pitchFamily="34" charset="0"/>
+              </a:rPr>
+              <a:t>Prin</a:t>
+            </a:r>
+            <a:r>
+              <a:rPr lang="en-US" sz="1400" dirty="0">
+                <a:solidFill>
+                  <a:schemeClr val="tx2">
+                    <a:lumMod val="75000"/>
+                  </a:schemeClr>
+                </a:solidFill>
+                <a:cs typeface="Arial" panose="020B0604020202020204" pitchFamily="34" charset="0"/>
+              </a:rPr>
+              <a:t>, VISA Shopee Platinum Credit </a:t>
+            </a:r>
+            <a:r>
+              <a:rPr lang="en-US" sz="1400" dirty="0" err="1">
+                <a:solidFill>
+                  <a:schemeClr val="tx2">
+                    <a:lumMod val="75000"/>
+                  </a:schemeClr>
+                </a:solidFill>
+                <a:cs typeface="Arial" panose="020B0604020202020204" pitchFamily="34" charset="0"/>
+              </a:rPr>
+              <a:t>Prin</a:t>
+            </a:r>
+            <a:r>
+              <a:rPr lang="en-US" sz="1400" dirty="0">
+                <a:solidFill>
+                  <a:schemeClr val="tx2">
+                    <a:lumMod val="75000"/>
+                  </a:schemeClr>
+                </a:solidFill>
+                <a:cs typeface="Arial" panose="020B0604020202020204" pitchFamily="34" charset="0"/>
+              </a:rPr>
+              <a:t>, MC StepUp Credit </a:t>
+            </a:r>
+            <a:r>
+              <a:rPr lang="en-US" sz="1400" dirty="0" err="1">
+                <a:solidFill>
+                  <a:schemeClr val="tx2">
+                    <a:lumMod val="75000"/>
+                  </a:schemeClr>
+                </a:solidFill>
+                <a:cs typeface="Arial" panose="020B0604020202020204" pitchFamily="34" charset="0"/>
+              </a:rPr>
+              <a:t>Prin</a:t>
+            </a:r>
+            <a:r>
+              <a:rPr lang="en-US" sz="1400" dirty="0">
+                <a:solidFill>
+                  <a:schemeClr val="tx2">
+                    <a:lumMod val="75000"/>
+                  </a:schemeClr>
+                </a:solidFill>
+                <a:cs typeface="Arial" panose="020B0604020202020204" pitchFamily="34" charset="0"/>
+              </a:rPr>
+              <a:t>  </a:t>
+            </a:r>
+            <a:r>
+              <a:rPr lang="en-US" sz="1400" dirty="0" err="1">
+                <a:solidFill>
+                  <a:schemeClr val="tx2">
+                    <a:lumMod val="75000"/>
+                  </a:schemeClr>
+                </a:solidFill>
+                <a:cs typeface="Arial" panose="020B0604020202020204" pitchFamily="34" charset="0"/>
+              </a:rPr>
+              <a:t>là</a:t>
+            </a:r>
+            <a:r>
+              <a:rPr lang="en-US" sz="1400" dirty="0">
+                <a:solidFill>
+                  <a:schemeClr val="tx2">
+                    <a:lumMod val="75000"/>
+                  </a:schemeClr>
+                </a:solidFill>
+                <a:cs typeface="Arial" panose="020B0604020202020204" pitchFamily="34" charset="0"/>
+              </a:rPr>
               <a:t> </a:t>
             </a:r>
             <a:r>
+              <a:rPr lang="en-US" sz="1400" dirty="0" err="1">
+                <a:solidFill>
+                  <a:schemeClr val="tx2">
+                    <a:lumMod val="75000"/>
+                  </a:schemeClr>
+                </a:solidFill>
+                <a:cs typeface="Arial" panose="020B0604020202020204" pitchFamily="34" charset="0"/>
+              </a:rPr>
+              <a:t>các</a:t>
+            </a:r>
+            <a:r>
               <a:rPr lang="en-US" sz="1400" dirty="0">
                 <a:solidFill>
                   <a:schemeClr val="tx2">
                     <a:lumMod val="75000"/>
                   </a:schemeClr>
                 </a:solidFill>
-                <a:latin typeface="Arial" panose="020B0604020202020204" pitchFamily="34" charset="0"/>
                 <a:cs typeface="Arial" panose="020B0604020202020204" pitchFamily="34" charset="0"/>
               </a:rPr>
-              <a:t>VISA Super </a:t>
+              <a:t> </a:t>
             </a:r>
             <a:r>
               <a:rPr lang="en-US" sz="1400" dirty="0" err="1">
@@ -19942,10 +20605,9 @@
                     <a:lumMod val="75000"/>
                   </a:schemeClr>
                 </a:solidFill>
-                <a:latin typeface="Arial" panose="020B0604020202020204" pitchFamily="34" charset="0"/>
                 <a:cs typeface="Arial" panose="020B0604020202020204" pitchFamily="34" charset="0"/>
               </a:rPr>
-              <a:t>Shopee</a:t>
+              <a:t>loại</a:t>
             </a:r>
             <a:r>
               <a:rPr lang="en-US" sz="1400" dirty="0">
@@ -19954,34 +20616,42 @@
                     <a:lumMod val="75000"/>
                   </a:schemeClr>
                 </a:solidFill>
-                <a:latin typeface="Arial" panose="020B0604020202020204" pitchFamily="34" charset="0"/>
                 <a:cs typeface="Arial" panose="020B0604020202020204" pitchFamily="34" charset="0"/>
               </a:rPr>
-              <a:t> Platinum Credit </a:t>
-            </a:r>
-            <a:r>
-              <a:rPr lang="en-US" sz="1400" dirty="0" err="1" smtClean="0">
-                <a:solidFill>
-                  <a:schemeClr val="tx2">
-                    <a:lumMod val="75000"/>
-                  </a:schemeClr>
-                </a:solidFill>
-                <a:latin typeface="Arial" panose="020B0604020202020204" pitchFamily="34" charset="0"/>
+              <a:t> </a:t>
+            </a:r>
+            <a:r>
+              <a:rPr lang="en-US" sz="1400" dirty="0" err="1">
+                <a:solidFill>
+                  <a:schemeClr val="tx2">
+                    <a:lumMod val="75000"/>
+                  </a:schemeClr>
+                </a:solidFill>
                 <a:cs typeface="Arial" panose="020B0604020202020204" pitchFamily="34" charset="0"/>
               </a:rPr>
-              <a:t>Prin</a:t>
-            </a:r>
-            <a:r>
-              <a:rPr lang="en-US" sz="1400" dirty="0" smtClean="0">
-                <a:solidFill>
-                  <a:schemeClr val="tx2">
-                    <a:lumMod val="75000"/>
-                  </a:schemeClr>
-                </a:solidFill>
-                <a:latin typeface="Arial" panose="020B0604020202020204" pitchFamily="34" charset="0"/>
+              <a:t>thẻ</a:t>
+            </a:r>
+            <a:r>
+              <a:rPr lang="en-US" sz="1400" dirty="0">
+                <a:solidFill>
+                  <a:schemeClr val="tx2">
+                    <a:lumMod val="75000"/>
+                  </a:schemeClr>
+                </a:solidFill>
                 <a:cs typeface="Arial" panose="020B0604020202020204" pitchFamily="34" charset="0"/>
               </a:rPr>
-              <a:t>, </a:t>
+              <a:t> </a:t>
+            </a:r>
+            <a:r>
+              <a:rPr lang="en-US" sz="1400" dirty="0" err="1">
+                <a:solidFill>
+                  <a:schemeClr val="tx2">
+                    <a:lumMod val="75000"/>
+                  </a:schemeClr>
+                </a:solidFill>
+                <a:cs typeface="Arial" panose="020B0604020202020204" pitchFamily="34" charset="0"/>
+              </a:rPr>
+              <a:t>chuyển</a:t>
             </a:r>
             <a:r>
               <a:rPr lang="en-US" sz="1400" dirty="0">
@@ -19990,34 +20660,42 @@
                     <a:lumMod val="75000"/>
                   </a:schemeClr>
                 </a:solidFill>
-                <a:latin typeface="Arial" panose="020B0604020202020204" pitchFamily="34" charset="0"/>
                 <a:cs typeface="Arial" panose="020B0604020202020204" pitchFamily="34" charset="0"/>
               </a:rPr>
-              <a:t>MC Lady Credit </a:t>
-            </a:r>
-            <a:r>
-              <a:rPr lang="en-US" sz="1400" dirty="0" err="1" smtClean="0">
-                <a:solidFill>
-                  <a:schemeClr val="tx2">
-                    <a:lumMod val="75000"/>
-                  </a:schemeClr>
-                </a:solidFill>
-                <a:latin typeface="Arial" panose="020B0604020202020204" pitchFamily="34" charset="0"/>
+              <a:t> </a:t>
+            </a:r>
+            <a:r>
+              <a:rPr lang="en-US" sz="1400" dirty="0" err="1">
+                <a:solidFill>
+                  <a:schemeClr val="tx2">
+                    <a:lumMod val="75000"/>
+                  </a:schemeClr>
+                </a:solidFill>
                 <a:cs typeface="Arial" panose="020B0604020202020204" pitchFamily="34" charset="0"/>
               </a:rPr>
-              <a:t>Prin</a:t>
-            </a:r>
-            <a:r>
-              <a:rPr lang="en-US" sz="1400" dirty="0" smtClean="0">
-                <a:solidFill>
-                  <a:schemeClr val="tx2">
-                    <a:lumMod val="75000"/>
-                  </a:schemeClr>
-                </a:solidFill>
-                <a:latin typeface="Arial" panose="020B0604020202020204" pitchFamily="34" charset="0"/>
+              <a:t>đổi</a:t>
+            </a:r>
+            <a:r>
+              <a:rPr lang="en-US" sz="1400" dirty="0">
+                <a:solidFill>
+                  <a:schemeClr val="tx2">
+                    <a:lumMod val="75000"/>
+                  </a:schemeClr>
+                </a:solidFill>
                 <a:cs typeface="Arial" panose="020B0604020202020204" pitchFamily="34" charset="0"/>
               </a:rPr>
-              <a:t>, </a:t>
+              <a:t> sang </a:t>
+            </a:r>
+            <a:r>
+              <a:rPr lang="en-US" sz="1400" dirty="0" err="1">
+                <a:solidFill>
+                  <a:schemeClr val="tx2">
+                    <a:lumMod val="75000"/>
+                  </a:schemeClr>
+                </a:solidFill>
+                <a:cs typeface="Arial" panose="020B0604020202020204" pitchFamily="34" charset="0"/>
+              </a:rPr>
+              <a:t>trạng</a:t>
             </a:r>
             <a:r>
               <a:rPr lang="en-US" sz="1400" dirty="0">
@@ -20026,10 +20704,9 @@
                     <a:lumMod val="75000"/>
                   </a:schemeClr>
                 </a:solidFill>
-                <a:latin typeface="Arial" panose="020B0604020202020204" pitchFamily="34" charset="0"/>
                 <a:cs typeface="Arial" panose="020B0604020202020204" pitchFamily="34" charset="0"/>
               </a:rPr>
-              <a:t>VISA </a:t>
+              <a:t> </a:t>
             </a:r>
             <a:r>
               <a:rPr lang="en-US" sz="1400" dirty="0" err="1">
@@ -20038,10 +20715,9 @@
                     <a:lumMod val="75000"/>
                   </a:schemeClr>
                 </a:solidFill>
-                <a:latin typeface="Arial" panose="020B0604020202020204" pitchFamily="34" charset="0"/>
                 <a:cs typeface="Arial" panose="020B0604020202020204" pitchFamily="34" charset="0"/>
               </a:rPr>
-              <a:t>Shopee</a:t>
+              <a:t>thái</a:t>
             </a:r>
             <a:r>
               <a:rPr lang="en-US" sz="1400" dirty="0">
@@ -20050,46 +20726,31 @@
                     <a:lumMod val="75000"/>
                   </a:schemeClr>
                 </a:solidFill>
-                <a:latin typeface="Arial" panose="020B0604020202020204" pitchFamily="34" charset="0"/>
                 <a:cs typeface="Arial" panose="020B0604020202020204" pitchFamily="34" charset="0"/>
               </a:rPr>
-              <a:t> Platinum Credit </a:t>
-            </a:r>
-            <a:r>
-              <a:rPr lang="en-US" sz="1400" dirty="0" err="1" smtClean="0">
-                <a:solidFill>
-                  <a:schemeClr val="tx2">
-                    <a:lumMod val="75000"/>
-                  </a:schemeClr>
-                </a:solidFill>
-                <a:latin typeface="Arial" panose="020B0604020202020204" pitchFamily="34" charset="0"/>
+              <a:t> potential risk </a:t>
+            </a:r>
+            <a:r>
+              <a:rPr lang="en-US" sz="1400" dirty="0" err="1">
+                <a:solidFill>
+                  <a:schemeClr val="tx2">
+                    <a:lumMod val="75000"/>
+                  </a:schemeClr>
+                </a:solidFill>
                 <a:cs typeface="Arial" panose="020B0604020202020204" pitchFamily="34" charset="0"/>
               </a:rPr>
-              <a:t>Prin</a:t>
-            </a:r>
-            <a:r>
-              <a:rPr lang="en-US" sz="1400" dirty="0" smtClean="0">
-                <a:solidFill>
-                  <a:schemeClr val="tx2">
-                    <a:lumMod val="75000"/>
-                  </a:schemeClr>
-                </a:solidFill>
-                <a:latin typeface="Arial" panose="020B0604020202020204" pitchFamily="34" charset="0"/>
+              <a:t>cao</a:t>
+            </a:r>
+            <a:r>
+              <a:rPr lang="en-US" sz="1400" dirty="0">
+                <a:solidFill>
+                  <a:schemeClr val="tx2">
+                    <a:lumMod val="75000"/>
+                  </a:schemeClr>
+                </a:solidFill>
                 <a:cs typeface="Arial" panose="020B0604020202020204" pitchFamily="34" charset="0"/>
               </a:rPr>
-              <a:t>, </a:t>
-            </a:r>
-            <a:r>
-              <a:rPr lang="en-US" sz="1400" dirty="0">
-                <a:solidFill>
-                  <a:schemeClr val="tx2">
-                    <a:lumMod val="75000"/>
-                  </a:schemeClr>
-                </a:solidFill>
-                <a:latin typeface="Arial" panose="020B0604020202020204" pitchFamily="34" charset="0"/>
-                <a:cs typeface="Arial" panose="020B0604020202020204" pitchFamily="34" charset="0"/>
-              </a:rPr>
-              <a:t>MC </a:t>
+              <a:t> </a:t>
             </a:r>
             <a:r>
               <a:rPr lang="en-US" sz="1400" dirty="0" err="1">
@@ -20098,295 +20759,6 @@
                     <a:lumMod val="75000"/>
                   </a:schemeClr>
                 </a:solidFill>
-                <a:latin typeface="Arial" panose="020B0604020202020204" pitchFamily="34" charset="0"/>
-                <a:cs typeface="Arial" panose="020B0604020202020204" pitchFamily="34" charset="0"/>
-              </a:rPr>
-              <a:t>StepUp</a:t>
-            </a:r>
-            <a:r>
-              <a:rPr lang="en-US" sz="1400" dirty="0">
-                <a:solidFill>
-                  <a:schemeClr val="tx2">
-                    <a:lumMod val="75000"/>
-                  </a:schemeClr>
-                </a:solidFill>
-                <a:latin typeface="Arial" panose="020B0604020202020204" pitchFamily="34" charset="0"/>
-                <a:cs typeface="Arial" panose="020B0604020202020204" pitchFamily="34" charset="0"/>
-              </a:rPr>
-              <a:t> Credit </a:t>
-            </a:r>
-            <a:r>
-              <a:rPr lang="en-US" sz="1400" dirty="0" err="1">
-                <a:solidFill>
-                  <a:schemeClr val="tx2">
-                    <a:lumMod val="75000"/>
-                  </a:schemeClr>
-                </a:solidFill>
-                <a:latin typeface="Arial" panose="020B0604020202020204" pitchFamily="34" charset="0"/>
-                <a:cs typeface="Arial" panose="020B0604020202020204" pitchFamily="34" charset="0"/>
-              </a:rPr>
-              <a:t>Prin</a:t>
-            </a:r>
-            <a:r>
-              <a:rPr lang="en-US" sz="1400" dirty="0">
-                <a:solidFill>
-                  <a:schemeClr val="tx2">
-                    <a:lumMod val="75000"/>
-                  </a:schemeClr>
-                </a:solidFill>
-                <a:latin typeface="Arial" panose="020B0604020202020204" pitchFamily="34" charset="0"/>
-                <a:cs typeface="Arial" panose="020B0604020202020204" pitchFamily="34" charset="0"/>
-              </a:rPr>
-              <a:t>  </a:t>
-            </a:r>
-            <a:r>
-              <a:rPr lang="en-US" sz="1400" dirty="0" err="1" smtClean="0">
-                <a:solidFill>
-                  <a:schemeClr val="tx2">
-                    <a:lumMod val="75000"/>
-                  </a:schemeClr>
-                </a:solidFill>
-                <a:latin typeface="Arial" panose="020B0604020202020204" pitchFamily="34" charset="0"/>
-                <a:cs typeface="Arial" panose="020B0604020202020204" pitchFamily="34" charset="0"/>
-              </a:rPr>
-              <a:t>là</a:t>
-            </a:r>
-            <a:r>
-              <a:rPr lang="en-US" sz="1400" dirty="0" smtClean="0">
-                <a:solidFill>
-                  <a:schemeClr val="tx2">
-                    <a:lumMod val="75000"/>
-                  </a:schemeClr>
-                </a:solidFill>
-                <a:latin typeface="Arial" panose="020B0604020202020204" pitchFamily="34" charset="0"/>
-                <a:cs typeface="Arial" panose="020B0604020202020204" pitchFamily="34" charset="0"/>
-              </a:rPr>
-              <a:t> </a:t>
-            </a:r>
-            <a:r>
-              <a:rPr lang="en-US" sz="1400" dirty="0" err="1" smtClean="0">
-                <a:solidFill>
-                  <a:schemeClr val="tx2">
-                    <a:lumMod val="75000"/>
-                  </a:schemeClr>
-                </a:solidFill>
-                <a:latin typeface="Arial" panose="020B0604020202020204" pitchFamily="34" charset="0"/>
-                <a:cs typeface="Arial" panose="020B0604020202020204" pitchFamily="34" charset="0"/>
-              </a:rPr>
-              <a:t>các</a:t>
-            </a:r>
-            <a:r>
-              <a:rPr lang="en-US" sz="1400" dirty="0" smtClean="0">
-                <a:solidFill>
-                  <a:schemeClr val="tx2">
-                    <a:lumMod val="75000"/>
-                  </a:schemeClr>
-                </a:solidFill>
-                <a:latin typeface="Arial" panose="020B0604020202020204" pitchFamily="34" charset="0"/>
-                <a:cs typeface="Arial" panose="020B0604020202020204" pitchFamily="34" charset="0"/>
-              </a:rPr>
-              <a:t> </a:t>
-            </a:r>
-            <a:r>
-              <a:rPr lang="en-US" sz="1400" dirty="0" err="1" smtClean="0">
-                <a:solidFill>
-                  <a:schemeClr val="tx2">
-                    <a:lumMod val="75000"/>
-                  </a:schemeClr>
-                </a:solidFill>
-                <a:latin typeface="Arial" panose="020B0604020202020204" pitchFamily="34" charset="0"/>
-                <a:cs typeface="Arial" panose="020B0604020202020204" pitchFamily="34" charset="0"/>
-              </a:rPr>
-              <a:t>loại</a:t>
-            </a:r>
-            <a:r>
-              <a:rPr lang="en-US" sz="1400" dirty="0" smtClean="0">
-                <a:solidFill>
-                  <a:schemeClr val="tx2">
-                    <a:lumMod val="75000"/>
-                  </a:schemeClr>
-                </a:solidFill>
-                <a:latin typeface="Arial" panose="020B0604020202020204" pitchFamily="34" charset="0"/>
-                <a:cs typeface="Arial" panose="020B0604020202020204" pitchFamily="34" charset="0"/>
-              </a:rPr>
-              <a:t> </a:t>
-            </a:r>
-            <a:r>
-              <a:rPr lang="en-US" sz="1400" dirty="0" err="1" smtClean="0">
-                <a:solidFill>
-                  <a:schemeClr val="tx2">
-                    <a:lumMod val="75000"/>
-                  </a:schemeClr>
-                </a:solidFill>
-                <a:latin typeface="Arial" panose="020B0604020202020204" pitchFamily="34" charset="0"/>
-                <a:cs typeface="Arial" panose="020B0604020202020204" pitchFamily="34" charset="0"/>
-              </a:rPr>
-              <a:t>thẻ</a:t>
-            </a:r>
-            <a:r>
-              <a:rPr lang="en-US" sz="1400" dirty="0" smtClean="0">
-                <a:solidFill>
-                  <a:schemeClr val="tx2">
-                    <a:lumMod val="75000"/>
-                  </a:schemeClr>
-                </a:solidFill>
-                <a:latin typeface="Arial" panose="020B0604020202020204" pitchFamily="34" charset="0"/>
-                <a:cs typeface="Arial" panose="020B0604020202020204" pitchFamily="34" charset="0"/>
-              </a:rPr>
-              <a:t> </a:t>
-            </a:r>
-            <a:r>
-              <a:rPr lang="en-US" sz="1400" dirty="0" err="1" smtClean="0">
-                <a:solidFill>
-                  <a:schemeClr val="tx2">
-                    <a:lumMod val="75000"/>
-                  </a:schemeClr>
-                </a:solidFill>
-                <a:latin typeface="Arial" panose="020B0604020202020204" pitchFamily="34" charset="0"/>
-                <a:cs typeface="Arial" panose="020B0604020202020204" pitchFamily="34" charset="0"/>
-              </a:rPr>
-              <a:t>bị</a:t>
-            </a:r>
-            <a:r>
-              <a:rPr lang="en-US" sz="1400" dirty="0" smtClean="0">
-                <a:solidFill>
-                  <a:schemeClr val="tx2">
-                    <a:lumMod val="75000"/>
-                  </a:schemeClr>
-                </a:solidFill>
-                <a:latin typeface="Arial" panose="020B0604020202020204" pitchFamily="34" charset="0"/>
-                <a:cs typeface="Arial" panose="020B0604020202020204" pitchFamily="34" charset="0"/>
-              </a:rPr>
-              <a:t> </a:t>
-            </a:r>
-            <a:r>
-              <a:rPr lang="en-US" sz="1400" dirty="0" err="1" smtClean="0">
-                <a:solidFill>
-                  <a:schemeClr val="tx2">
-                    <a:lumMod val="75000"/>
-                  </a:schemeClr>
-                </a:solidFill>
-                <a:latin typeface="Arial" panose="020B0604020202020204" pitchFamily="34" charset="0"/>
-                <a:cs typeface="Arial" panose="020B0604020202020204" pitchFamily="34" charset="0"/>
-              </a:rPr>
-              <a:t>chuyển</a:t>
-            </a:r>
-            <a:r>
-              <a:rPr lang="en-US" sz="1400" dirty="0" smtClean="0">
-                <a:solidFill>
-                  <a:schemeClr val="tx2">
-                    <a:lumMod val="75000"/>
-                  </a:schemeClr>
-                </a:solidFill>
-                <a:latin typeface="Arial" panose="020B0604020202020204" pitchFamily="34" charset="0"/>
-                <a:cs typeface="Arial" panose="020B0604020202020204" pitchFamily="34" charset="0"/>
-              </a:rPr>
-              <a:t> </a:t>
-            </a:r>
-            <a:r>
-              <a:rPr lang="en-US" sz="1400" dirty="0" err="1" smtClean="0">
-                <a:solidFill>
-                  <a:schemeClr val="tx2">
-                    <a:lumMod val="75000"/>
-                  </a:schemeClr>
-                </a:solidFill>
-                <a:latin typeface="Arial" panose="020B0604020202020204" pitchFamily="34" charset="0"/>
-                <a:cs typeface="Arial" panose="020B0604020202020204" pitchFamily="34" charset="0"/>
-              </a:rPr>
-              <a:t>đổi</a:t>
-            </a:r>
-            <a:r>
-              <a:rPr lang="en-US" sz="1400" dirty="0" smtClean="0">
-                <a:solidFill>
-                  <a:schemeClr val="tx2">
-                    <a:lumMod val="75000"/>
-                  </a:schemeClr>
-                </a:solidFill>
-                <a:latin typeface="Arial" panose="020B0604020202020204" pitchFamily="34" charset="0"/>
-                <a:cs typeface="Arial" panose="020B0604020202020204" pitchFamily="34" charset="0"/>
-              </a:rPr>
-              <a:t> sang </a:t>
-            </a:r>
-            <a:r>
-              <a:rPr lang="en-US" sz="1400" dirty="0" err="1" smtClean="0">
-                <a:solidFill>
-                  <a:schemeClr val="tx2">
-                    <a:lumMod val="75000"/>
-                  </a:schemeClr>
-                </a:solidFill>
-                <a:latin typeface="Arial" panose="020B0604020202020204" pitchFamily="34" charset="0"/>
-                <a:cs typeface="Arial" panose="020B0604020202020204" pitchFamily="34" charset="0"/>
-              </a:rPr>
-              <a:t>trạng</a:t>
-            </a:r>
-            <a:r>
-              <a:rPr lang="en-US" sz="1400" dirty="0" smtClean="0">
-                <a:solidFill>
-                  <a:schemeClr val="tx2">
-                    <a:lumMod val="75000"/>
-                  </a:schemeClr>
-                </a:solidFill>
-                <a:latin typeface="Arial" panose="020B0604020202020204" pitchFamily="34" charset="0"/>
-                <a:cs typeface="Arial" panose="020B0604020202020204" pitchFamily="34" charset="0"/>
-              </a:rPr>
-              <a:t> </a:t>
-            </a:r>
-            <a:r>
-              <a:rPr lang="en-US" sz="1400" dirty="0" err="1" smtClean="0">
-                <a:solidFill>
-                  <a:schemeClr val="tx2">
-                    <a:lumMod val="75000"/>
-                  </a:schemeClr>
-                </a:solidFill>
-                <a:latin typeface="Arial" panose="020B0604020202020204" pitchFamily="34" charset="0"/>
-                <a:cs typeface="Arial" panose="020B0604020202020204" pitchFamily="34" charset="0"/>
-              </a:rPr>
-              <a:t>thái</a:t>
-            </a:r>
-            <a:r>
-              <a:rPr lang="en-US" sz="1400" dirty="0" smtClean="0">
-                <a:solidFill>
-                  <a:schemeClr val="tx2">
-                    <a:lumMod val="75000"/>
-                  </a:schemeClr>
-                </a:solidFill>
-                <a:latin typeface="Arial" panose="020B0604020202020204" pitchFamily="34" charset="0"/>
-                <a:cs typeface="Arial" panose="020B0604020202020204" pitchFamily="34" charset="0"/>
-              </a:rPr>
-              <a:t> potential risk </a:t>
-            </a:r>
-            <a:r>
-              <a:rPr lang="en-US" sz="1400" dirty="0" err="1" smtClean="0">
-                <a:solidFill>
-                  <a:schemeClr val="tx2">
-                    <a:lumMod val="75000"/>
-                  </a:schemeClr>
-                </a:solidFill>
-                <a:latin typeface="Arial" panose="020B0604020202020204" pitchFamily="34" charset="0"/>
-                <a:cs typeface="Arial" panose="020B0604020202020204" pitchFamily="34" charset="0"/>
-              </a:rPr>
-              <a:t>cao</a:t>
-            </a:r>
-            <a:r>
-              <a:rPr lang="en-US" sz="1400" dirty="0" smtClean="0">
-                <a:solidFill>
-                  <a:schemeClr val="tx2">
-                    <a:lumMod val="75000"/>
-                  </a:schemeClr>
-                </a:solidFill>
-                <a:latin typeface="Arial" panose="020B0604020202020204" pitchFamily="34" charset="0"/>
-                <a:cs typeface="Arial" panose="020B0604020202020204" pitchFamily="34" charset="0"/>
-              </a:rPr>
-              <a:t> </a:t>
-            </a:r>
-            <a:r>
-              <a:rPr lang="en-US" sz="1400" dirty="0" err="1" smtClean="0">
-                <a:solidFill>
-                  <a:schemeClr val="tx2">
-                    <a:lumMod val="75000"/>
-                  </a:schemeClr>
-                </a:solidFill>
-                <a:latin typeface="Arial" panose="020B0604020202020204" pitchFamily="34" charset="0"/>
                 <a:cs typeface="Arial" panose="020B0604020202020204" pitchFamily="34" charset="0"/>
               </a:rPr>
               <a:t>nhất</a:t>
@@ -20397,36 +20769,11 @@
                   <a:lumMod val="75000"/>
                 </a:schemeClr>
               </a:solidFill>
-              <a:latin typeface="Arial" panose="020B0604020202020204" pitchFamily="34" charset="0"/>
               <a:cs typeface="Arial" panose="020B0604020202020204" pitchFamily="34" charset="0"/>
             </a:endParaRPr>
           </a:p>
         </p:txBody>
       </p:sp>
-      <p:graphicFrame>
-        <p:nvGraphicFramePr>
-          <p:cNvPr id="6" name="Chart 5"/>
-          <p:cNvGraphicFramePr>
-            <a:graphicFrameLocks/>
-          </p:cNvGraphicFramePr>
-          <p:nvPr>
-            <p:extLst>
-              <p:ext uri="{D42A27DB-BD31-4B8C-83A1-F6EECF244321}">
-                <p14:modId xmlns:p14="http://schemas.microsoft.com/office/powerpoint/2010/main" val="1811872517"/>
-              </p:ext>
-            </p:extLst>
-          </p:nvPr>
-        </p:nvGraphicFramePr>
-        <p:xfrm>
-          <a:off x="6858000" y="2470052"/>
-          <a:ext cx="4713316" cy="3041286"/>
-        </p:xfrm>
-        <a:graphic>
-          <a:graphicData uri="http://schemas.openxmlformats.org/drawingml/2006/chart">
-            <c:chart xmlns:c="http://schemas.openxmlformats.org/drawingml/2006/chart" xmlns:r="http://schemas.openxmlformats.org/officeDocument/2006/relationships" r:id="rId3"/>
-          </a:graphicData>
-        </a:graphic>
-      </p:graphicFrame>
       <p:sp>
         <p:nvSpPr>
           <p:cNvPr id="10" name="Flowchart: Connector 9"/>
@@ -20435,7 +20782,7 @@
         </p:nvSpPr>
         <p:spPr>
           <a:xfrm>
-            <a:off x="9318566" y="1238595"/>
+            <a:off x="3096967" y="3196243"/>
             <a:ext cx="1088968" cy="989215"/>
           </a:xfrm>
           <a:prstGeom prst="flowChartConnector">
@@ -20475,16 +20822,127 @@
           </a:p>
         </p:txBody>
       </p:sp>
+      <p:grpSp>
+        <p:nvGrpSpPr>
+          <p:cNvPr id="2" name="Group 1">
+            <a:extLst>
+              <a:ext uri="{FF2B5EF4-FFF2-40B4-BE49-F238E27FC236}">
+                <a16:creationId xmlns:a16="http://schemas.microsoft.com/office/drawing/2014/main" id="{8E4D6277-8C90-5ACB-522D-FB147491E3BE}"/>
+              </a:ext>
+            </a:extLst>
+          </p:cNvPr>
+          <p:cNvGrpSpPr/>
+          <p:nvPr/>
+        </p:nvGrpSpPr>
+        <p:grpSpPr>
+          <a:xfrm>
+            <a:off x="737000" y="2497528"/>
+            <a:ext cx="4864643" cy="3674672"/>
+            <a:chOff x="554783" y="2470052"/>
+            <a:chExt cx="4713316" cy="3041286"/>
+          </a:xfrm>
+        </p:grpSpPr>
+        <p:graphicFrame>
+          <p:nvGraphicFramePr>
+            <p:cNvPr id="6" name="Chart 5"/>
+            <p:cNvGraphicFramePr>
+              <a:graphicFrameLocks/>
+            </p:cNvGraphicFramePr>
+            <p:nvPr>
+              <p:extLst>
+                <p:ext uri="{D42A27DB-BD31-4B8C-83A1-F6EECF244321}">
+                  <p14:modId xmlns:p14="http://schemas.microsoft.com/office/powerpoint/2010/main" val="3061567651"/>
+                </p:ext>
+              </p:extLst>
+            </p:nvPr>
+          </p:nvGraphicFramePr>
+          <p:xfrm>
+            <a:off x="554783" y="2470052"/>
+            <a:ext cx="4713316" cy="3041286"/>
+          </p:xfrm>
+          <a:graphic>
+            <a:graphicData uri="http://schemas.openxmlformats.org/drawingml/2006/chart">
+              <c:chart xmlns:c="http://schemas.openxmlformats.org/drawingml/2006/chart" xmlns:r="http://schemas.openxmlformats.org/officeDocument/2006/relationships" r:id="rId3"/>
+            </a:graphicData>
+          </a:graphic>
+        </p:graphicFrame>
+        <p:sp>
+          <p:nvSpPr>
+            <p:cNvPr id="11" name="TextBox 10"/>
+            <p:cNvSpPr txBox="1"/>
+            <p:nvPr/>
+          </p:nvSpPr>
+          <p:spPr>
+            <a:xfrm>
+              <a:off x="3222795" y="3817398"/>
+              <a:ext cx="712986" cy="338554"/>
+            </a:xfrm>
+            <a:prstGeom prst="rect">
+              <a:avLst/>
+            </a:prstGeom>
+            <a:noFill/>
+          </p:spPr>
+          <p:txBody>
+            <a:bodyPr wrap="square" rtlCol="0">
+              <a:spAutoFit/>
+            </a:bodyPr>
+            <a:lstStyle/>
+            <a:p>
+              <a:r>
+                <a:rPr lang="en-US" sz="1600" b="1" dirty="0">
+                  <a:solidFill>
+                    <a:schemeClr val="bg1"/>
+                  </a:solidFill>
+                </a:rPr>
+                <a:t>59%</a:t>
+              </a:r>
+            </a:p>
+          </p:txBody>
+        </p:sp>
+        <p:sp>
+          <p:nvSpPr>
+            <p:cNvPr id="13" name="TextBox 12"/>
+            <p:cNvSpPr txBox="1"/>
+            <p:nvPr/>
+          </p:nvSpPr>
+          <p:spPr>
+            <a:xfrm>
+              <a:off x="2005288" y="3817399"/>
+              <a:ext cx="598104" cy="338554"/>
+            </a:xfrm>
+            <a:prstGeom prst="rect">
+              <a:avLst/>
+            </a:prstGeom>
+            <a:noFill/>
+          </p:spPr>
+          <p:txBody>
+            <a:bodyPr wrap="square" rtlCol="0">
+              <a:spAutoFit/>
+            </a:bodyPr>
+            <a:lstStyle/>
+            <a:p>
+              <a:r>
+                <a:rPr lang="en-US" sz="1600" b="1" dirty="0">
+                  <a:solidFill>
+                    <a:schemeClr val="bg1"/>
+                  </a:solidFill>
+                </a:rPr>
+                <a:t>29%</a:t>
+              </a:r>
+            </a:p>
+          </p:txBody>
+        </p:sp>
+      </p:grpSp>
       <p:sp>
         <p:nvSpPr>
-          <p:cNvPr id="11" name="TextBox 10"/>
+          <p:cNvPr id="14" name="TextBox 13"/>
           <p:cNvSpPr txBox="1"/>
           <p:nvPr/>
         </p:nvSpPr>
         <p:spPr>
           <a:xfrm>
-            <a:off x="9480890" y="3790602"/>
-            <a:ext cx="712986" cy="338554"/>
+            <a:off x="736999" y="1227059"/>
+            <a:ext cx="4864644" cy="738664"/>
           </a:xfrm>
           <a:prstGeom prst="rect">
             <a:avLst/>
@@ -20498,541 +20956,520 @@
           <a:lstStyle/>
           <a:p>
             <a:r>
-              <a:rPr lang="en-US" sz="1600" b="1" dirty="0" smtClean="0">
-                <a:solidFill>
-                  <a:schemeClr val="bg1"/>
-                </a:solidFill>
-              </a:rPr>
-              <a:t>59%</a:t>
-            </a:r>
-            <a:endParaRPr lang="en-US" sz="1600" b="1" dirty="0">
-              <a:solidFill>
-                <a:schemeClr val="bg1"/>
-              </a:solidFill>
-            </a:endParaRPr>
+              <a:rPr lang="en-US" sz="1400" dirty="0">
+                <a:solidFill>
+                  <a:schemeClr val="tx2">
+                    <a:lumMod val="75000"/>
+                  </a:schemeClr>
+                </a:solidFill>
+              </a:rPr>
+              <a:t>Khách </a:t>
+            </a:r>
+            <a:r>
+              <a:rPr lang="en-US" sz="1400" dirty="0" err="1">
+                <a:solidFill>
+                  <a:schemeClr val="tx2">
+                    <a:lumMod val="75000"/>
+                  </a:schemeClr>
+                </a:solidFill>
+              </a:rPr>
+              <a:t>hàng</a:t>
+            </a:r>
+            <a:r>
+              <a:rPr lang="en-US" sz="1400" dirty="0">
+                <a:solidFill>
+                  <a:schemeClr val="tx2">
+                    <a:lumMod val="75000"/>
+                  </a:schemeClr>
+                </a:solidFill>
+              </a:rPr>
+              <a:t> AF </a:t>
+            </a:r>
+            <a:r>
+              <a:rPr lang="en-US" sz="1400" dirty="0" err="1">
+                <a:solidFill>
+                  <a:schemeClr val="tx2">
+                    <a:lumMod val="75000"/>
+                  </a:schemeClr>
+                </a:solidFill>
+              </a:rPr>
+              <a:t>sở</a:t>
+            </a:r>
+            <a:r>
+              <a:rPr lang="en-US" sz="1400" dirty="0">
+                <a:solidFill>
+                  <a:schemeClr val="tx2">
+                    <a:lumMod val="75000"/>
+                  </a:schemeClr>
+                </a:solidFill>
+              </a:rPr>
+              <a:t> </a:t>
+            </a:r>
+            <a:r>
+              <a:rPr lang="en-US" sz="1400" dirty="0" err="1">
+                <a:solidFill>
+                  <a:schemeClr val="tx2">
+                    <a:lumMod val="75000"/>
+                  </a:schemeClr>
+                </a:solidFill>
+              </a:rPr>
+              <a:t>hữu</a:t>
+            </a:r>
+            <a:r>
+              <a:rPr lang="en-US" sz="1400" dirty="0">
+                <a:solidFill>
+                  <a:schemeClr val="tx2">
+                    <a:lumMod val="75000"/>
+                  </a:schemeClr>
+                </a:solidFill>
+              </a:rPr>
+              <a:t> </a:t>
+            </a:r>
+            <a:r>
+              <a:rPr lang="en-US" sz="1400" dirty="0" err="1">
+                <a:solidFill>
+                  <a:schemeClr val="tx2">
+                    <a:lumMod val="75000"/>
+                  </a:schemeClr>
+                </a:solidFill>
+              </a:rPr>
+              <a:t>thẻ</a:t>
+            </a:r>
+            <a:r>
+              <a:rPr lang="en-US" sz="1400" dirty="0">
+                <a:solidFill>
+                  <a:schemeClr val="tx2">
+                    <a:lumMod val="75000"/>
+                  </a:schemeClr>
+                </a:solidFill>
+              </a:rPr>
+              <a:t> </a:t>
+            </a:r>
+            <a:r>
+              <a:rPr lang="en-US" sz="1400" dirty="0" err="1">
+                <a:solidFill>
+                  <a:schemeClr val="tx2">
+                    <a:lumMod val="75000"/>
+                  </a:schemeClr>
+                </a:solidFill>
+              </a:rPr>
+              <a:t>chuyển</a:t>
+            </a:r>
+            <a:r>
+              <a:rPr lang="en-US" sz="1400" dirty="0">
+                <a:solidFill>
+                  <a:schemeClr val="tx2">
+                    <a:lumMod val="75000"/>
+                  </a:schemeClr>
+                </a:solidFill>
+              </a:rPr>
+              <a:t> </a:t>
+            </a:r>
+            <a:r>
+              <a:rPr lang="en-US" sz="1400" dirty="0" err="1">
+                <a:solidFill>
+                  <a:schemeClr val="tx2">
+                    <a:lumMod val="75000"/>
+                  </a:schemeClr>
+                </a:solidFill>
+              </a:rPr>
+              <a:t>đổi</a:t>
+            </a:r>
+            <a:r>
+              <a:rPr lang="en-US" sz="1400" dirty="0">
+                <a:solidFill>
+                  <a:schemeClr val="tx2">
+                    <a:lumMod val="75000"/>
+                  </a:schemeClr>
+                </a:solidFill>
+              </a:rPr>
+              <a:t> </a:t>
+            </a:r>
+            <a:r>
+              <a:rPr lang="en-US" sz="1400" dirty="0" err="1">
+                <a:solidFill>
+                  <a:schemeClr val="tx2">
+                    <a:lumMod val="75000"/>
+                  </a:schemeClr>
+                </a:solidFill>
+              </a:rPr>
+              <a:t>trạng</a:t>
+            </a:r>
+            <a:r>
+              <a:rPr lang="en-US" sz="1400" dirty="0">
+                <a:solidFill>
+                  <a:schemeClr val="tx2">
+                    <a:lumMod val="75000"/>
+                  </a:schemeClr>
+                </a:solidFill>
+              </a:rPr>
+              <a:t> </a:t>
+            </a:r>
+            <a:r>
+              <a:rPr lang="en-US" sz="1400" dirty="0" err="1">
+                <a:solidFill>
+                  <a:schemeClr val="tx2">
+                    <a:lumMod val="75000"/>
+                  </a:schemeClr>
+                </a:solidFill>
+              </a:rPr>
+              <a:t>thái</a:t>
+            </a:r>
+            <a:r>
+              <a:rPr lang="en-US" sz="1400" dirty="0">
+                <a:solidFill>
+                  <a:schemeClr val="tx2">
+                    <a:lumMod val="75000"/>
+                  </a:schemeClr>
+                </a:solidFill>
+              </a:rPr>
+              <a:t> </a:t>
+            </a:r>
+            <a:r>
+              <a:rPr lang="en-US" sz="1400" dirty="0" err="1">
+                <a:solidFill>
+                  <a:schemeClr val="tx2">
+                    <a:lumMod val="75000"/>
+                  </a:schemeClr>
+                </a:solidFill>
+              </a:rPr>
+              <a:t>chiếm</a:t>
+            </a:r>
+            <a:r>
+              <a:rPr lang="en-US" sz="1400" dirty="0">
+                <a:solidFill>
+                  <a:schemeClr val="tx2">
+                    <a:lumMod val="75000"/>
+                  </a:schemeClr>
+                </a:solidFill>
+              </a:rPr>
+              <a:t> 29%, </a:t>
+            </a:r>
+            <a:r>
+              <a:rPr lang="en-US" sz="1400" dirty="0" err="1">
+                <a:solidFill>
+                  <a:schemeClr val="tx2">
+                    <a:lumMod val="75000"/>
+                  </a:schemeClr>
+                </a:solidFill>
+              </a:rPr>
+              <a:t>trong</a:t>
+            </a:r>
+            <a:r>
+              <a:rPr lang="en-US" sz="1400" dirty="0">
+                <a:solidFill>
+                  <a:schemeClr val="tx2">
+                    <a:lumMod val="75000"/>
+                  </a:schemeClr>
+                </a:solidFill>
+              </a:rPr>
+              <a:t> </a:t>
+            </a:r>
+            <a:r>
+              <a:rPr lang="en-US" sz="1400" dirty="0" err="1">
+                <a:solidFill>
+                  <a:schemeClr val="tx2">
+                    <a:lumMod val="75000"/>
+                  </a:schemeClr>
+                </a:solidFill>
+              </a:rPr>
+              <a:t>khi</a:t>
+            </a:r>
+            <a:r>
+              <a:rPr lang="en-US" sz="1400" dirty="0">
+                <a:solidFill>
+                  <a:schemeClr val="tx2">
+                    <a:lumMod val="75000"/>
+                  </a:schemeClr>
+                </a:solidFill>
+              </a:rPr>
+              <a:t> </a:t>
+            </a:r>
+            <a:r>
+              <a:rPr lang="en-US" sz="1400" dirty="0" err="1">
+                <a:solidFill>
+                  <a:schemeClr val="tx2">
+                    <a:lumMod val="75000"/>
+                  </a:schemeClr>
+                </a:solidFill>
+              </a:rPr>
+              <a:t>xét</a:t>
+            </a:r>
+            <a:r>
+              <a:rPr lang="en-US" sz="1400" dirty="0">
+                <a:solidFill>
+                  <a:schemeClr val="tx2">
+                    <a:lumMod val="75000"/>
+                  </a:schemeClr>
+                </a:solidFill>
+              </a:rPr>
+              <a:t> </a:t>
+            </a:r>
+            <a:r>
+              <a:rPr lang="en-US" sz="1400" dirty="0" err="1">
+                <a:solidFill>
+                  <a:schemeClr val="tx2">
+                    <a:lumMod val="75000"/>
+                  </a:schemeClr>
+                </a:solidFill>
+              </a:rPr>
+              <a:t>trên</a:t>
+            </a:r>
+            <a:r>
+              <a:rPr lang="en-US" sz="1400" dirty="0">
+                <a:solidFill>
+                  <a:schemeClr val="tx2">
+                    <a:lumMod val="75000"/>
+                  </a:schemeClr>
+                </a:solidFill>
+              </a:rPr>
+              <a:t> </a:t>
+            </a:r>
+            <a:r>
+              <a:rPr lang="en-US" sz="1400" dirty="0" err="1">
+                <a:solidFill>
+                  <a:schemeClr val="tx2">
+                    <a:lumMod val="75000"/>
+                  </a:schemeClr>
+                </a:solidFill>
+              </a:rPr>
+              <a:t>toàn</a:t>
+            </a:r>
+            <a:r>
+              <a:rPr lang="en-US" sz="1400" dirty="0">
+                <a:solidFill>
+                  <a:schemeClr val="tx2">
+                    <a:lumMod val="75000"/>
+                  </a:schemeClr>
+                </a:solidFill>
+              </a:rPr>
+              <a:t> </a:t>
+            </a:r>
+            <a:r>
+              <a:rPr lang="en-US" sz="1400" dirty="0" err="1">
+                <a:solidFill>
+                  <a:schemeClr val="tx2">
+                    <a:lumMod val="75000"/>
+                  </a:schemeClr>
+                </a:solidFill>
+              </a:rPr>
+              <a:t>tập</a:t>
+            </a:r>
+            <a:r>
+              <a:rPr lang="en-US" sz="1400" dirty="0">
+                <a:solidFill>
+                  <a:schemeClr val="tx2">
+                    <a:lumMod val="75000"/>
+                  </a:schemeClr>
+                </a:solidFill>
+              </a:rPr>
+              <a:t> </a:t>
+            </a:r>
+            <a:r>
+              <a:rPr lang="en-US" sz="1400" dirty="0" err="1">
+                <a:solidFill>
+                  <a:schemeClr val="tx2">
+                    <a:lumMod val="75000"/>
+                  </a:schemeClr>
+                </a:solidFill>
+              </a:rPr>
+              <a:t>khách</a:t>
+            </a:r>
+            <a:r>
+              <a:rPr lang="en-US" sz="1400" dirty="0">
+                <a:solidFill>
+                  <a:schemeClr val="tx2">
+                    <a:lumMod val="75000"/>
+                  </a:schemeClr>
+                </a:solidFill>
+              </a:rPr>
+              <a:t> </a:t>
+            </a:r>
+            <a:r>
+              <a:rPr lang="en-US" sz="1400" dirty="0" err="1">
+                <a:solidFill>
+                  <a:schemeClr val="tx2">
+                    <a:lumMod val="75000"/>
+                  </a:schemeClr>
+                </a:solidFill>
+              </a:rPr>
+              <a:t>hàng</a:t>
+            </a:r>
+            <a:r>
+              <a:rPr lang="en-US" sz="1400" dirty="0">
+                <a:solidFill>
+                  <a:schemeClr val="tx2">
+                    <a:lumMod val="75000"/>
+                  </a:schemeClr>
+                </a:solidFill>
+              </a:rPr>
+              <a:t> </a:t>
+            </a:r>
+            <a:r>
+              <a:rPr lang="en-US" sz="1400" dirty="0" err="1">
+                <a:solidFill>
+                  <a:schemeClr val="tx2">
+                    <a:lumMod val="75000"/>
+                  </a:schemeClr>
+                </a:solidFill>
+              </a:rPr>
+              <a:t>tại</a:t>
+            </a:r>
+            <a:r>
+              <a:rPr lang="en-US" sz="1400" dirty="0">
+                <a:solidFill>
+                  <a:schemeClr val="tx2">
+                    <a:lumMod val="75000"/>
+                  </a:schemeClr>
+                </a:solidFill>
+              </a:rPr>
+              <a:t> VPBank </a:t>
+            </a:r>
+            <a:r>
+              <a:rPr lang="en-US" sz="1400" dirty="0" err="1">
+                <a:solidFill>
+                  <a:schemeClr val="tx2">
+                    <a:lumMod val="75000"/>
+                  </a:schemeClr>
+                </a:solidFill>
+              </a:rPr>
+              <a:t>phân</a:t>
+            </a:r>
+            <a:r>
+              <a:rPr lang="en-US" sz="1400" dirty="0">
+                <a:solidFill>
+                  <a:schemeClr val="tx2">
+                    <a:lumMod val="75000"/>
+                  </a:schemeClr>
+                </a:solidFill>
+              </a:rPr>
+              <a:t> </a:t>
+            </a:r>
+            <a:r>
+              <a:rPr lang="en-US" sz="1400" dirty="0" err="1">
+                <a:solidFill>
+                  <a:schemeClr val="tx2">
+                    <a:lumMod val="75000"/>
+                  </a:schemeClr>
+                </a:solidFill>
+              </a:rPr>
+              <a:t>khúc</a:t>
+            </a:r>
+            <a:r>
+              <a:rPr lang="en-US" sz="1400" dirty="0">
+                <a:solidFill>
+                  <a:schemeClr val="tx2">
+                    <a:lumMod val="75000"/>
+                  </a:schemeClr>
+                </a:solidFill>
+              </a:rPr>
+              <a:t> </a:t>
+            </a:r>
+            <a:r>
+              <a:rPr lang="en-US" sz="1400" dirty="0" err="1">
+                <a:solidFill>
+                  <a:schemeClr val="tx2">
+                    <a:lumMod val="75000"/>
+                  </a:schemeClr>
+                </a:solidFill>
+              </a:rPr>
+              <a:t>này</a:t>
+            </a:r>
+            <a:r>
+              <a:rPr lang="en-US" sz="1400" dirty="0">
+                <a:solidFill>
+                  <a:schemeClr val="tx2">
+                    <a:lumMod val="75000"/>
+                  </a:schemeClr>
+                </a:solidFill>
+              </a:rPr>
+              <a:t> </a:t>
+            </a:r>
+            <a:r>
+              <a:rPr lang="en-US" sz="1400" dirty="0" err="1">
+                <a:solidFill>
+                  <a:schemeClr val="tx2">
+                    <a:lumMod val="75000"/>
+                  </a:schemeClr>
+                </a:solidFill>
+              </a:rPr>
+              <a:t>chỉ</a:t>
+            </a:r>
+            <a:r>
+              <a:rPr lang="en-US" sz="1400" dirty="0">
+                <a:solidFill>
+                  <a:schemeClr val="tx2">
+                    <a:lumMod val="75000"/>
+                  </a:schemeClr>
+                </a:solidFill>
+              </a:rPr>
+              <a:t> </a:t>
+            </a:r>
+            <a:r>
+              <a:rPr lang="en-US" sz="1400" dirty="0" err="1">
+                <a:solidFill>
+                  <a:schemeClr val="tx2">
+                    <a:lumMod val="75000"/>
+                  </a:schemeClr>
+                </a:solidFill>
+              </a:rPr>
+              <a:t>chiếm</a:t>
+            </a:r>
+            <a:r>
+              <a:rPr lang="en-US" sz="1400" dirty="0">
+                <a:solidFill>
+                  <a:schemeClr val="tx2">
+                    <a:lumMod val="75000"/>
+                  </a:schemeClr>
+                </a:solidFill>
+              </a:rPr>
+              <a:t> 5%</a:t>
+            </a:r>
           </a:p>
         </p:txBody>
       </p:sp>
-      <p:sp>
-        <p:nvSpPr>
-          <p:cNvPr id="13" name="TextBox 12"/>
-          <p:cNvSpPr txBox="1"/>
+      <p:cxnSp>
+        <p:nvCxnSpPr>
+          <p:cNvPr id="7" name="Straight Connector 6">
+            <a:extLst>
+              <a:ext uri="{FF2B5EF4-FFF2-40B4-BE49-F238E27FC236}">
+                <a16:creationId xmlns:a16="http://schemas.microsoft.com/office/drawing/2014/main" id="{9256F5C8-EBF3-DE3A-8B66-AC8D90C14AD0}"/>
+              </a:ext>
+            </a:extLst>
+          </p:cNvPr>
+          <p:cNvCxnSpPr/>
           <p:nvPr/>
-        </p:nvSpPr>
+        </p:nvCxnSpPr>
         <p:spPr>
           <a:xfrm>
-            <a:off x="8163456" y="3693620"/>
-            <a:ext cx="598104" cy="338554"/>
+            <a:off x="5995186" y="1256235"/>
+            <a:ext cx="18107" cy="5084491"/>
           </a:xfrm>
-          <a:prstGeom prst="rect">
+          <a:prstGeom prst="line">
             <a:avLst/>
           </a:prstGeom>
-          <a:noFill/>
+          <a:ln w="3175">
+            <a:solidFill>
+              <a:srgbClr val="196847"/>
+            </a:solidFill>
+            <a:prstDash val="dash"/>
+          </a:ln>
         </p:spPr>
-        <p:txBody>
-          <a:bodyPr wrap="square" rtlCol="0">
-            <a:spAutoFit/>
-          </a:bodyPr>
-          <a:lstStyle/>
-          <a:p>
-            <a:r>
-              <a:rPr lang="en-US" sz="1600" b="1" dirty="0" smtClean="0">
-                <a:solidFill>
-                  <a:schemeClr val="bg1"/>
-                </a:solidFill>
-              </a:rPr>
-              <a:t>29%</a:t>
-            </a:r>
-            <a:endParaRPr lang="en-US" sz="1600" b="1" dirty="0">
-              <a:solidFill>
-                <a:schemeClr val="bg1"/>
-              </a:solidFill>
-            </a:endParaRPr>
-          </a:p>
-        </p:txBody>
-      </p:sp>
-      <p:sp>
-        <p:nvSpPr>
-          <p:cNvPr id="14" name="TextBox 13"/>
-          <p:cNvSpPr txBox="1"/>
-          <p:nvPr/>
-        </p:nvSpPr>
-        <p:spPr>
-          <a:xfrm>
-            <a:off x="6733310" y="1396024"/>
-            <a:ext cx="5220392" cy="738664"/>
-          </a:xfrm>
-          <a:prstGeom prst="rect">
-            <a:avLst/>
-          </a:prstGeom>
-          <a:noFill/>
-        </p:spPr>
-        <p:txBody>
-          <a:bodyPr wrap="square" rtlCol="0">
-            <a:spAutoFit/>
-          </a:bodyPr>
-          <a:lstStyle/>
-          <a:p>
-            <a:r>
-              <a:rPr lang="en-US" sz="1400" dirty="0" smtClean="0">
-                <a:solidFill>
-                  <a:schemeClr val="tx2">
-                    <a:lumMod val="75000"/>
-                  </a:schemeClr>
-                </a:solidFill>
-              </a:rPr>
-              <a:t>Khách </a:t>
-            </a:r>
-            <a:r>
-              <a:rPr lang="en-US" sz="1400" dirty="0" err="1" smtClean="0">
-                <a:solidFill>
-                  <a:schemeClr val="tx2">
-                    <a:lumMod val="75000"/>
-                  </a:schemeClr>
-                </a:solidFill>
-              </a:rPr>
-              <a:t>hàng</a:t>
-            </a:r>
-            <a:r>
-              <a:rPr lang="en-US" sz="1400" dirty="0" smtClean="0">
-                <a:solidFill>
-                  <a:schemeClr val="tx2">
-                    <a:lumMod val="75000"/>
-                  </a:schemeClr>
-                </a:solidFill>
-              </a:rPr>
-              <a:t> AF </a:t>
-            </a:r>
-            <a:r>
-              <a:rPr lang="en-US" sz="1400" dirty="0" err="1" smtClean="0">
-                <a:solidFill>
-                  <a:schemeClr val="tx2">
-                    <a:lumMod val="75000"/>
-                  </a:schemeClr>
-                </a:solidFill>
-              </a:rPr>
-              <a:t>sở</a:t>
-            </a:r>
-            <a:r>
-              <a:rPr lang="en-US" sz="1400" dirty="0" smtClean="0">
-                <a:solidFill>
-                  <a:schemeClr val="tx2">
-                    <a:lumMod val="75000"/>
-                  </a:schemeClr>
-                </a:solidFill>
-              </a:rPr>
-              <a:t> </a:t>
-            </a:r>
-            <a:r>
-              <a:rPr lang="en-US" sz="1400" dirty="0" err="1" smtClean="0">
-                <a:solidFill>
-                  <a:schemeClr val="tx2">
-                    <a:lumMod val="75000"/>
-                  </a:schemeClr>
-                </a:solidFill>
-              </a:rPr>
-              <a:t>hữu</a:t>
-            </a:r>
-            <a:r>
-              <a:rPr lang="en-US" sz="1400" dirty="0" smtClean="0">
-                <a:solidFill>
-                  <a:schemeClr val="tx2">
-                    <a:lumMod val="75000"/>
-                  </a:schemeClr>
-                </a:solidFill>
-              </a:rPr>
-              <a:t> </a:t>
-            </a:r>
-            <a:r>
-              <a:rPr lang="en-US" sz="1400" dirty="0" err="1" smtClean="0">
-                <a:solidFill>
-                  <a:schemeClr val="tx2">
-                    <a:lumMod val="75000"/>
-                  </a:schemeClr>
-                </a:solidFill>
-              </a:rPr>
-              <a:t>thẻ</a:t>
-            </a:r>
-            <a:r>
-              <a:rPr lang="en-US" sz="1400" dirty="0" smtClean="0">
-                <a:solidFill>
-                  <a:schemeClr val="tx2">
-                    <a:lumMod val="75000"/>
-                  </a:schemeClr>
-                </a:solidFill>
-              </a:rPr>
-              <a:t> </a:t>
-            </a:r>
-            <a:r>
-              <a:rPr lang="en-US" sz="1400" dirty="0" err="1" smtClean="0">
-                <a:solidFill>
-                  <a:schemeClr val="tx2">
-                    <a:lumMod val="75000"/>
-                  </a:schemeClr>
-                </a:solidFill>
-              </a:rPr>
-              <a:t>chuyển</a:t>
-            </a:r>
-            <a:r>
-              <a:rPr lang="en-US" sz="1400" dirty="0" smtClean="0">
-                <a:solidFill>
-                  <a:schemeClr val="tx2">
-                    <a:lumMod val="75000"/>
-                  </a:schemeClr>
-                </a:solidFill>
-              </a:rPr>
-              <a:t> </a:t>
-            </a:r>
-            <a:r>
-              <a:rPr lang="en-US" sz="1400" dirty="0" err="1" smtClean="0">
-                <a:solidFill>
-                  <a:schemeClr val="tx2">
-                    <a:lumMod val="75000"/>
-                  </a:schemeClr>
-                </a:solidFill>
-              </a:rPr>
-              <a:t>đổi</a:t>
-            </a:r>
-            <a:r>
-              <a:rPr lang="en-US" sz="1400" dirty="0" smtClean="0">
-                <a:solidFill>
-                  <a:schemeClr val="tx2">
-                    <a:lumMod val="75000"/>
-                  </a:schemeClr>
-                </a:solidFill>
-              </a:rPr>
-              <a:t> </a:t>
-            </a:r>
-            <a:r>
-              <a:rPr lang="en-US" sz="1400" dirty="0" err="1" smtClean="0">
-                <a:solidFill>
-                  <a:schemeClr val="tx2">
-                    <a:lumMod val="75000"/>
-                  </a:schemeClr>
-                </a:solidFill>
-              </a:rPr>
-              <a:t>trạng</a:t>
-            </a:r>
-            <a:r>
-              <a:rPr lang="en-US" sz="1400" dirty="0" smtClean="0">
-                <a:solidFill>
-                  <a:schemeClr val="tx2">
-                    <a:lumMod val="75000"/>
-                  </a:schemeClr>
-                </a:solidFill>
-              </a:rPr>
-              <a:t> </a:t>
-            </a:r>
-            <a:r>
-              <a:rPr lang="en-US" sz="1400" dirty="0" err="1" smtClean="0">
-                <a:solidFill>
-                  <a:schemeClr val="tx2">
-                    <a:lumMod val="75000"/>
-                  </a:schemeClr>
-                </a:solidFill>
-              </a:rPr>
-              <a:t>thái</a:t>
-            </a:r>
-            <a:r>
-              <a:rPr lang="en-US" sz="1400" dirty="0" smtClean="0">
-                <a:solidFill>
-                  <a:schemeClr val="tx2">
-                    <a:lumMod val="75000"/>
-                  </a:schemeClr>
-                </a:solidFill>
-              </a:rPr>
-              <a:t> </a:t>
-            </a:r>
-            <a:r>
-              <a:rPr lang="en-US" sz="1400" dirty="0" err="1" smtClean="0">
-                <a:solidFill>
-                  <a:schemeClr val="tx2">
-                    <a:lumMod val="75000"/>
-                  </a:schemeClr>
-                </a:solidFill>
-              </a:rPr>
-              <a:t>chiếm</a:t>
-            </a:r>
-            <a:r>
-              <a:rPr lang="en-US" sz="1400" dirty="0" smtClean="0">
-                <a:solidFill>
-                  <a:schemeClr val="tx2">
-                    <a:lumMod val="75000"/>
-                  </a:schemeClr>
-                </a:solidFill>
-              </a:rPr>
-              <a:t> 29%, </a:t>
-            </a:r>
-            <a:r>
-              <a:rPr lang="en-US" sz="1400" dirty="0" err="1" smtClean="0">
-                <a:solidFill>
-                  <a:schemeClr val="tx2">
-                    <a:lumMod val="75000"/>
-                  </a:schemeClr>
-                </a:solidFill>
-              </a:rPr>
-              <a:t>trong</a:t>
-            </a:r>
-            <a:r>
-              <a:rPr lang="en-US" sz="1400" dirty="0" smtClean="0">
-                <a:solidFill>
-                  <a:schemeClr val="tx2">
-                    <a:lumMod val="75000"/>
-                  </a:schemeClr>
-                </a:solidFill>
-              </a:rPr>
-              <a:t> </a:t>
-            </a:r>
-            <a:r>
-              <a:rPr lang="en-US" sz="1400" dirty="0" err="1" smtClean="0">
-                <a:solidFill>
-                  <a:schemeClr val="tx2">
-                    <a:lumMod val="75000"/>
-                  </a:schemeClr>
-                </a:solidFill>
-              </a:rPr>
-              <a:t>khi</a:t>
-            </a:r>
-            <a:r>
-              <a:rPr lang="en-US" sz="1400" dirty="0" smtClean="0">
-                <a:solidFill>
-                  <a:schemeClr val="tx2">
-                    <a:lumMod val="75000"/>
-                  </a:schemeClr>
-                </a:solidFill>
-              </a:rPr>
-              <a:t> </a:t>
-            </a:r>
-            <a:r>
-              <a:rPr lang="en-US" sz="1400" dirty="0" err="1" smtClean="0">
-                <a:solidFill>
-                  <a:schemeClr val="tx2">
-                    <a:lumMod val="75000"/>
-                  </a:schemeClr>
-                </a:solidFill>
-              </a:rPr>
-              <a:t>xét</a:t>
-            </a:r>
-            <a:r>
-              <a:rPr lang="en-US" sz="1400" dirty="0" smtClean="0">
-                <a:solidFill>
-                  <a:schemeClr val="tx2">
-                    <a:lumMod val="75000"/>
-                  </a:schemeClr>
-                </a:solidFill>
-              </a:rPr>
-              <a:t> </a:t>
-            </a:r>
-            <a:r>
-              <a:rPr lang="en-US" sz="1400" dirty="0" err="1" smtClean="0">
-                <a:solidFill>
-                  <a:schemeClr val="tx2">
-                    <a:lumMod val="75000"/>
-                  </a:schemeClr>
-                </a:solidFill>
-              </a:rPr>
-              <a:t>trên</a:t>
-            </a:r>
-            <a:r>
-              <a:rPr lang="en-US" sz="1400" dirty="0" smtClean="0">
-                <a:solidFill>
-                  <a:schemeClr val="tx2">
-                    <a:lumMod val="75000"/>
-                  </a:schemeClr>
-                </a:solidFill>
-              </a:rPr>
-              <a:t> </a:t>
-            </a:r>
-            <a:r>
-              <a:rPr lang="en-US" sz="1400" dirty="0" err="1" smtClean="0">
-                <a:solidFill>
-                  <a:schemeClr val="tx2">
-                    <a:lumMod val="75000"/>
-                  </a:schemeClr>
-                </a:solidFill>
-              </a:rPr>
-              <a:t>toàn</a:t>
-            </a:r>
-            <a:r>
-              <a:rPr lang="en-US" sz="1400" dirty="0">
-                <a:solidFill>
-                  <a:schemeClr val="tx2">
-                    <a:lumMod val="75000"/>
-                  </a:schemeClr>
-                </a:solidFill>
-              </a:rPr>
-              <a:t> </a:t>
-            </a:r>
-            <a:r>
-              <a:rPr lang="en-US" sz="1400" dirty="0" err="1" smtClean="0">
-                <a:solidFill>
-                  <a:schemeClr val="tx2">
-                    <a:lumMod val="75000"/>
-                  </a:schemeClr>
-                </a:solidFill>
-              </a:rPr>
-              <a:t>tập</a:t>
-            </a:r>
-            <a:r>
-              <a:rPr lang="en-US" sz="1400" dirty="0" smtClean="0">
-                <a:solidFill>
-                  <a:schemeClr val="tx2">
-                    <a:lumMod val="75000"/>
-                  </a:schemeClr>
-                </a:solidFill>
-              </a:rPr>
-              <a:t> Khách </a:t>
-            </a:r>
-            <a:r>
-              <a:rPr lang="en-US" sz="1400" dirty="0" err="1" smtClean="0">
-                <a:solidFill>
-                  <a:schemeClr val="tx2">
-                    <a:lumMod val="75000"/>
-                  </a:schemeClr>
-                </a:solidFill>
-              </a:rPr>
-              <a:t>hàng</a:t>
-            </a:r>
-            <a:r>
-              <a:rPr lang="en-US" sz="1400" dirty="0" smtClean="0">
-                <a:solidFill>
-                  <a:schemeClr val="tx2">
-                    <a:lumMod val="75000"/>
-                  </a:schemeClr>
-                </a:solidFill>
-              </a:rPr>
-              <a:t> </a:t>
-            </a:r>
-            <a:r>
-              <a:rPr lang="en-US" sz="1400" dirty="0" err="1" smtClean="0">
-                <a:solidFill>
-                  <a:schemeClr val="tx2">
-                    <a:lumMod val="75000"/>
-                  </a:schemeClr>
-                </a:solidFill>
-              </a:rPr>
-              <a:t>tại</a:t>
-            </a:r>
-            <a:r>
-              <a:rPr lang="en-US" sz="1400" dirty="0" smtClean="0">
-                <a:solidFill>
-                  <a:schemeClr val="tx2">
-                    <a:lumMod val="75000"/>
-                  </a:schemeClr>
-                </a:solidFill>
-              </a:rPr>
-              <a:t> VPBank </a:t>
-            </a:r>
-            <a:r>
-              <a:rPr lang="en-US" sz="1400" dirty="0" err="1" smtClean="0">
-                <a:solidFill>
-                  <a:schemeClr val="tx2">
-                    <a:lumMod val="75000"/>
-                  </a:schemeClr>
-                </a:solidFill>
-              </a:rPr>
-              <a:t>phân</a:t>
-            </a:r>
-            <a:r>
-              <a:rPr lang="en-US" sz="1400" dirty="0" smtClean="0">
-                <a:solidFill>
-                  <a:schemeClr val="tx2">
-                    <a:lumMod val="75000"/>
-                  </a:schemeClr>
-                </a:solidFill>
-              </a:rPr>
-              <a:t> </a:t>
-            </a:r>
-            <a:r>
-              <a:rPr lang="en-US" sz="1400" dirty="0" err="1" smtClean="0">
-                <a:solidFill>
-                  <a:schemeClr val="tx2">
-                    <a:lumMod val="75000"/>
-                  </a:schemeClr>
-                </a:solidFill>
-              </a:rPr>
-              <a:t>khúc</a:t>
-            </a:r>
-            <a:r>
-              <a:rPr lang="en-US" sz="1400" dirty="0" smtClean="0">
-                <a:solidFill>
-                  <a:schemeClr val="tx2">
-                    <a:lumMod val="75000"/>
-                  </a:schemeClr>
-                </a:solidFill>
-              </a:rPr>
-              <a:t> </a:t>
-            </a:r>
-            <a:r>
-              <a:rPr lang="en-US" sz="1400" dirty="0" err="1" smtClean="0">
-                <a:solidFill>
-                  <a:schemeClr val="tx2">
-                    <a:lumMod val="75000"/>
-                  </a:schemeClr>
-                </a:solidFill>
-              </a:rPr>
-              <a:t>này</a:t>
-            </a:r>
-            <a:r>
-              <a:rPr lang="en-US" sz="1400" dirty="0" smtClean="0">
-                <a:solidFill>
-                  <a:schemeClr val="tx2">
-                    <a:lumMod val="75000"/>
-                  </a:schemeClr>
-                </a:solidFill>
-              </a:rPr>
-              <a:t> </a:t>
-            </a:r>
-            <a:r>
-              <a:rPr lang="en-US" sz="1400" dirty="0" err="1" smtClean="0">
-                <a:solidFill>
-                  <a:schemeClr val="tx2">
-                    <a:lumMod val="75000"/>
-                  </a:schemeClr>
-                </a:solidFill>
-              </a:rPr>
-              <a:t>chỉ</a:t>
-            </a:r>
-            <a:r>
-              <a:rPr lang="en-US" sz="1400" dirty="0" smtClean="0">
-                <a:solidFill>
-                  <a:schemeClr val="tx2">
-                    <a:lumMod val="75000"/>
-                  </a:schemeClr>
-                </a:solidFill>
-              </a:rPr>
-              <a:t> </a:t>
-            </a:r>
-            <a:r>
-              <a:rPr lang="en-US" sz="1400" dirty="0" err="1" smtClean="0">
-                <a:solidFill>
-                  <a:schemeClr val="tx2">
-                    <a:lumMod val="75000"/>
-                  </a:schemeClr>
-                </a:solidFill>
-              </a:rPr>
-              <a:t>chiếm</a:t>
-            </a:r>
-            <a:r>
-              <a:rPr lang="en-US" sz="1400" dirty="0" smtClean="0">
-                <a:solidFill>
-                  <a:schemeClr val="tx2">
-                    <a:lumMod val="75000"/>
-                  </a:schemeClr>
-                </a:solidFill>
-              </a:rPr>
-              <a:t> 5%.</a:t>
-            </a:r>
-            <a:endParaRPr lang="en-US" sz="1400" dirty="0">
-              <a:solidFill>
-                <a:schemeClr val="tx2">
-                  <a:lumMod val="75000"/>
-                </a:schemeClr>
-              </a:solidFill>
-            </a:endParaRPr>
-          </a:p>
-        </p:txBody>
-      </p:sp>
+        <p:style>
+          <a:lnRef idx="1">
+            <a:schemeClr val="accent1"/>
+          </a:lnRef>
+          <a:fillRef idx="0">
+            <a:schemeClr val="accent1"/>
+          </a:fillRef>
+          <a:effectRef idx="0">
+            <a:schemeClr val="accent1"/>
+          </a:effectRef>
+          <a:fontRef idx="minor">
+            <a:schemeClr val="tx1"/>
+          </a:fontRef>
+        </p:style>
+      </p:cxnSp>
     </p:spTree>
     <p:extLst>
       <p:ext uri="{BB962C8B-B14F-4D97-AF65-F5344CB8AC3E}">
@@ -21073,76 +21510,112 @@
             <p:ph type="ctrTitle"/>
           </p:nvPr>
         </p:nvSpPr>
-        <p:spPr/>
+        <p:spPr>
+          <a:xfrm>
+            <a:off x="390697" y="61842"/>
+            <a:ext cx="10394950" cy="633412"/>
+          </a:xfrm>
+        </p:spPr>
         <p:txBody>
           <a:bodyPr/>
           <a:lstStyle/>
           <a:p>
             <a:r>
-              <a:rPr lang="en-US" dirty="0" err="1" smtClean="0"/>
+              <a:rPr lang="en-US" dirty="0" err="1">
+                <a:latin typeface="+mn-lt"/>
+              </a:rPr>
               <a:t>Hầu</a:t>
             </a:r>
             <a:r>
-              <a:rPr lang="en-US" dirty="0" smtClean="0"/>
+              <a:rPr lang="en-US" dirty="0">
+                <a:latin typeface="+mn-lt"/>
+              </a:rPr>
               <a:t> </a:t>
             </a:r>
             <a:r>
-              <a:rPr lang="en-US" dirty="0" err="1" smtClean="0"/>
+              <a:rPr lang="en-US" dirty="0" err="1">
+                <a:latin typeface="+mn-lt"/>
+              </a:rPr>
               <a:t>hết</a:t>
             </a:r>
             <a:r>
-              <a:rPr lang="en-US" dirty="0" smtClean="0"/>
+              <a:rPr lang="en-US" dirty="0">
+                <a:latin typeface="+mn-lt"/>
+              </a:rPr>
               <a:t> 1 Khách </a:t>
             </a:r>
             <a:r>
-              <a:rPr lang="en-US" dirty="0" err="1" smtClean="0"/>
+              <a:rPr lang="en-US" dirty="0" err="1">
+                <a:latin typeface="+mn-lt"/>
+              </a:rPr>
               <a:t>hàng</a:t>
             </a:r>
             <a:r>
-              <a:rPr lang="en-US" dirty="0" smtClean="0"/>
+              <a:rPr lang="en-US" dirty="0">
+                <a:latin typeface="+mn-lt"/>
+              </a:rPr>
               <a:t> </a:t>
             </a:r>
             <a:r>
-              <a:rPr lang="en-US" dirty="0" err="1" smtClean="0"/>
+              <a:rPr lang="en-US" dirty="0" err="1">
+                <a:latin typeface="+mn-lt"/>
+              </a:rPr>
               <a:t>có</a:t>
             </a:r>
             <a:r>
-              <a:rPr lang="en-US" dirty="0" smtClean="0"/>
+              <a:rPr lang="en-US" dirty="0">
+                <a:latin typeface="+mn-lt"/>
+              </a:rPr>
               <a:t> 1 </a:t>
             </a:r>
             <a:r>
-              <a:rPr lang="en-US" dirty="0" err="1" smtClean="0"/>
+              <a:rPr lang="en-US" dirty="0" err="1">
+                <a:latin typeface="+mn-lt"/>
+              </a:rPr>
               <a:t>thẻ</a:t>
             </a:r>
             <a:r>
-              <a:rPr lang="en-US" dirty="0" smtClean="0"/>
+              <a:rPr lang="en-US" dirty="0">
+                <a:latin typeface="+mn-lt"/>
+              </a:rPr>
               <a:t> </a:t>
             </a:r>
             <a:r>
-              <a:rPr lang="en-US" dirty="0" err="1" smtClean="0"/>
+              <a:rPr lang="en-US" dirty="0" err="1">
+                <a:latin typeface="+mn-lt"/>
+              </a:rPr>
               <a:t>chuyển</a:t>
             </a:r>
             <a:r>
-              <a:rPr lang="en-US" dirty="0" smtClean="0"/>
+              <a:rPr lang="en-US" dirty="0">
+                <a:latin typeface="+mn-lt"/>
+              </a:rPr>
               <a:t> </a:t>
             </a:r>
             <a:r>
-              <a:rPr lang="en-US" dirty="0" err="1" smtClean="0"/>
+              <a:rPr lang="en-US" dirty="0" err="1">
+                <a:latin typeface="+mn-lt"/>
+              </a:rPr>
               <a:t>trạng</a:t>
             </a:r>
             <a:r>
-              <a:rPr lang="en-US" dirty="0" smtClean="0"/>
+              <a:rPr lang="en-US" dirty="0">
+                <a:latin typeface="+mn-lt"/>
+              </a:rPr>
               <a:t> </a:t>
             </a:r>
             <a:r>
-              <a:rPr lang="en-US" dirty="0" err="1" smtClean="0"/>
+              <a:rPr lang="en-US" dirty="0" err="1">
+                <a:latin typeface="+mn-lt"/>
+              </a:rPr>
               <a:t>thái</a:t>
             </a:r>
             <a:r>
-              <a:rPr lang="en-US" dirty="0" smtClean="0"/>
+              <a:rPr lang="en-US" dirty="0">
+                <a:latin typeface="+mn-lt"/>
+              </a:rPr>
               <a:t> sang Potential risk</a:t>
             </a:r>
-            <a:endParaRPr lang="en-US" dirty="0"/>
           </a:p>
         </p:txBody>
       </p:sp>
@@ -21155,14 +21628,14 @@
           <p:nvPr>
             <p:extLst>
               <p:ext uri="{D42A27DB-BD31-4B8C-83A1-F6EECF244321}">
-                <p14:modId xmlns:p14="http://schemas.microsoft.com/office/powerpoint/2010/main" val="3399067614"/>
+                <p14:modId xmlns:p14="http://schemas.microsoft.com/office/powerpoint/2010/main" val="1381662650"/>
               </p:ext>
             </p:extLst>
           </p:nvPr>
         </p:nvGraphicFramePr>
         <p:xfrm>
-          <a:off x="390697" y="1301656"/>
-          <a:ext cx="4256117" cy="2279801"/>
+          <a:off x="480405" y="1530255"/>
+          <a:ext cx="4497351" cy="2286000"/>
         </p:xfrm>
         <a:graphic>
           <a:graphicData uri="http://schemas.openxmlformats.org/drawingml/2006/chart">
@@ -21178,8 +21651,8 @@
         </p:nvSpPr>
         <p:spPr>
           <a:xfrm>
-            <a:off x="2227812" y="-1483444"/>
-            <a:ext cx="3973484" cy="646331"/>
+            <a:off x="480404" y="881021"/>
+            <a:ext cx="4929795" cy="523220"/>
           </a:xfrm>
           <a:prstGeom prst="rect">
             <a:avLst/>
@@ -21193,78 +21666,65 @@
           <a:lstStyle/>
           <a:p>
             <a:r>
-              <a:rPr lang="en-US" dirty="0" err="1" smtClean="0"/>
-              <a:t>Đa</a:t>
-            </a:r>
-            <a:r>
-              <a:rPr lang="en-US" dirty="0" smtClean="0"/>
+              <a:rPr lang="en-US" sz="1400" dirty="0"/>
+              <a:t>~98% </a:t>
+            </a:r>
+            <a:r>
+              <a:rPr lang="en-US" sz="1400" dirty="0" err="1"/>
+              <a:t>khách</a:t>
+            </a:r>
+            <a:r>
+              <a:rPr lang="en-US" sz="1400" dirty="0"/>
               <a:t> </a:t>
             </a:r>
             <a:r>
-              <a:rPr lang="en-US" dirty="0" err="1" smtClean="0"/>
-              <a:t>số</a:t>
-            </a:r>
-            <a:r>
-              <a:rPr lang="en-US" dirty="0" smtClean="0"/>
-              <a:t> Khách </a:t>
-            </a:r>
-            <a:r>
-              <a:rPr lang="en-US" dirty="0" err="1" smtClean="0"/>
+              <a:rPr lang="en-US" sz="1400" dirty="0" err="1"/>
               <a:t>hàng</a:t>
             </a:r>
             <a:r>
-              <a:rPr lang="en-US" dirty="0" smtClean="0"/>
+              <a:rPr lang="en-US" sz="1400" dirty="0"/>
               <a:t> </a:t>
             </a:r>
             <a:r>
-              <a:rPr lang="en-US" dirty="0" err="1" smtClean="0"/>
+              <a:rPr lang="en-US" sz="1400" dirty="0" err="1"/>
               <a:t>có</a:t>
             </a:r>
             <a:r>
-              <a:rPr lang="en-US" dirty="0" smtClean="0"/>
+              <a:rPr lang="en-US" sz="1400" dirty="0"/>
               <a:t> 1 </a:t>
             </a:r>
             <a:r>
-              <a:rPr lang="en-US" dirty="0" err="1" smtClean="0"/>
+              <a:rPr lang="en-US" sz="1400" dirty="0" err="1"/>
               <a:t>thẻ</a:t>
             </a:r>
             <a:r>
-              <a:rPr lang="en-US" dirty="0" smtClean="0"/>
+              <a:rPr lang="en-US" sz="1400" dirty="0"/>
               <a:t> </a:t>
             </a:r>
             <a:r>
-              <a:rPr lang="en-US" dirty="0" err="1" smtClean="0"/>
-              <a:t>bị</a:t>
-            </a:r>
-            <a:r>
-              <a:rPr lang="en-US" dirty="0" smtClean="0"/>
+              <a:rPr lang="en-US" sz="1400" dirty="0" err="1"/>
+              <a:t>chuyển</a:t>
+            </a:r>
+            <a:r>
+              <a:rPr lang="en-US" sz="1400" dirty="0"/>
               <a:t> </a:t>
             </a:r>
             <a:r>
-              <a:rPr lang="en-US" dirty="0" err="1" smtClean="0"/>
-              <a:t>chuyển</a:t>
-            </a:r>
-            <a:r>
-              <a:rPr lang="en-US" dirty="0" smtClean="0"/>
+              <a:rPr lang="en-US" sz="1400" dirty="0" err="1"/>
+              <a:t>trạng</a:t>
+            </a:r>
+            <a:r>
+              <a:rPr lang="en-US" sz="1400" dirty="0"/>
               <a:t> </a:t>
             </a:r>
             <a:r>
-              <a:rPr lang="en-US" dirty="0" err="1" smtClean="0"/>
-              <a:t>trạng</a:t>
-            </a:r>
-            <a:r>
-              <a:rPr lang="en-US" dirty="0" smtClean="0"/>
-              <a:t> </a:t>
-            </a:r>
-            <a:r>
-              <a:rPr lang="en-US" dirty="0" err="1" smtClean="0"/>
+              <a:rPr lang="en-US" sz="1400" dirty="0" err="1"/>
               <a:t>thái</a:t>
             </a:r>
             <a:r>
-              <a:rPr lang="en-US" dirty="0" smtClean="0"/>
+              <a:rPr lang="en-US" sz="1400" dirty="0"/>
               <a:t> sang potential risk</a:t>
             </a:r>
-            <a:endParaRPr lang="en-US" dirty="0"/>
           </a:p>
         </p:txBody>
       </p:sp>
@@ -21290,8 +21750,8 @@
         </p:blipFill>
         <p:spPr>
           <a:xfrm>
-            <a:off x="7145077" y="1442695"/>
-            <a:ext cx="4473344" cy="2023711"/>
+            <a:off x="6534967" y="1404241"/>
+            <a:ext cx="4510422" cy="2286000"/>
           </a:xfrm>
           <a:prstGeom prst="rect">
             <a:avLst/>
@@ -21306,8 +21766,8 @@
         </p:nvSpPr>
         <p:spPr>
           <a:xfrm>
-            <a:off x="7270864" y="713007"/>
-            <a:ext cx="4347557" cy="646331"/>
+            <a:off x="6534966" y="881021"/>
+            <a:ext cx="5491161" cy="523220"/>
           </a:xfrm>
           <a:prstGeom prst="rect">
             <a:avLst/>
@@ -21321,98 +21781,161 @@
           <a:lstStyle/>
           <a:p>
             <a:r>
-              <a:rPr lang="en-US" dirty="0" smtClean="0"/>
+              <a:rPr lang="en-US" sz="1400" dirty="0"/>
               <a:t>50% </a:t>
             </a:r>
             <a:r>
-              <a:rPr lang="en-US" dirty="0" err="1" smtClean="0"/>
+              <a:rPr lang="en-US" sz="1400" dirty="0" err="1"/>
               <a:t>thẻ</a:t>
             </a:r>
             <a:r>
-              <a:rPr lang="en-US" dirty="0" smtClean="0"/>
+              <a:rPr lang="en-US" sz="1400" dirty="0"/>
               <a:t> </a:t>
             </a:r>
             <a:r>
-              <a:rPr lang="en-US" dirty="0" err="1" smtClean="0"/>
+              <a:rPr lang="en-US" sz="1400" dirty="0" err="1"/>
               <a:t>chuyển</a:t>
             </a:r>
             <a:r>
-              <a:rPr lang="en-US" dirty="0" smtClean="0"/>
+              <a:rPr lang="en-US" sz="1400" dirty="0"/>
               <a:t> </a:t>
             </a:r>
             <a:r>
-              <a:rPr lang="en-US" dirty="0" err="1" smtClean="0"/>
+              <a:rPr lang="en-US" sz="1400" dirty="0" err="1"/>
               <a:t>trạng</a:t>
             </a:r>
             <a:r>
-              <a:rPr lang="en-US" dirty="0" smtClean="0"/>
+              <a:rPr lang="en-US" sz="1400" dirty="0"/>
               <a:t> </a:t>
             </a:r>
             <a:r>
-              <a:rPr lang="en-US" dirty="0" err="1" smtClean="0"/>
+              <a:rPr lang="en-US" sz="1400" dirty="0" err="1"/>
               <a:t>thái</a:t>
             </a:r>
             <a:r>
-              <a:rPr lang="en-US" dirty="0" smtClean="0"/>
+              <a:rPr lang="en-US" sz="1400" dirty="0"/>
               <a:t> </a:t>
             </a:r>
             <a:r>
-              <a:rPr lang="en-US" dirty="0" err="1" smtClean="0"/>
+              <a:rPr lang="en-US" sz="1400" dirty="0" err="1"/>
               <a:t>sau</a:t>
             </a:r>
             <a:r>
-              <a:rPr lang="en-US" dirty="0" smtClean="0"/>
+              <a:rPr lang="en-US" sz="1400" dirty="0"/>
               <a:t> </a:t>
             </a:r>
             <a:r>
-              <a:rPr lang="en-US" dirty="0" err="1" smtClean="0"/>
+              <a:rPr lang="en-US" sz="1400" dirty="0" err="1"/>
               <a:t>gần</a:t>
             </a:r>
             <a:r>
-              <a:rPr lang="en-US" dirty="0" smtClean="0"/>
+              <a:rPr lang="en-US" sz="1400" dirty="0"/>
               <a:t> 500 </a:t>
             </a:r>
             <a:r>
-              <a:rPr lang="en-US" dirty="0" err="1" smtClean="0"/>
+              <a:rPr lang="en-US" sz="1400" dirty="0" err="1"/>
               <a:t>ngày</a:t>
             </a:r>
             <a:r>
-              <a:rPr lang="en-US" dirty="0" smtClean="0"/>
+              <a:rPr lang="en-US" sz="1400" dirty="0"/>
               <a:t> </a:t>
             </a:r>
             <a:r>
-              <a:rPr lang="en-US" dirty="0" err="1" smtClean="0"/>
+              <a:rPr lang="en-US" sz="1400" dirty="0" err="1"/>
               <a:t>mở</a:t>
             </a:r>
             <a:r>
-              <a:rPr lang="en-US" dirty="0" smtClean="0"/>
+              <a:rPr lang="en-US" sz="1400" dirty="0"/>
               <a:t> </a:t>
             </a:r>
             <a:r>
-              <a:rPr lang="en-US" dirty="0" err="1" smtClean="0"/>
+              <a:rPr lang="en-US" sz="1400" dirty="0" err="1"/>
               <a:t>thẻ</a:t>
             </a:r>
             <a:r>
-              <a:rPr lang="en-US" dirty="0" smtClean="0"/>
+              <a:rPr lang="en-US" sz="1400" dirty="0"/>
               <a:t> (</a:t>
             </a:r>
             <a:r>
-              <a:rPr lang="en-US" dirty="0" err="1" smtClean="0"/>
+              <a:rPr lang="en-US" sz="1400" dirty="0" err="1"/>
               <a:t>xét</a:t>
             </a:r>
             <a:r>
-              <a:rPr lang="en-US" dirty="0" smtClean="0"/>
-              <a:t> all Khách </a:t>
-            </a:r>
-            <a:r>
-              <a:rPr lang="en-US" dirty="0" err="1" smtClean="0"/>
+              <a:rPr lang="en-US" sz="1400" dirty="0"/>
+              <a:t> </a:t>
+            </a:r>
+            <a:r>
+              <a:rPr lang="en-US" sz="1400" dirty="0" err="1"/>
+              <a:t>tất</a:t>
+            </a:r>
+            <a:r>
+              <a:rPr lang="en-US" sz="1400" dirty="0"/>
+              <a:t> </a:t>
+            </a:r>
+            <a:r>
+              <a:rPr lang="en-US" sz="1400" dirty="0" err="1"/>
+              <a:t>cả</a:t>
+            </a:r>
+            <a:r>
+              <a:rPr lang="en-US" sz="1400" dirty="0"/>
+              <a:t> </a:t>
+            </a:r>
+            <a:r>
+              <a:rPr lang="en-US" sz="1400" dirty="0" err="1"/>
+              <a:t>khách</a:t>
+            </a:r>
+            <a:r>
+              <a:rPr lang="en-US" sz="1400" dirty="0"/>
+              <a:t> </a:t>
+            </a:r>
+            <a:r>
+              <a:rPr lang="en-US" sz="1400" dirty="0" err="1"/>
               <a:t>hàng</a:t>
             </a:r>
             <a:r>
-              <a:rPr lang="en-US" dirty="0" smtClean="0"/>
-              <a:t>)</a:t>
-            </a:r>
-            <a:endParaRPr lang="en-US" dirty="0"/>
+              <a:rPr lang="en-US" sz="1400" dirty="0"/>
+              <a:t> </a:t>
+            </a:r>
+            <a:r>
+              <a:rPr lang="en-US" sz="1400" dirty="0" err="1"/>
+              <a:t>có</a:t>
+            </a:r>
+            <a:r>
+              <a:rPr lang="en-US" sz="1400" dirty="0"/>
+              <a:t> </a:t>
+            </a:r>
+            <a:r>
+              <a:rPr lang="en-US" sz="1400" dirty="0" err="1"/>
+              <a:t>thẻ</a:t>
+            </a:r>
+            <a:r>
+              <a:rPr lang="en-US" sz="1400" dirty="0"/>
+              <a:t> </a:t>
+            </a:r>
+            <a:r>
+              <a:rPr lang="en-US" sz="1400" dirty="0" err="1"/>
+              <a:t>chuyển</a:t>
+            </a:r>
+            <a:r>
+              <a:rPr lang="en-US" sz="1400" dirty="0"/>
+              <a:t> </a:t>
+            </a:r>
+            <a:r>
+              <a:rPr lang="en-US" sz="1400" dirty="0" err="1"/>
+              <a:t>trạng</a:t>
+            </a:r>
+            <a:r>
+              <a:rPr lang="en-US" sz="1400" dirty="0"/>
+              <a:t> </a:t>
+            </a:r>
+            <a:r>
+              <a:rPr lang="en-US" sz="1400" dirty="0" err="1"/>
+              <a:t>thái</a:t>
+            </a:r>
+            <a:r>
+              <a:rPr lang="en-US" sz="1400" dirty="0"/>
+              <a:t> sang Potential risk)</a:t>
+            </a:r>
           </a:p>
         </p:txBody>
       </p:sp>
@@ -21438,8 +21961,8 @@
         </p:blipFill>
         <p:spPr>
           <a:xfrm>
-            <a:off x="7148440" y="4256462"/>
-            <a:ext cx="4277287" cy="2434311"/>
+            <a:off x="6548039" y="4361852"/>
+            <a:ext cx="4497350" cy="2286000"/>
           </a:xfrm>
           <a:prstGeom prst="rect">
             <a:avLst/>
@@ -21454,8 +21977,8 @@
         </p:nvSpPr>
         <p:spPr>
           <a:xfrm flipH="1">
-            <a:off x="7665718" y="3324861"/>
-            <a:ext cx="3697780" cy="738664"/>
+            <a:off x="6534966" y="3800532"/>
+            <a:ext cx="4891182" cy="523220"/>
           </a:xfrm>
           <a:prstGeom prst="rect">
             <a:avLst/>
@@ -21469,150 +21992,166 @@
           <a:lstStyle/>
           <a:p>
             <a:r>
-              <a:rPr lang="en-US" sz="1400" dirty="0" smtClean="0"/>
+              <a:rPr lang="en-US" sz="1400" dirty="0"/>
               <a:t>50% </a:t>
             </a:r>
             <a:r>
-              <a:rPr lang="en-US" sz="1400" dirty="0" err="1" smtClean="0"/>
+              <a:rPr lang="en-US" sz="1400" dirty="0" err="1"/>
               <a:t>thẻ</a:t>
             </a:r>
             <a:r>
-              <a:rPr lang="en-US" sz="1400" dirty="0" smtClean="0"/>
+              <a:rPr lang="en-US" sz="1400" dirty="0"/>
               <a:t> </a:t>
             </a:r>
             <a:r>
-              <a:rPr lang="en-US" sz="1400" dirty="0" err="1" smtClean="0"/>
-              <a:t>bị</a:t>
-            </a:r>
-            <a:r>
-              <a:rPr lang="en-US" sz="1400" dirty="0" smtClean="0"/>
+              <a:rPr lang="en-US" sz="1400" dirty="0" err="1"/>
+              <a:t>chuyển</a:t>
+            </a:r>
+            <a:r>
+              <a:rPr lang="en-US" sz="1400" dirty="0"/>
               <a:t> </a:t>
             </a:r>
             <a:r>
-              <a:rPr lang="en-US" sz="1400" dirty="0" err="1" smtClean="0"/>
+              <a:rPr lang="en-US" sz="1400" dirty="0" err="1"/>
+              <a:t>trạng</a:t>
+            </a:r>
+            <a:r>
+              <a:rPr lang="en-US" sz="1400" dirty="0"/>
+              <a:t> </a:t>
+            </a:r>
+            <a:r>
+              <a:rPr lang="en-US" sz="1400" dirty="0" err="1"/>
+              <a:t>thái</a:t>
+            </a:r>
+            <a:r>
+              <a:rPr lang="en-US" sz="1400" dirty="0"/>
+              <a:t> </a:t>
+            </a:r>
+            <a:r>
+              <a:rPr lang="en-US" sz="1400" dirty="0" err="1"/>
+              <a:t>sau</a:t>
+            </a:r>
+            <a:r>
+              <a:rPr lang="en-US" sz="1400" dirty="0"/>
+              <a:t> 200 </a:t>
+            </a:r>
+            <a:r>
+              <a:rPr lang="en-US" sz="1400" dirty="0" err="1"/>
+              <a:t>ngày</a:t>
+            </a:r>
+            <a:r>
+              <a:rPr lang="en-US" sz="1400" dirty="0"/>
+              <a:t> </a:t>
+            </a:r>
+            <a:r>
+              <a:rPr lang="en-US" sz="1400" dirty="0" err="1"/>
+              <a:t>mở</a:t>
+            </a:r>
+            <a:r>
+              <a:rPr lang="en-US" sz="1400" dirty="0"/>
+              <a:t> </a:t>
+            </a:r>
+            <a:r>
+              <a:rPr lang="en-US" sz="1400" dirty="0" err="1"/>
+              <a:t>thẻ</a:t>
+            </a:r>
+            <a:r>
+              <a:rPr lang="en-US" sz="1400" dirty="0"/>
+              <a:t> </a:t>
+            </a:r>
+            <a:r>
+              <a:rPr lang="en-US" sz="1400" dirty="0" err="1"/>
+              <a:t>với</a:t>
+            </a:r>
+            <a:r>
+              <a:rPr lang="en-US" sz="1400" dirty="0"/>
+              <a:t> </a:t>
+            </a:r>
+            <a:r>
+              <a:rPr lang="en-US" sz="1400" dirty="0" err="1"/>
+              <a:t>khách</a:t>
+            </a:r>
+            <a:r>
+              <a:rPr lang="en-US" sz="1400" dirty="0"/>
+              <a:t> </a:t>
+            </a:r>
+            <a:r>
+              <a:rPr lang="en-US" sz="1400" dirty="0" err="1"/>
+              <a:t>hàng</a:t>
+            </a:r>
+            <a:r>
+              <a:rPr lang="en-US" sz="1400" dirty="0"/>
+              <a:t> </a:t>
+            </a:r>
+            <a:r>
+              <a:rPr lang="en-US" sz="1400" dirty="0" err="1"/>
+              <a:t>có</a:t>
+            </a:r>
+            <a:r>
+              <a:rPr lang="en-US" sz="1400" dirty="0"/>
+              <a:t> </a:t>
+            </a:r>
+            <a:r>
+              <a:rPr lang="en-US" sz="1400" dirty="0" err="1"/>
+              <a:t>lớn</a:t>
+            </a:r>
+            <a:r>
+              <a:rPr lang="en-US" sz="1400" dirty="0"/>
+              <a:t> </a:t>
+            </a:r>
+            <a:r>
+              <a:rPr lang="en-US" sz="1400" dirty="0" err="1"/>
+              <a:t>hơn</a:t>
+            </a:r>
+            <a:r>
+              <a:rPr lang="en-US" sz="1400" dirty="0"/>
+              <a:t> </a:t>
+            </a:r>
+            <a:r>
+              <a:rPr lang="en-US" sz="1400" dirty="0" err="1"/>
+              <a:t>hoặc</a:t>
+            </a:r>
+            <a:r>
+              <a:rPr lang="en-US" sz="1400" dirty="0"/>
+              <a:t> </a:t>
+            </a:r>
+            <a:r>
+              <a:rPr lang="en-US" sz="1400" dirty="0" err="1"/>
+              <a:t>bằng</a:t>
+            </a:r>
+            <a:r>
+              <a:rPr lang="en-US" sz="1400" dirty="0"/>
+              <a:t> 2 </a:t>
+            </a:r>
+            <a:r>
+              <a:rPr lang="en-US" sz="1400" dirty="0" err="1"/>
+              <a:t>thẻ</a:t>
+            </a:r>
+            <a:r>
+              <a:rPr lang="en-US" sz="1400" dirty="0"/>
+              <a:t> </a:t>
+            </a:r>
+            <a:r>
+              <a:rPr lang="en-US" sz="1400" dirty="0" err="1"/>
               <a:t>chuyển</a:t>
             </a:r>
             <a:r>
-              <a:rPr lang="en-US" sz="1400" dirty="0" smtClean="0"/>
+              <a:rPr lang="en-US" sz="1400" dirty="0"/>
               <a:t> </a:t>
             </a:r>
             <a:r>
-              <a:rPr lang="en-US" sz="1400" dirty="0" err="1" smtClean="0"/>
+              <a:rPr lang="en-US" sz="1400" dirty="0" err="1"/>
               <a:t>trạng</a:t>
             </a:r>
             <a:r>
-              <a:rPr lang="en-US" sz="1400" dirty="0" smtClean="0"/>
+              <a:rPr lang="en-US" sz="1400" dirty="0"/>
               <a:t> </a:t>
             </a:r>
             <a:r>
-              <a:rPr lang="en-US" sz="1400" dirty="0" err="1" smtClean="0"/>
+              <a:rPr lang="en-US" sz="1400" dirty="0" err="1"/>
               <a:t>thái</a:t>
             </a:r>
-            <a:r>
-              <a:rPr lang="en-US" sz="1400" dirty="0" smtClean="0"/>
-              <a:t> </a:t>
-            </a:r>
-            <a:r>
-              <a:rPr lang="en-US" sz="1400" dirty="0" err="1" smtClean="0"/>
-              <a:t>sau</a:t>
-            </a:r>
-            <a:r>
-              <a:rPr lang="en-US" sz="1400" dirty="0" smtClean="0"/>
-              <a:t> 200 </a:t>
-            </a:r>
-            <a:r>
-              <a:rPr lang="en-US" sz="1400" dirty="0" err="1" smtClean="0"/>
-              <a:t>ngày</a:t>
-            </a:r>
-            <a:r>
-              <a:rPr lang="en-US" sz="1400" dirty="0" smtClean="0"/>
-              <a:t> </a:t>
-            </a:r>
-            <a:r>
-              <a:rPr lang="en-US" sz="1400" dirty="0" err="1" smtClean="0"/>
-              <a:t>với</a:t>
-            </a:r>
-            <a:r>
-              <a:rPr lang="en-US" sz="1400" dirty="0" smtClean="0"/>
-              <a:t> Khách </a:t>
-            </a:r>
-            <a:r>
-              <a:rPr lang="en-US" sz="1400" dirty="0" err="1" smtClean="0"/>
-              <a:t>hàng</a:t>
-            </a:r>
-            <a:r>
-              <a:rPr lang="en-US" sz="1400" dirty="0" smtClean="0"/>
-              <a:t> </a:t>
-            </a:r>
-            <a:r>
-              <a:rPr lang="en-US" sz="1400" dirty="0" err="1" smtClean="0"/>
-              <a:t>có</a:t>
-            </a:r>
-            <a:r>
-              <a:rPr lang="en-US" sz="1400" dirty="0" smtClean="0"/>
-              <a:t> </a:t>
-            </a:r>
-            <a:r>
-              <a:rPr lang="en-US" sz="1400" dirty="0" err="1" smtClean="0"/>
-              <a:t>lớn</a:t>
-            </a:r>
-            <a:r>
-              <a:rPr lang="en-US" sz="1400" dirty="0" smtClean="0"/>
-              <a:t> </a:t>
-            </a:r>
-            <a:r>
-              <a:rPr lang="en-US" sz="1400" dirty="0" err="1" smtClean="0"/>
-              <a:t>hơn</a:t>
-            </a:r>
-            <a:r>
-              <a:rPr lang="en-US" sz="1400" dirty="0" smtClean="0"/>
-              <a:t> </a:t>
-            </a:r>
-            <a:r>
-              <a:rPr lang="en-US" sz="1400" dirty="0" err="1" smtClean="0"/>
-              <a:t>hoặc</a:t>
-            </a:r>
-            <a:r>
-              <a:rPr lang="en-US" sz="1400" dirty="0" smtClean="0"/>
-              <a:t> </a:t>
-            </a:r>
-            <a:r>
-              <a:rPr lang="en-US" sz="1400" dirty="0" err="1" smtClean="0"/>
-              <a:t>bằng</a:t>
-            </a:r>
-            <a:r>
-              <a:rPr lang="en-US" sz="1400" dirty="0" smtClean="0"/>
-              <a:t> 2 </a:t>
-            </a:r>
-            <a:r>
-              <a:rPr lang="en-US" sz="1400" dirty="0" err="1" smtClean="0"/>
-              <a:t>thẻ</a:t>
-            </a:r>
-            <a:r>
-              <a:rPr lang="en-US" sz="1400" dirty="0" smtClean="0"/>
-              <a:t> </a:t>
-            </a:r>
-            <a:r>
-              <a:rPr lang="en-US" sz="1400" dirty="0" err="1" smtClean="0"/>
-              <a:t>chuyển</a:t>
-            </a:r>
-            <a:r>
-              <a:rPr lang="en-US" sz="1400" dirty="0" smtClean="0"/>
-              <a:t> </a:t>
-            </a:r>
-            <a:r>
-              <a:rPr lang="en-US" sz="1400" dirty="0" err="1" smtClean="0"/>
-              <a:t>trạng</a:t>
-            </a:r>
-            <a:r>
-              <a:rPr lang="en-US" sz="1400" dirty="0" smtClean="0"/>
-              <a:t> </a:t>
-            </a:r>
-            <a:r>
-              <a:rPr lang="en-US" sz="1400" dirty="0" err="1" smtClean="0"/>
-              <a:t>thái</a:t>
-            </a:r>
-            <a:endParaRPr lang="en-US" sz="1400" dirty="0" smtClean="0"/>
+            <a:endParaRPr lang="en-US" sz="1400" dirty="0"/>
           </a:p>
         </p:txBody>
       </p:sp>
@@ -21625,14 +22164,14 @@
           <p:nvPr>
             <p:extLst>
               <p:ext uri="{D42A27DB-BD31-4B8C-83A1-F6EECF244321}">
-                <p14:modId xmlns:p14="http://schemas.microsoft.com/office/powerpoint/2010/main" val="478107773"/>
+                <p14:modId xmlns:p14="http://schemas.microsoft.com/office/powerpoint/2010/main" val="4222790109"/>
               </p:ext>
             </p:extLst>
           </p:nvPr>
         </p:nvGraphicFramePr>
         <p:xfrm>
-          <a:off x="108067" y="4257434"/>
-          <a:ext cx="3416529" cy="1287005"/>
+          <a:off x="480405" y="4390782"/>
+          <a:ext cx="4497351" cy="2286000"/>
         </p:xfrm>
         <a:graphic>
           <a:graphicData uri="http://schemas.openxmlformats.org/drawingml/2006/chart">
@@ -21640,6 +22179,242 @@
           </a:graphicData>
         </a:graphic>
       </p:graphicFrame>
+      <p:cxnSp>
+        <p:nvCxnSpPr>
+          <p:cNvPr id="2" name="Straight Connector 1">
+            <a:extLst>
+              <a:ext uri="{FF2B5EF4-FFF2-40B4-BE49-F238E27FC236}">
+                <a16:creationId xmlns:a16="http://schemas.microsoft.com/office/drawing/2014/main" id="{4DCC07F9-2504-BF14-4ABB-307595842DEC}"/>
+              </a:ext>
+            </a:extLst>
+          </p:cNvPr>
+          <p:cNvCxnSpPr/>
+          <p:nvPr/>
+        </p:nvCxnSpPr>
+        <p:spPr>
+          <a:xfrm>
+            <a:off x="5995186" y="1256235"/>
+            <a:ext cx="18107" cy="5084491"/>
+          </a:xfrm>
+          <a:prstGeom prst="line">
+            <a:avLst/>
+          </a:prstGeom>
+          <a:ln w="3175">
+            <a:solidFill>
+              <a:srgbClr val="196847"/>
+            </a:solidFill>
+            <a:prstDash val="dash"/>
+          </a:ln>
+        </p:spPr>
+        <p:style>
+          <a:lnRef idx="1">
+            <a:schemeClr val="accent1"/>
+          </a:lnRef>
+          <a:fillRef idx="0">
+            <a:schemeClr val="accent1"/>
+          </a:fillRef>
+          <a:effectRef idx="0">
+            <a:schemeClr val="accent1"/>
+          </a:effectRef>
+          <a:fontRef idx="minor">
+            <a:schemeClr val="tx1"/>
+          </a:fontRef>
+        </p:style>
+      </p:cxnSp>
+      <p:sp>
+        <p:nvSpPr>
+          <p:cNvPr id="7" name="TextBox 6">
+            <a:extLst>
+              <a:ext uri="{FF2B5EF4-FFF2-40B4-BE49-F238E27FC236}">
+                <a16:creationId xmlns:a16="http://schemas.microsoft.com/office/drawing/2014/main" id="{0E20AB30-C0BC-BFB5-19CC-3B639D890F6F}"/>
+              </a:ext>
+            </a:extLst>
+          </p:cNvPr>
+          <p:cNvSpPr txBox="1"/>
+          <p:nvPr/>
+        </p:nvSpPr>
+        <p:spPr>
+          <a:xfrm>
+            <a:off x="390697" y="3810057"/>
+            <a:ext cx="5438603" cy="523220"/>
+          </a:xfrm>
+          <a:prstGeom prst="rect">
+            <a:avLst/>
+          </a:prstGeom>
+          <a:noFill/>
+        </p:spPr>
+        <p:txBody>
+          <a:bodyPr wrap="square" rtlCol="0">
+            <a:spAutoFit/>
+          </a:bodyPr>
+          <a:lstStyle/>
+          <a:p>
+            <a:r>
+              <a:rPr lang="en-US" sz="1400" dirty="0"/>
+              <a:t>40% </a:t>
+            </a:r>
+            <a:r>
+              <a:rPr lang="en-US" sz="1400" dirty="0" err="1"/>
+              <a:t>khách</a:t>
+            </a:r>
+            <a:r>
+              <a:rPr lang="en-US" sz="1400" dirty="0"/>
+              <a:t> </a:t>
+            </a:r>
+            <a:r>
+              <a:rPr lang="en-US" sz="1400" dirty="0" err="1"/>
+              <a:t>hàng</a:t>
+            </a:r>
+            <a:r>
+              <a:rPr lang="en-US" sz="1400" dirty="0"/>
+              <a:t> </a:t>
+            </a:r>
+            <a:r>
+              <a:rPr lang="en-US" sz="1400" dirty="0" err="1"/>
+              <a:t>có</a:t>
+            </a:r>
+            <a:r>
+              <a:rPr lang="en-US" sz="1400" dirty="0"/>
+              <a:t> </a:t>
+            </a:r>
+            <a:r>
+              <a:rPr lang="en-US" sz="1400" dirty="0" err="1"/>
+              <a:t>thẻ</a:t>
+            </a:r>
+            <a:r>
+              <a:rPr lang="en-US" sz="1400" dirty="0"/>
+              <a:t> </a:t>
+            </a:r>
+            <a:r>
+              <a:rPr lang="en-US" sz="1400" dirty="0" err="1"/>
+              <a:t>chuyển</a:t>
+            </a:r>
+            <a:r>
+              <a:rPr lang="en-US" sz="1400" dirty="0"/>
+              <a:t> </a:t>
+            </a:r>
+            <a:r>
+              <a:rPr lang="en-US" sz="1400" dirty="0" err="1"/>
+              <a:t>trạng</a:t>
+            </a:r>
+            <a:r>
+              <a:rPr lang="en-US" sz="1400" dirty="0"/>
+              <a:t> </a:t>
+            </a:r>
+            <a:r>
+              <a:rPr lang="en-US" sz="1400" dirty="0" err="1"/>
+              <a:t>thái</a:t>
+            </a:r>
+            <a:r>
+              <a:rPr lang="en-US" sz="1400" dirty="0"/>
+              <a:t> 2 </a:t>
+            </a:r>
+            <a:r>
+              <a:rPr lang="en-US" sz="1400" dirty="0" err="1"/>
+              <a:t>hoặc</a:t>
+            </a:r>
+            <a:r>
+              <a:rPr lang="en-US" sz="1400" dirty="0"/>
+              <a:t> </a:t>
+            </a:r>
+            <a:r>
+              <a:rPr lang="en-US" sz="1400" dirty="0" err="1"/>
+              <a:t>trên</a:t>
+            </a:r>
+            <a:r>
+              <a:rPr lang="en-US" sz="1400" dirty="0"/>
+              <a:t> 2 </a:t>
+            </a:r>
+            <a:r>
+              <a:rPr lang="en-US" sz="1400" dirty="0" err="1"/>
+              <a:t>lần</a:t>
+            </a:r>
+            <a:r>
+              <a:rPr lang="en-US" sz="1400" dirty="0"/>
+              <a:t> </a:t>
+            </a:r>
+            <a:r>
+              <a:rPr lang="en-US" sz="1400" dirty="0" err="1"/>
+              <a:t>đến</a:t>
+            </a:r>
+            <a:r>
+              <a:rPr lang="en-US" sz="1400" dirty="0"/>
+              <a:t> </a:t>
+            </a:r>
+            <a:r>
+              <a:rPr lang="en-US" sz="1400" dirty="0" err="1"/>
+              <a:t>từ</a:t>
+            </a:r>
+            <a:r>
+              <a:rPr lang="en-US" sz="1400" dirty="0"/>
+              <a:t> </a:t>
+            </a:r>
+            <a:r>
+              <a:rPr lang="en-US" sz="1400" dirty="0" err="1"/>
+              <a:t>tập</a:t>
+            </a:r>
+            <a:r>
+              <a:rPr lang="en-US" sz="1400" dirty="0"/>
+              <a:t> </a:t>
+            </a:r>
+            <a:r>
+              <a:rPr lang="en-US" sz="1400" dirty="0" err="1"/>
+              <a:t>khách</a:t>
+            </a:r>
+            <a:r>
+              <a:rPr lang="en-US" sz="1400" dirty="0"/>
+              <a:t> </a:t>
+            </a:r>
+            <a:r>
+              <a:rPr lang="en-US" sz="1400" dirty="0" err="1"/>
+              <a:t>hàng</a:t>
+            </a:r>
+            <a:r>
+              <a:rPr lang="en-US" sz="1400" dirty="0"/>
+              <a:t> AF</a:t>
+            </a:r>
+          </a:p>
+        </p:txBody>
+      </p:sp>
+      <p:sp>
+        <p:nvSpPr>
+          <p:cNvPr id="12" name="TextBox 11">
+            <a:extLst>
+              <a:ext uri="{FF2B5EF4-FFF2-40B4-BE49-F238E27FC236}">
+                <a16:creationId xmlns:a16="http://schemas.microsoft.com/office/drawing/2014/main" id="{D72D46C5-B269-4F3E-BB21-DBD16F7D727E}"/>
+              </a:ext>
+            </a:extLst>
+          </p:cNvPr>
+          <p:cNvSpPr txBox="1"/>
+          <p:nvPr/>
+        </p:nvSpPr>
+        <p:spPr>
+          <a:xfrm>
+            <a:off x="1990725" y="5048250"/>
+            <a:ext cx="680430" cy="584775"/>
+          </a:xfrm>
+          <a:prstGeom prst="rect">
+            <a:avLst/>
+          </a:prstGeom>
+          <a:noFill/>
+        </p:spPr>
+        <p:txBody>
+          <a:bodyPr wrap="square" rtlCol="0">
+            <a:spAutoFit/>
+          </a:bodyPr>
+          <a:lstStyle/>
+          <a:p>
+            <a:r>
+              <a:rPr lang="en-US" sz="1600" dirty="0">
+                <a:solidFill>
+                  <a:schemeClr val="bg1"/>
+                </a:solidFill>
+              </a:rPr>
+              <a:t>   40%</a:t>
+            </a:r>
+          </a:p>
+        </p:txBody>
+      </p:sp>
     </p:spTree>
     <p:extLst>
       <p:ext uri="{BB962C8B-B14F-4D97-AF65-F5344CB8AC3E}">
@@ -21695,7 +22470,7 @@
           <a:p>
             <a:r>
               <a:rPr lang="en-US" sz="5400" dirty="0">
-                <a:latin typeface="Times New Roman" panose="02020603050405020304" pitchFamily="18" charset="0"/>
+                <a:latin typeface="+mn-lt"/>
                 <a:cs typeface="Times New Roman" panose="02020603050405020304" pitchFamily="18" charset="0"/>
               </a:rPr>
               <a:t>Thank you</a:t>
